--- a/slides/CIPS_talk.pptx
+++ b/slides/CIPS_talk.pptx
@@ -5,10 +5,10 @@
     <p:sldMasterId id="2147483648" r:id="rId1"/>
   </p:sldMasterIdLst>
   <p:notesMasterIdLst>
-    <p:notesMasterId r:id="rId48"/>
+    <p:notesMasterId r:id="rId53"/>
   </p:notesMasterIdLst>
   <p:handoutMasterIdLst>
-    <p:handoutMasterId r:id="rId49"/>
+    <p:handoutMasterId r:id="rId54"/>
   </p:handoutMasterIdLst>
   <p:sldIdLst>
     <p:sldId id="256" r:id="rId2"/>
@@ -45,18 +45,23 @@
     <p:sldId id="316" r:id="rId33"/>
     <p:sldId id="317" r:id="rId34"/>
     <p:sldId id="318" r:id="rId35"/>
-    <p:sldId id="319" r:id="rId36"/>
-    <p:sldId id="320" r:id="rId37"/>
-    <p:sldId id="321" r:id="rId38"/>
-    <p:sldId id="322" r:id="rId39"/>
-    <p:sldId id="328" r:id="rId40"/>
-    <p:sldId id="329" r:id="rId41"/>
-    <p:sldId id="323" r:id="rId42"/>
-    <p:sldId id="330" r:id="rId43"/>
-    <p:sldId id="324" r:id="rId44"/>
-    <p:sldId id="325" r:id="rId45"/>
-    <p:sldId id="326" r:id="rId46"/>
-    <p:sldId id="327" r:id="rId47"/>
+    <p:sldId id="331" r:id="rId36"/>
+    <p:sldId id="319" r:id="rId37"/>
+    <p:sldId id="320" r:id="rId38"/>
+    <p:sldId id="321" r:id="rId39"/>
+    <p:sldId id="322" r:id="rId40"/>
+    <p:sldId id="328" r:id="rId41"/>
+    <p:sldId id="329" r:id="rId42"/>
+    <p:sldId id="323" r:id="rId43"/>
+    <p:sldId id="330" r:id="rId44"/>
+    <p:sldId id="324" r:id="rId45"/>
+    <p:sldId id="325" r:id="rId46"/>
+    <p:sldId id="326" r:id="rId47"/>
+    <p:sldId id="335" r:id="rId48"/>
+    <p:sldId id="332" r:id="rId49"/>
+    <p:sldId id="333" r:id="rId50"/>
+    <p:sldId id="334" r:id="rId51"/>
+    <p:sldId id="327" r:id="rId52"/>
   </p:sldIdLst>
   <p:sldSz cx="9144000" cy="6858000" type="screen4x3"/>
   <p:notesSz cx="6858000" cy="9144000"/>
@@ -198,6 +203,7 @@
             <p14:sldId id="316"/>
             <p14:sldId id="317"/>
             <p14:sldId id="318"/>
+            <p14:sldId id="331"/>
             <p14:sldId id="319"/>
             <p14:sldId id="320"/>
             <p14:sldId id="321"/>
@@ -209,6 +215,10 @@
             <p14:sldId id="324"/>
             <p14:sldId id="325"/>
             <p14:sldId id="326"/>
+            <p14:sldId id="335"/>
+            <p14:sldId id="332"/>
+            <p14:sldId id="333"/>
+            <p14:sldId id="334"/>
             <p14:sldId id="327"/>
           </p14:sldIdLst>
         </p14:section>
@@ -220,7 +230,7 @@
 
 <file path=ppt/commentAuthors.xml><?xml version="1.0" encoding="utf-8"?>
 <p:cmAuthorLst xmlns:a="http://schemas.openxmlformats.org/drawingml/2006/main" xmlns:r="http://schemas.openxmlformats.org/officeDocument/2006/relationships" xmlns:p="http://schemas.openxmlformats.org/presentationml/2006/main">
-  <p:cmAuthor id="0" name="Ana-Maria Piso" initials="" lastIdx="1" clrIdx="0"/>
+  <p:cmAuthor id="0" name="Ana-Maria Piso" initials="" lastIdx="2" clrIdx="0"/>
 </p:cmAuthorLst>
 </file>
 
@@ -785,30 +795,6 @@
           <a:bodyPr/>
           <a:lstStyle/>
           <a:p>
-            <a:r>
-              <a:rPr lang="en-US" dirty="0" smtClean="0"/>
-              <a:t>…and what I would like to talk about today is the minimum</a:t>
-            </a:r>
-            <a:r>
-              <a:rPr lang="en-US" baseline="0" dirty="0" smtClean="0"/>
-              <a:t> core mass for giant planet formation. Now, when we think of minimum core mass, we think core accretion. In core accretion, we know that for a giant planet to form it needs a solid core, that grows, and once it becomes massive enough it can then accumulate a significant atmosphere. How big of a core do we need? Well, typically this value is believed to be around 10 Me. However, this is not a constant, and it not only depends on where we are in the disk but also on how fast the core grows. Now why do we care about this? We have seen throughout this week giant planets imaged at wide separations. Now, we don’t know whether these planets formed through core accretion or not; but if they do, and if core accretion works at large separations, then it’s very important to understand how it works, and more importantly to be able to place a robust </a:t>
-            </a:r>
-            <a:r>
-              <a:rPr lang="en-US" baseline="0" dirty="0" err="1" smtClean="0"/>
-              <a:t>absolut</a:t>
-            </a:r>
-            <a:r>
-              <a:rPr lang="en-US" baseline="0" dirty="0" smtClean="0"/>
-              <a:t> minimum for a giant planet to form within the lifetime of the </a:t>
-            </a:r>
-            <a:r>
-              <a:rPr lang="en-US" baseline="0" dirty="0" err="1" smtClean="0"/>
-              <a:t>protoplanetary</a:t>
-            </a:r>
-            <a:r>
-              <a:rPr lang="en-US" baseline="0" dirty="0" smtClean="0"/>
-              <a:t> disk. And this is what I am going to talk about today.</a:t>
-            </a:r>
             <a:endParaRPr lang="en-US" dirty="0"/>
           </a:p>
         </p:txBody>
@@ -840,6 +826,590 @@
     <p:extLst>
       <p:ext uri="{BB962C8B-B14F-4D97-AF65-F5344CB8AC3E}">
         <p14:creationId xmlns:p14="http://schemas.microsoft.com/office/powerpoint/2010/main" val="3550243095"/>
+      </p:ext>
+    </p:extLst>
+  </p:cSld>
+  <p:clrMapOvr>
+    <a:masterClrMapping/>
+  </p:clrMapOvr>
+</p:notes>
+</file>
+
+<file path=ppt/notesSlides/notesSlide10.xml><?xml version="1.0" encoding="utf-8"?>
+<p:notes xmlns:a="http://schemas.openxmlformats.org/drawingml/2006/main" xmlns:r="http://schemas.openxmlformats.org/officeDocument/2006/relationships" xmlns:p="http://schemas.openxmlformats.org/presentationml/2006/main">
+  <p:cSld>
+    <p:spTree>
+      <p:nvGrpSpPr>
+        <p:cNvPr id="1" name=""/>
+        <p:cNvGrpSpPr/>
+        <p:nvPr/>
+      </p:nvGrpSpPr>
+      <p:grpSpPr>
+        <a:xfrm>
+          <a:off x="0" y="0"/>
+          <a:ext cx="0" cy="0"/>
+          <a:chOff x="0" y="0"/>
+          <a:chExt cx="0" cy="0"/>
+        </a:xfrm>
+      </p:grpSpPr>
+      <p:sp>
+        <p:nvSpPr>
+          <p:cNvPr id="2" name="Slide Image Placeholder 1"/>
+          <p:cNvSpPr>
+            <a:spLocks noGrp="1" noRot="1" noChangeAspect="1"/>
+          </p:cNvSpPr>
+          <p:nvPr>
+            <p:ph type="sldImg"/>
+          </p:nvPr>
+        </p:nvSpPr>
+        <p:spPr/>
+      </p:sp>
+      <p:sp>
+        <p:nvSpPr>
+          <p:cNvPr id="3" name="Notes Placeholder 2"/>
+          <p:cNvSpPr>
+            <a:spLocks noGrp="1"/>
+          </p:cNvSpPr>
+          <p:nvPr>
+            <p:ph type="body" idx="1"/>
+          </p:nvPr>
+        </p:nvSpPr>
+        <p:spPr/>
+        <p:txBody>
+          <a:bodyPr/>
+          <a:lstStyle/>
+          <a:p>
+            <a:r>
+              <a:rPr lang="en-US" dirty="0" smtClean="0"/>
+              <a:t>Put the green </a:t>
+            </a:r>
+            <a:r>
+              <a:rPr lang="en-US" dirty="0" err="1" smtClean="0"/>
+              <a:t>TWHya</a:t>
+            </a:r>
+            <a:r>
+              <a:rPr lang="en-US" dirty="0" smtClean="0"/>
+              <a:t> figure instead.</a:t>
+            </a:r>
+            <a:endParaRPr lang="en-US" dirty="0"/>
+          </a:p>
+        </p:txBody>
+      </p:sp>
+      <p:sp>
+        <p:nvSpPr>
+          <p:cNvPr id="4" name="Slide Number Placeholder 3"/>
+          <p:cNvSpPr>
+            <a:spLocks noGrp="1"/>
+          </p:cNvSpPr>
+          <p:nvPr>
+            <p:ph type="sldNum" sz="quarter" idx="10"/>
+          </p:nvPr>
+        </p:nvSpPr>
+        <p:spPr/>
+        <p:txBody>
+          <a:bodyPr/>
+          <a:lstStyle/>
+          <a:p>
+            <a:fld id="{08B4712D-D2CB-8747-9EC4-89869EAABFB2}" type="slidenum">
+              <a:rPr lang="en-US" smtClean="0"/>
+              <a:t>30</a:t>
+            </a:fld>
+            <a:endParaRPr lang="en-US"/>
+          </a:p>
+        </p:txBody>
+      </p:sp>
+    </p:spTree>
+    <p:extLst>
+      <p:ext uri="{BB962C8B-B14F-4D97-AF65-F5344CB8AC3E}">
+        <p14:creationId xmlns:p14="http://schemas.microsoft.com/office/powerpoint/2010/main" val="4139224217"/>
+      </p:ext>
+    </p:extLst>
+  </p:cSld>
+  <p:clrMapOvr>
+    <a:masterClrMapping/>
+  </p:clrMapOvr>
+</p:notes>
+</file>
+
+<file path=ppt/notesSlides/notesSlide11.xml><?xml version="1.0" encoding="utf-8"?>
+<p:notes xmlns:a="http://schemas.openxmlformats.org/drawingml/2006/main" xmlns:r="http://schemas.openxmlformats.org/officeDocument/2006/relationships" xmlns:p="http://schemas.openxmlformats.org/presentationml/2006/main">
+  <p:cSld>
+    <p:spTree>
+      <p:nvGrpSpPr>
+        <p:cNvPr id="1" name=""/>
+        <p:cNvGrpSpPr/>
+        <p:nvPr/>
+      </p:nvGrpSpPr>
+      <p:grpSpPr>
+        <a:xfrm>
+          <a:off x="0" y="0"/>
+          <a:ext cx="0" cy="0"/>
+          <a:chOff x="0" y="0"/>
+          <a:chExt cx="0" cy="0"/>
+        </a:xfrm>
+      </p:grpSpPr>
+      <p:sp>
+        <p:nvSpPr>
+          <p:cNvPr id="2" name="Slide Image Placeholder 1"/>
+          <p:cNvSpPr>
+            <a:spLocks noGrp="1" noRot="1" noChangeAspect="1"/>
+          </p:cNvSpPr>
+          <p:nvPr>
+            <p:ph type="sldImg"/>
+          </p:nvPr>
+        </p:nvSpPr>
+        <p:spPr/>
+      </p:sp>
+      <p:sp>
+        <p:nvSpPr>
+          <p:cNvPr id="3" name="Notes Placeholder 2"/>
+          <p:cNvSpPr>
+            <a:spLocks noGrp="1"/>
+          </p:cNvSpPr>
+          <p:nvPr>
+            <p:ph type="body" idx="1"/>
+          </p:nvPr>
+        </p:nvSpPr>
+        <p:spPr/>
+        <p:txBody>
+          <a:bodyPr/>
+          <a:lstStyle/>
+          <a:p>
+            <a:r>
+              <a:rPr lang="en-US" dirty="0" smtClean="0"/>
+              <a:t>Remove the while and make the</a:t>
+            </a:r>
+            <a:r>
+              <a:rPr lang="en-US" baseline="0" dirty="0" smtClean="0"/>
+              <a:t> figure </a:t>
+            </a:r>
+            <a:r>
+              <a:rPr lang="en-US" dirty="0" smtClean="0"/>
+              <a:t>bigger.</a:t>
+            </a:r>
+            <a:endParaRPr lang="en-US" dirty="0"/>
+          </a:p>
+        </p:txBody>
+      </p:sp>
+      <p:sp>
+        <p:nvSpPr>
+          <p:cNvPr id="4" name="Slide Number Placeholder 3"/>
+          <p:cNvSpPr>
+            <a:spLocks noGrp="1"/>
+          </p:cNvSpPr>
+          <p:nvPr>
+            <p:ph type="sldNum" sz="quarter" idx="10"/>
+          </p:nvPr>
+        </p:nvSpPr>
+        <p:spPr/>
+        <p:txBody>
+          <a:bodyPr/>
+          <a:lstStyle/>
+          <a:p>
+            <a:fld id="{08B4712D-D2CB-8747-9EC4-89869EAABFB2}" type="slidenum">
+              <a:rPr lang="en-US" smtClean="0"/>
+              <a:t>32</a:t>
+            </a:fld>
+            <a:endParaRPr lang="en-US"/>
+          </a:p>
+        </p:txBody>
+      </p:sp>
+    </p:spTree>
+    <p:extLst>
+      <p:ext uri="{BB962C8B-B14F-4D97-AF65-F5344CB8AC3E}">
+        <p14:creationId xmlns:p14="http://schemas.microsoft.com/office/powerpoint/2010/main" val="812486749"/>
+      </p:ext>
+    </p:extLst>
+  </p:cSld>
+  <p:clrMapOvr>
+    <a:masterClrMapping/>
+  </p:clrMapOvr>
+</p:notes>
+</file>
+
+<file path=ppt/notesSlides/notesSlide12.xml><?xml version="1.0" encoding="utf-8"?>
+<p:notes xmlns:a="http://schemas.openxmlformats.org/drawingml/2006/main" xmlns:r="http://schemas.openxmlformats.org/officeDocument/2006/relationships" xmlns:p="http://schemas.openxmlformats.org/presentationml/2006/main">
+  <p:cSld>
+    <p:spTree>
+      <p:nvGrpSpPr>
+        <p:cNvPr id="1" name=""/>
+        <p:cNvGrpSpPr/>
+        <p:nvPr/>
+      </p:nvGrpSpPr>
+      <p:grpSpPr>
+        <a:xfrm>
+          <a:off x="0" y="0"/>
+          <a:ext cx="0" cy="0"/>
+          <a:chOff x="0" y="0"/>
+          <a:chExt cx="0" cy="0"/>
+        </a:xfrm>
+      </p:grpSpPr>
+      <p:sp>
+        <p:nvSpPr>
+          <p:cNvPr id="2" name="Slide Image Placeholder 1"/>
+          <p:cNvSpPr>
+            <a:spLocks noGrp="1" noRot="1" noChangeAspect="1"/>
+          </p:cNvSpPr>
+          <p:nvPr>
+            <p:ph type="sldImg"/>
+          </p:nvPr>
+        </p:nvSpPr>
+        <p:spPr/>
+      </p:sp>
+      <p:sp>
+        <p:nvSpPr>
+          <p:cNvPr id="3" name="Notes Placeholder 2"/>
+          <p:cNvSpPr>
+            <a:spLocks noGrp="1"/>
+          </p:cNvSpPr>
+          <p:nvPr>
+            <p:ph type="body" idx="1"/>
+          </p:nvPr>
+        </p:nvSpPr>
+        <p:spPr/>
+        <p:txBody>
+          <a:bodyPr/>
+          <a:lstStyle/>
+          <a:p>
+            <a:r>
+              <a:rPr lang="en-US" dirty="0" smtClean="0"/>
+              <a:t>Replace</a:t>
+            </a:r>
+            <a:r>
+              <a:rPr lang="en-US" baseline="0" dirty="0" smtClean="0"/>
+              <a:t> with </a:t>
+            </a:r>
+            <a:r>
+              <a:rPr lang="en-US" baseline="0" dirty="0" err="1" smtClean="0"/>
+              <a:t>spitzer</a:t>
+            </a:r>
+            <a:r>
+              <a:rPr lang="en-US" baseline="0" dirty="0" smtClean="0"/>
+              <a:t> water in disks spectrum image and  DCO+ image. </a:t>
+            </a:r>
+            <a:endParaRPr lang="en-US" dirty="0"/>
+          </a:p>
+        </p:txBody>
+      </p:sp>
+      <p:sp>
+        <p:nvSpPr>
+          <p:cNvPr id="4" name="Slide Number Placeholder 3"/>
+          <p:cNvSpPr>
+            <a:spLocks noGrp="1"/>
+          </p:cNvSpPr>
+          <p:nvPr>
+            <p:ph type="sldNum" sz="quarter" idx="10"/>
+          </p:nvPr>
+        </p:nvSpPr>
+        <p:spPr/>
+        <p:txBody>
+          <a:bodyPr/>
+          <a:lstStyle/>
+          <a:p>
+            <a:fld id="{08B4712D-D2CB-8747-9EC4-89869EAABFB2}" type="slidenum">
+              <a:rPr lang="en-US" smtClean="0"/>
+              <a:t>33</a:t>
+            </a:fld>
+            <a:endParaRPr lang="en-US"/>
+          </a:p>
+        </p:txBody>
+      </p:sp>
+    </p:spTree>
+    <p:extLst>
+      <p:ext uri="{BB962C8B-B14F-4D97-AF65-F5344CB8AC3E}">
+        <p14:creationId xmlns:p14="http://schemas.microsoft.com/office/powerpoint/2010/main" val="1098661459"/>
+      </p:ext>
+    </p:extLst>
+  </p:cSld>
+  <p:clrMapOvr>
+    <a:masterClrMapping/>
+  </p:clrMapOvr>
+</p:notes>
+</file>
+
+<file path=ppt/notesSlides/notesSlide13.xml><?xml version="1.0" encoding="utf-8"?>
+<p:notes xmlns:a="http://schemas.openxmlformats.org/drawingml/2006/main" xmlns:r="http://schemas.openxmlformats.org/officeDocument/2006/relationships" xmlns:p="http://schemas.openxmlformats.org/presentationml/2006/main">
+  <p:cSld>
+    <p:spTree>
+      <p:nvGrpSpPr>
+        <p:cNvPr id="1" name=""/>
+        <p:cNvGrpSpPr/>
+        <p:nvPr/>
+      </p:nvGrpSpPr>
+      <p:grpSpPr>
+        <a:xfrm>
+          <a:off x="0" y="0"/>
+          <a:ext cx="0" cy="0"/>
+          <a:chOff x="0" y="0"/>
+          <a:chExt cx="0" cy="0"/>
+        </a:xfrm>
+      </p:grpSpPr>
+      <p:sp>
+        <p:nvSpPr>
+          <p:cNvPr id="2" name="Slide Image Placeholder 1"/>
+          <p:cNvSpPr>
+            <a:spLocks noGrp="1" noRot="1" noChangeAspect="1"/>
+          </p:cNvSpPr>
+          <p:nvPr>
+            <p:ph type="sldImg"/>
+          </p:nvPr>
+        </p:nvSpPr>
+        <p:spPr/>
+      </p:sp>
+      <p:sp>
+        <p:nvSpPr>
+          <p:cNvPr id="3" name="Notes Placeholder 2"/>
+          <p:cNvSpPr>
+            <a:spLocks noGrp="1"/>
+          </p:cNvSpPr>
+          <p:nvPr>
+            <p:ph type="body" idx="1"/>
+          </p:nvPr>
+        </p:nvSpPr>
+        <p:spPr/>
+        <p:txBody>
+          <a:bodyPr/>
+          <a:lstStyle/>
+          <a:p>
+            <a:r>
+              <a:rPr lang="en-US" dirty="0" smtClean="0"/>
+              <a:t>Show a slide before this with model predictions. </a:t>
+            </a:r>
+            <a:r>
+              <a:rPr lang="en-US" dirty="0" err="1" smtClean="0"/>
+              <a:t>Arxiv</a:t>
+            </a:r>
+            <a:r>
+              <a:rPr lang="en-US" dirty="0" smtClean="0"/>
+              <a:t> paper by </a:t>
+            </a:r>
+            <a:r>
+              <a:rPr lang="en-US" dirty="0" err="1" smtClean="0"/>
+              <a:t>katherine</a:t>
+            </a:r>
+            <a:r>
+              <a:rPr lang="en-US" dirty="0" smtClean="0"/>
+              <a:t> lodders.2009 figure 1.8</a:t>
+            </a:r>
+            <a:endParaRPr lang="en-US" dirty="0"/>
+          </a:p>
+        </p:txBody>
+      </p:sp>
+      <p:sp>
+        <p:nvSpPr>
+          <p:cNvPr id="4" name="Slide Number Placeholder 3"/>
+          <p:cNvSpPr>
+            <a:spLocks noGrp="1"/>
+          </p:cNvSpPr>
+          <p:nvPr>
+            <p:ph type="sldNum" sz="quarter" idx="10"/>
+          </p:nvPr>
+        </p:nvSpPr>
+        <p:spPr/>
+        <p:txBody>
+          <a:bodyPr/>
+          <a:lstStyle/>
+          <a:p>
+            <a:fld id="{08B4712D-D2CB-8747-9EC4-89869EAABFB2}" type="slidenum">
+              <a:rPr lang="en-US" smtClean="0"/>
+              <a:t>36</a:t>
+            </a:fld>
+            <a:endParaRPr lang="en-US"/>
+          </a:p>
+        </p:txBody>
+      </p:sp>
+    </p:spTree>
+    <p:extLst>
+      <p:ext uri="{BB962C8B-B14F-4D97-AF65-F5344CB8AC3E}">
+        <p14:creationId xmlns:p14="http://schemas.microsoft.com/office/powerpoint/2010/main" val="24019049"/>
+      </p:ext>
+    </p:extLst>
+  </p:cSld>
+  <p:clrMapOvr>
+    <a:masterClrMapping/>
+  </p:clrMapOvr>
+</p:notes>
+</file>
+
+<file path=ppt/notesSlides/notesSlide14.xml><?xml version="1.0" encoding="utf-8"?>
+<p:notes xmlns:a="http://schemas.openxmlformats.org/drawingml/2006/main" xmlns:r="http://schemas.openxmlformats.org/officeDocument/2006/relationships" xmlns:p="http://schemas.openxmlformats.org/presentationml/2006/main">
+  <p:cSld>
+    <p:spTree>
+      <p:nvGrpSpPr>
+        <p:cNvPr id="1" name=""/>
+        <p:cNvGrpSpPr/>
+        <p:nvPr/>
+      </p:nvGrpSpPr>
+      <p:grpSpPr>
+        <a:xfrm>
+          <a:off x="0" y="0"/>
+          <a:ext cx="0" cy="0"/>
+          <a:chOff x="0" y="0"/>
+          <a:chExt cx="0" cy="0"/>
+        </a:xfrm>
+      </p:grpSpPr>
+      <p:sp>
+        <p:nvSpPr>
+          <p:cNvPr id="2" name="Slide Image Placeholder 1"/>
+          <p:cNvSpPr>
+            <a:spLocks noGrp="1" noRot="1" noChangeAspect="1"/>
+          </p:cNvSpPr>
+          <p:nvPr>
+            <p:ph type="sldImg"/>
+          </p:nvPr>
+        </p:nvSpPr>
+        <p:spPr/>
+      </p:sp>
+      <p:sp>
+        <p:nvSpPr>
+          <p:cNvPr id="3" name="Notes Placeholder 2"/>
+          <p:cNvSpPr>
+            <a:spLocks noGrp="1"/>
+          </p:cNvSpPr>
+          <p:nvPr>
+            <p:ph type="body" idx="1"/>
+          </p:nvPr>
+        </p:nvSpPr>
+        <p:spPr/>
+        <p:txBody>
+          <a:bodyPr/>
+          <a:lstStyle/>
+          <a:p>
+            <a:r>
+              <a:rPr lang="en-US" dirty="0" smtClean="0"/>
+              <a:t>Cite </a:t>
+            </a:r>
+            <a:r>
+              <a:rPr lang="en-US" dirty="0" err="1" smtClean="0"/>
+              <a:t>TWHya</a:t>
+            </a:r>
+            <a:r>
+              <a:rPr lang="en-US" dirty="0" smtClean="0"/>
+              <a:t> paper</a:t>
+            </a:r>
+            <a:endParaRPr lang="en-US" dirty="0"/>
+          </a:p>
+        </p:txBody>
+      </p:sp>
+      <p:sp>
+        <p:nvSpPr>
+          <p:cNvPr id="4" name="Slide Number Placeholder 3"/>
+          <p:cNvSpPr>
+            <a:spLocks noGrp="1"/>
+          </p:cNvSpPr>
+          <p:nvPr>
+            <p:ph type="sldNum" sz="quarter" idx="10"/>
+          </p:nvPr>
+        </p:nvSpPr>
+        <p:spPr/>
+        <p:txBody>
+          <a:bodyPr/>
+          <a:lstStyle/>
+          <a:p>
+            <a:fld id="{08B4712D-D2CB-8747-9EC4-89869EAABFB2}" type="slidenum">
+              <a:rPr lang="en-US" smtClean="0"/>
+              <a:t>45</a:t>
+            </a:fld>
+            <a:endParaRPr lang="en-US"/>
+          </a:p>
+        </p:txBody>
+      </p:sp>
+    </p:spTree>
+    <p:extLst>
+      <p:ext uri="{BB962C8B-B14F-4D97-AF65-F5344CB8AC3E}">
+        <p14:creationId xmlns:p14="http://schemas.microsoft.com/office/powerpoint/2010/main" val="3741690119"/>
+      </p:ext>
+    </p:extLst>
+  </p:cSld>
+  <p:clrMapOvr>
+    <a:masterClrMapping/>
+  </p:clrMapOvr>
+</p:notes>
+</file>
+
+<file path=ppt/notesSlides/notesSlide15.xml><?xml version="1.0" encoding="utf-8"?>
+<p:notes xmlns:a="http://schemas.openxmlformats.org/drawingml/2006/main" xmlns:r="http://schemas.openxmlformats.org/officeDocument/2006/relationships" xmlns:p="http://schemas.openxmlformats.org/presentationml/2006/main">
+  <p:cSld>
+    <p:spTree>
+      <p:nvGrpSpPr>
+        <p:cNvPr id="1" name=""/>
+        <p:cNvGrpSpPr/>
+        <p:nvPr/>
+      </p:nvGrpSpPr>
+      <p:grpSpPr>
+        <a:xfrm>
+          <a:off x="0" y="0"/>
+          <a:ext cx="0" cy="0"/>
+          <a:chOff x="0" y="0"/>
+          <a:chExt cx="0" cy="0"/>
+        </a:xfrm>
+      </p:grpSpPr>
+      <p:sp>
+        <p:nvSpPr>
+          <p:cNvPr id="2" name="Slide Image Placeholder 1"/>
+          <p:cNvSpPr>
+            <a:spLocks noGrp="1" noRot="1" noChangeAspect="1"/>
+          </p:cNvSpPr>
+          <p:nvPr>
+            <p:ph type="sldImg"/>
+          </p:nvPr>
+        </p:nvSpPr>
+        <p:spPr/>
+      </p:sp>
+      <p:sp>
+        <p:nvSpPr>
+          <p:cNvPr id="3" name="Notes Placeholder 2"/>
+          <p:cNvSpPr>
+            <a:spLocks noGrp="1"/>
+          </p:cNvSpPr>
+          <p:nvPr>
+            <p:ph type="body" idx="1"/>
+          </p:nvPr>
+        </p:nvSpPr>
+        <p:spPr/>
+        <p:txBody>
+          <a:bodyPr/>
+          <a:lstStyle/>
+          <a:p>
+            <a:r>
+              <a:rPr lang="en-US" dirty="0" smtClean="0"/>
+              <a:t>Add one slides</a:t>
+            </a:r>
+            <a:r>
+              <a:rPr lang="en-US" baseline="0" dirty="0" smtClean="0"/>
+              <a:t> 20, 21, 31 before this.</a:t>
+            </a:r>
+            <a:endParaRPr lang="en-US" dirty="0"/>
+          </a:p>
+        </p:txBody>
+      </p:sp>
+      <p:sp>
+        <p:nvSpPr>
+          <p:cNvPr id="4" name="Slide Number Placeholder 3"/>
+          <p:cNvSpPr>
+            <a:spLocks noGrp="1"/>
+          </p:cNvSpPr>
+          <p:nvPr>
+            <p:ph type="sldNum" sz="quarter" idx="10"/>
+          </p:nvPr>
+        </p:nvSpPr>
+        <p:spPr/>
+        <p:txBody>
+          <a:bodyPr/>
+          <a:lstStyle/>
+          <a:p>
+            <a:fld id="{08B4712D-D2CB-8747-9EC4-89869EAABFB2}" type="slidenum">
+              <a:rPr lang="en-US" smtClean="0"/>
+              <a:t>51</a:t>
+            </a:fld>
+            <a:endParaRPr lang="en-US"/>
+          </a:p>
+        </p:txBody>
+      </p:sp>
+    </p:spTree>
+    <p:extLst>
+      <p:ext uri="{BB962C8B-B14F-4D97-AF65-F5344CB8AC3E}">
+        <p14:creationId xmlns:p14="http://schemas.microsoft.com/office/powerpoint/2010/main" val="1270680920"/>
       </p:ext>
     </p:extLst>
   </p:cSld>
@@ -893,46 +1463,6 @@
           <a:bodyPr/>
           <a:lstStyle/>
           <a:p>
-            <a:r>
-              <a:rPr lang="en-US" dirty="0" smtClean="0"/>
-              <a:t>Let’s start with the standard model. In order</a:t>
-            </a:r>
-            <a:r>
-              <a:rPr lang="en-US" baseline="0" dirty="0" smtClean="0"/>
-              <a:t> to grow a core massive enough to accumulate an atmosphere, you need, on average, a high </a:t>
-            </a:r>
-            <a:r>
-              <a:rPr lang="en-US" baseline="0" dirty="0" err="1" smtClean="0"/>
-              <a:t>planetesimal</a:t>
-            </a:r>
-            <a:r>
-              <a:rPr lang="en-US" baseline="0" dirty="0" smtClean="0"/>
-              <a:t> accretion rate. The incoming </a:t>
-            </a:r>
-            <a:r>
-              <a:rPr lang="en-US" baseline="0" dirty="0" err="1" smtClean="0"/>
-              <a:t>planetesimals</a:t>
-            </a:r>
-            <a:r>
-              <a:rPr lang="en-US" baseline="0" dirty="0" smtClean="0"/>
-              <a:t> therefore heat up the atmosphere and this energy is radiated away resulting in a high luminosity. As such, the atmosphere is in a steady state at all times, in which all the energy from the incoming </a:t>
-            </a:r>
-            <a:r>
-              <a:rPr lang="en-US" baseline="0" dirty="0" err="1" smtClean="0"/>
-              <a:t>planetesimals</a:t>
-            </a:r>
-            <a:r>
-              <a:rPr lang="en-US" baseline="0" dirty="0" smtClean="0"/>
-              <a:t> is radiated away by the </a:t>
-            </a:r>
-            <a:r>
-              <a:rPr lang="en-US" baseline="0" dirty="0" err="1" smtClean="0"/>
-              <a:t>atmopshere</a:t>
-            </a:r>
-            <a:r>
-              <a:rPr lang="en-US" baseline="0" dirty="0" smtClean="0"/>
-              <a:t>. The core and the atmosphere grow together, and the mass of the atmosphere is a function of the core mass.</a:t>
-            </a:r>
             <a:endParaRPr lang="en-US" dirty="0"/>
           </a:p>
         </p:txBody>
@@ -14191,22 +14721,28 @@
       </p:sp>
       <p:pic>
         <p:nvPicPr>
-          <p:cNvPr id="6" name="Picture 5"/>
+          <p:cNvPr id="3" name="Picture 2" descr="2013_sciencealma_0009.jpg"/>
           <p:cNvPicPr>
             <a:picLocks noChangeAspect="1"/>
           </p:cNvPicPr>
           <p:nvPr/>
         </p:nvPicPr>
         <p:blipFill>
-          <a:blip r:embed="rId2"/>
+          <a:blip r:embed="rId3" cstate="print">
+            <a:extLst>
+              <a:ext uri="{28A0092B-C50C-407E-A947-70E740481C1C}">
+                <a14:useLocalDpi xmlns:a14="http://schemas.microsoft.com/office/drawing/2010/main" val="0"/>
+              </a:ext>
+            </a:extLst>
+          </a:blip>
           <a:stretch>
             <a:fillRect/>
           </a:stretch>
         </p:blipFill>
         <p:spPr>
           <a:xfrm>
-            <a:off x="969518" y="3106386"/>
-            <a:ext cx="7340139" cy="2985557"/>
+            <a:off x="2952929" y="3052346"/>
+            <a:ext cx="3796140" cy="3805654"/>
           </a:xfrm>
           <a:prstGeom prst="rect">
             <a:avLst/>
@@ -14405,7 +14941,7 @@
         </p:nvSpPr>
         <p:spPr>
           <a:xfrm>
-            <a:off x="457200" y="147638"/>
+            <a:off x="457200" y="-158769"/>
             <a:ext cx="8229600" cy="1143000"/>
           </a:xfrm>
         </p:spPr>
@@ -14433,76 +14969,70 @@
           </a:p>
         </p:txBody>
       </p:sp>
+      <p:sp>
+        <p:nvSpPr>
+          <p:cNvPr id="6" name="TextBox 5"/>
+          <p:cNvSpPr txBox="1"/>
+          <p:nvPr/>
+        </p:nvSpPr>
+        <p:spPr>
+          <a:xfrm>
+            <a:off x="6637474" y="6208221"/>
+            <a:ext cx="2492023" cy="307777"/>
+          </a:xfrm>
+          <a:prstGeom prst="rect">
+            <a:avLst/>
+          </a:prstGeom>
+          <a:noFill/>
+        </p:spPr>
+        <p:txBody>
+          <a:bodyPr wrap="square" rtlCol="0">
+            <a:spAutoFit/>
+          </a:bodyPr>
+          <a:lstStyle/>
+          <a:p>
+            <a:r>
+              <a:rPr lang="en-US" sz="1400" dirty="0" err="1" smtClean="0"/>
+              <a:t>Henning&amp;Semenov</a:t>
+            </a:r>
+            <a:r>
+              <a:rPr lang="en-US" sz="1400" dirty="0" smtClean="0"/>
+              <a:t> (2013)</a:t>
+            </a:r>
+            <a:endParaRPr lang="en-US" sz="1400" dirty="0"/>
+          </a:p>
+        </p:txBody>
+      </p:sp>
       <p:pic>
         <p:nvPicPr>
-          <p:cNvPr id="5" name="Picture 4"/>
+          <p:cNvPr id="4" name="Picture 3" descr="disk_semenov.png"/>
           <p:cNvPicPr>
             <a:picLocks noChangeAspect="1"/>
           </p:cNvPicPr>
           <p:nvPr/>
         </p:nvPicPr>
         <p:blipFill>
-          <a:blip r:embed="rId2"/>
+          <a:blip r:embed="rId3">
+            <a:extLst>
+              <a:ext uri="{28A0092B-C50C-407E-A947-70E740481C1C}">
+                <a14:useLocalDpi xmlns:a14="http://schemas.microsoft.com/office/drawing/2010/main" val="0"/>
+              </a:ext>
+            </a:extLst>
+          </a:blip>
           <a:stretch>
             <a:fillRect/>
           </a:stretch>
         </p:blipFill>
         <p:spPr>
           <a:xfrm>
-            <a:off x="812800" y="1189830"/>
-            <a:ext cx="7874000" cy="5329709"/>
+            <a:off x="157325" y="719614"/>
+            <a:ext cx="8972172" cy="5154892"/>
           </a:xfrm>
           <a:prstGeom prst="rect">
             <a:avLst/>
           </a:prstGeom>
         </p:spPr>
       </p:pic>
-      <p:sp>
-        <p:nvSpPr>
-          <p:cNvPr id="6" name="TextBox 5"/>
-          <p:cNvSpPr txBox="1"/>
-          <p:nvPr/>
-        </p:nvSpPr>
-        <p:spPr>
-          <a:xfrm>
-            <a:off x="6491111" y="6211762"/>
-            <a:ext cx="2492023" cy="307777"/>
-          </a:xfrm>
-          <a:prstGeom prst="rect">
-            <a:avLst/>
-          </a:prstGeom>
-          <a:noFill/>
-        </p:spPr>
-        <p:txBody>
-          <a:bodyPr wrap="square" rtlCol="0">
-            <a:spAutoFit/>
-          </a:bodyPr>
-          <a:lstStyle/>
-          <a:p>
-            <a:r>
-              <a:rPr lang="en-US" sz="1400" dirty="0" err="1" smtClean="0">
-                <a:solidFill>
-                  <a:srgbClr val="000000"/>
-                </a:solidFill>
-              </a:rPr>
-              <a:t>Henning&amp;Semenov</a:t>
-            </a:r>
-            <a:r>
-              <a:rPr lang="en-US" sz="1400" dirty="0" smtClean="0">
-                <a:solidFill>
-                  <a:srgbClr val="000000"/>
-                </a:solidFill>
-              </a:rPr>
-              <a:t> (2013)</a:t>
-            </a:r>
-            <a:endParaRPr lang="en-US" sz="1400" dirty="0">
-              <a:solidFill>
-                <a:srgbClr val="000000"/>
-              </a:solidFill>
-            </a:endParaRPr>
-          </a:p>
-        </p:txBody>
-      </p:sp>
     </p:spTree>
     <p:extLst>
       <p:ext uri="{BB962C8B-B14F-4D97-AF65-F5344CB8AC3E}">
@@ -14552,7 +15082,7 @@
         </p:nvSpPr>
         <p:spPr>
           <a:xfrm>
-            <a:off x="324556" y="274637"/>
+            <a:off x="324556" y="45302"/>
             <a:ext cx="8664222" cy="1489251"/>
           </a:xfrm>
         </p:spPr>
@@ -14564,7 +15094,7 @@
           <a:p>
             <a:r>
               <a:rPr lang="en-US" sz="4000" dirty="0" smtClean="0"/>
-              <a:t>Volatile compounds have been detected in the outer regions of </a:t>
+              <a:t>Volatile compounds have been detected in </a:t>
             </a:r>
             <a:r>
               <a:rPr lang="en-US" sz="4000" dirty="0" err="1" smtClean="0"/>
@@ -14572,74 +15102,84 @@
             </a:r>
             <a:r>
               <a:rPr lang="en-US" sz="4000" dirty="0" smtClean="0"/>
-              <a:t> disks</a:t>
+              <a:t> </a:t>
+            </a:r>
+            <a:r>
+              <a:rPr lang="en-US" sz="4000" dirty="0" smtClean="0"/>
+              <a:t>disks</a:t>
             </a:r>
             <a:endParaRPr lang="en-US" sz="4000" dirty="0"/>
+          </a:p>
+        </p:txBody>
+      </p:sp>
+      <p:sp>
+        <p:nvSpPr>
+          <p:cNvPr id="5" name="TextBox 4"/>
+          <p:cNvSpPr txBox="1"/>
+          <p:nvPr/>
+        </p:nvSpPr>
+        <p:spPr>
+          <a:xfrm>
+            <a:off x="8055119" y="4788609"/>
+            <a:ext cx="933659" cy="307777"/>
+          </a:xfrm>
+          <a:prstGeom prst="rect">
+            <a:avLst/>
+          </a:prstGeom>
+          <a:noFill/>
+        </p:spPr>
+        <p:txBody>
+          <a:bodyPr wrap="square" rtlCol="0">
+            <a:spAutoFit/>
+          </a:bodyPr>
+          <a:lstStyle/>
+          <a:p>
+            <a:r>
+              <a:rPr lang="en-US" sz="1400" dirty="0" smtClean="0">
+                <a:solidFill>
+                  <a:srgbClr val="000000"/>
+                </a:solidFill>
+              </a:rPr>
+              <a:t>Oberg+11</a:t>
+            </a:r>
+            <a:endParaRPr lang="en-US" sz="1400" dirty="0">
+              <a:solidFill>
+                <a:srgbClr val="000000"/>
+              </a:solidFill>
+            </a:endParaRPr>
           </a:p>
         </p:txBody>
       </p:sp>
       <p:pic>
         <p:nvPicPr>
-          <p:cNvPr id="4" name="Picture 3"/>
+          <p:cNvPr id="3" name="Picture 2" descr="217219main_20080312a-browse.jpg"/>
           <p:cNvPicPr>
             <a:picLocks noChangeAspect="1"/>
           </p:cNvPicPr>
           <p:nvPr/>
         </p:nvPicPr>
         <p:blipFill>
-          <a:blip r:embed="rId2"/>
+          <a:blip r:embed="rId3" cstate="print">
+            <a:extLst>
+              <a:ext uri="{28A0092B-C50C-407E-A947-70E740481C1C}">
+                <a14:useLocalDpi xmlns:a14="http://schemas.microsoft.com/office/drawing/2010/main" val="0"/>
+              </a:ext>
+            </a:extLst>
+          </a:blip>
           <a:stretch>
             <a:fillRect/>
           </a:stretch>
         </p:blipFill>
         <p:spPr>
           <a:xfrm>
-            <a:off x="0" y="1967088"/>
-            <a:ext cx="9144000" cy="3144829"/>
+            <a:off x="829068" y="1466764"/>
+            <a:ext cx="7549808" cy="5391236"/>
           </a:xfrm>
           <a:prstGeom prst="rect">
             <a:avLst/>
           </a:prstGeom>
         </p:spPr>
       </p:pic>
-      <p:sp>
-        <p:nvSpPr>
-          <p:cNvPr id="5" name="TextBox 4"/>
-          <p:cNvSpPr txBox="1"/>
-          <p:nvPr/>
-        </p:nvSpPr>
-        <p:spPr>
-          <a:xfrm>
-            <a:off x="8055119" y="4788609"/>
-            <a:ext cx="933659" cy="307777"/>
-          </a:xfrm>
-          <a:prstGeom prst="rect">
-            <a:avLst/>
-          </a:prstGeom>
-          <a:noFill/>
-        </p:spPr>
-        <p:txBody>
-          <a:bodyPr wrap="square" rtlCol="0">
-            <a:spAutoFit/>
-          </a:bodyPr>
-          <a:lstStyle/>
-          <a:p>
-            <a:r>
-              <a:rPr lang="en-US" sz="1400" dirty="0" smtClean="0">
-                <a:solidFill>
-                  <a:srgbClr val="000000"/>
-                </a:solidFill>
-              </a:rPr>
-              <a:t>Oberg+11</a:t>
-            </a:r>
-            <a:endParaRPr lang="en-US" sz="1400" dirty="0">
-              <a:solidFill>
-                <a:srgbClr val="000000"/>
-              </a:solidFill>
-            </a:endParaRPr>
-          </a:p>
-        </p:txBody>
-      </p:sp>
     </p:spTree>
     <p:extLst>
       <p:ext uri="{BB962C8B-B14F-4D97-AF65-F5344CB8AC3E}">
@@ -14814,7 +15354,7 @@
       </p:grpSpPr>
       <p:sp>
         <p:nvSpPr>
-          <p:cNvPr id="2" name="Title 1"/>
+          <p:cNvPr id="4" name="Title 1"/>
           <p:cNvSpPr>
             <a:spLocks noGrp="1"/>
           </p:cNvSpPr>
@@ -14822,7 +15362,12 @@
             <p:ph type="title"/>
           </p:nvPr>
         </p:nvSpPr>
-        <p:spPr/>
+        <p:spPr>
+          <a:xfrm>
+            <a:off x="457200" y="45303"/>
+            <a:ext cx="8229600" cy="1143000"/>
+          </a:xfrm>
+        </p:spPr>
         <p:txBody>
           <a:bodyPr>
             <a:normAutofit/>
@@ -14857,77 +15402,30 @@
           </a:p>
         </p:txBody>
       </p:sp>
-      <p:sp>
-        <p:nvSpPr>
-          <p:cNvPr id="3" name="Content Placeholder 2"/>
-          <p:cNvSpPr>
-            <a:spLocks noGrp="1"/>
-          </p:cNvSpPr>
-          <p:nvPr>
-            <p:ph idx="1"/>
-          </p:nvPr>
-        </p:nvSpPr>
-        <p:spPr>
-          <a:xfrm>
-            <a:off x="457200" y="1437395"/>
-            <a:ext cx="8503356" cy="986334"/>
-          </a:xfrm>
-        </p:spPr>
-        <p:txBody>
-          <a:bodyPr>
-            <a:normAutofit/>
-          </a:bodyPr>
-          <a:lstStyle/>
-          <a:p>
-            <a:pPr marL="0" indent="0">
-              <a:buNone/>
-            </a:pPr>
-            <a:r>
-              <a:rPr lang="en-US" sz="2600" dirty="0" smtClean="0"/>
-              <a:t>Some giant </a:t>
-            </a:r>
-            <a:r>
-              <a:rPr lang="en-US" sz="2600" dirty="0" smtClean="0"/>
-              <a:t>planets </a:t>
-            </a:r>
-            <a:r>
-              <a:rPr lang="en-US" sz="2600" dirty="0" smtClean="0">
-                <a:solidFill>
-                  <a:srgbClr val="FFFF00"/>
-                </a:solidFill>
-              </a:rPr>
-              <a:t>may</a:t>
-            </a:r>
-            <a:r>
-              <a:rPr lang="en-US" sz="2600" dirty="0" smtClean="0"/>
-              <a:t> </a:t>
-            </a:r>
-            <a:r>
-              <a:rPr lang="en-US" sz="2600" dirty="0" smtClean="0"/>
-              <a:t>have C/O ratios different from the stellar value of 0.54</a:t>
-            </a:r>
-            <a:endParaRPr lang="en-US" sz="2600" dirty="0"/>
-          </a:p>
-        </p:txBody>
-      </p:sp>
       <p:pic>
         <p:nvPicPr>
-          <p:cNvPr id="4" name="Picture 3"/>
+          <p:cNvPr id="5" name="Picture 4" descr="lodders09.png"/>
           <p:cNvPicPr>
             <a:picLocks noChangeAspect="1"/>
           </p:cNvPicPr>
           <p:nvPr/>
         </p:nvPicPr>
         <p:blipFill>
-          <a:blip r:embed="rId2"/>
+          <a:blip r:embed="rId2">
+            <a:extLst>
+              <a:ext uri="{28A0092B-C50C-407E-A947-70E740481C1C}">
+                <a14:useLocalDpi xmlns:a14="http://schemas.microsoft.com/office/drawing/2010/main" val="0"/>
+              </a:ext>
+            </a:extLst>
+          </a:blip>
           <a:stretch>
             <a:fillRect/>
           </a:stretch>
         </p:blipFill>
         <p:spPr>
           <a:xfrm>
-            <a:off x="1467556" y="2310840"/>
-            <a:ext cx="6096000" cy="4290993"/>
+            <a:off x="2152047" y="1188303"/>
+            <a:ext cx="4798009" cy="5459187"/>
           </a:xfrm>
           <a:prstGeom prst="rect">
             <a:avLst/>
@@ -14936,14 +15434,14 @@
       </p:pic>
       <p:sp>
         <p:nvSpPr>
-          <p:cNvPr id="5" name="TextBox 4"/>
+          <p:cNvPr id="6" name="TextBox 5"/>
           <p:cNvSpPr txBox="1"/>
           <p:nvPr/>
         </p:nvSpPr>
         <p:spPr>
           <a:xfrm>
-            <a:off x="6136007" y="6308167"/>
-            <a:ext cx="1596881" cy="307777"/>
+            <a:off x="2142454" y="6330725"/>
+            <a:ext cx="1191455" cy="307777"/>
           </a:xfrm>
           <a:prstGeom prst="rect">
             <a:avLst/>
@@ -14957,12 +15455,28 @@
           <a:lstStyle/>
           <a:p>
             <a:r>
+              <a:rPr lang="en-US" sz="1400" dirty="0" err="1" smtClean="0">
+                <a:solidFill>
+                  <a:srgbClr val="000000"/>
+                </a:solidFill>
+              </a:rPr>
+              <a:t>Lodders</a:t>
+            </a:r>
+            <a:r>
+              <a:rPr lang="en-US" sz="1400" dirty="0">
+                <a:solidFill>
+                  <a:srgbClr val="000000"/>
+                </a:solidFill>
+              </a:rPr>
+              <a:t> </a:t>
+            </a:r>
+            <a:r>
               <a:rPr lang="en-US" sz="1400" dirty="0" smtClean="0">
                 <a:solidFill>
                   <a:srgbClr val="000000"/>
                 </a:solidFill>
               </a:rPr>
-              <a:t>Madhusudhan+11</a:t>
+              <a:t>2009</a:t>
             </a:r>
             <a:endParaRPr lang="en-US" sz="1400" dirty="0">
               <a:solidFill>
@@ -14975,7 +15489,7 @@
     </p:spTree>
     <p:extLst>
       <p:ext uri="{BB962C8B-B14F-4D97-AF65-F5344CB8AC3E}">
-        <p14:creationId xmlns:p14="http://schemas.microsoft.com/office/powerpoint/2010/main" val="4286079567"/>
+        <p14:creationId xmlns:p14="http://schemas.microsoft.com/office/powerpoint/2010/main" val="505830353"/>
       </p:ext>
     </p:extLst>
   </p:cSld>
@@ -15012,22 +15526,38 @@
             <p:ph type="title"/>
           </p:nvPr>
         </p:nvSpPr>
-        <p:spPr/>
+        <p:spPr>
+          <a:xfrm>
+            <a:off x="457200" y="345202"/>
+            <a:ext cx="8229600" cy="1143000"/>
+          </a:xfrm>
+        </p:spPr>
         <p:txBody>
           <a:bodyPr>
-            <a:normAutofit/>
+            <a:normAutofit fontScale="90000"/>
           </a:bodyPr>
           <a:lstStyle/>
           <a:p>
             <a:r>
-              <a:rPr lang="en-US" sz="4800" dirty="0" smtClean="0">
+              <a:rPr lang="en-US" sz="3600" dirty="0"/>
+              <a:t>Some giant planets </a:t>
+            </a:r>
+            <a:r>
+              <a:rPr lang="en-US" sz="3600" dirty="0">
                 <a:solidFill>
                   <a:srgbClr val="FFFF00"/>
                 </a:solidFill>
               </a:rPr>
-              <a:t>WHY?</a:t>
-            </a:r>
-            <a:endParaRPr lang="en-US" sz="4800" dirty="0">
+              <a:t>may</a:t>
+            </a:r>
+            <a:r>
+              <a:rPr lang="en-US" sz="3600" dirty="0"/>
+              <a:t> have C/O ratios different from the stellar value of 0.54</a:t>
+            </a:r>
+            <a:br>
+              <a:rPr lang="en-US" sz="3600" dirty="0"/>
+            </a:br>
+            <a:endParaRPr lang="en-US" sz="3400" dirty="0">
               <a:solidFill>
                 <a:srgbClr val="FFFF00"/>
               </a:solidFill>
@@ -15035,130 +15565,63 @@
           </a:p>
         </p:txBody>
       </p:sp>
-      <p:sp>
-        <p:nvSpPr>
-          <p:cNvPr id="3" name="Content Placeholder 2"/>
-          <p:cNvSpPr>
-            <a:spLocks noGrp="1"/>
-          </p:cNvSpPr>
-          <p:nvPr>
-            <p:ph idx="1"/>
-          </p:nvPr>
-        </p:nvSpPr>
+      <p:pic>
+        <p:nvPicPr>
+          <p:cNvPr id="4" name="Picture 3"/>
+          <p:cNvPicPr>
+            <a:picLocks noChangeAspect="1"/>
+          </p:cNvPicPr>
+          <p:nvPr/>
+        </p:nvPicPr>
+        <p:blipFill>
+          <a:blip r:embed="rId3"/>
+          <a:stretch>
+            <a:fillRect/>
+          </a:stretch>
+        </p:blipFill>
         <p:spPr>
           <a:xfrm>
-            <a:off x="457200" y="1840090"/>
-            <a:ext cx="8404578" cy="2802466"/>
-          </a:xfrm>
-          <a:solidFill>
-            <a:srgbClr val="FFFF00"/>
-          </a:solidFill>
-          <a:ln w="63500">
-            <a:solidFill>
-              <a:srgbClr val="3366FF"/>
-            </a:solidFill>
-          </a:ln>
+            <a:off x="691407" y="1417638"/>
+            <a:ext cx="7387593" cy="5200149"/>
+          </a:xfrm>
+          <a:prstGeom prst="rect">
+            <a:avLst/>
+          </a:prstGeom>
         </p:spPr>
-        <p:txBody>
-          <a:bodyPr>
-            <a:normAutofit/>
+      </p:pic>
+      <p:sp>
+        <p:nvSpPr>
+          <p:cNvPr id="5" name="TextBox 4"/>
+          <p:cNvSpPr txBox="1"/>
+          <p:nvPr/>
+        </p:nvSpPr>
+        <p:spPr>
+          <a:xfrm>
+            <a:off x="6136007" y="6308167"/>
+            <a:ext cx="1596881" cy="307777"/>
+          </a:xfrm>
+          <a:prstGeom prst="rect">
+            <a:avLst/>
+          </a:prstGeom>
+          <a:noFill/>
+        </p:spPr>
+        <p:txBody>
+          <a:bodyPr wrap="square" rtlCol="0">
+            <a:spAutoFit/>
           </a:bodyPr>
           <a:lstStyle/>
           <a:p>
-            <a:pPr marL="0" indent="0" algn="ctr">
-              <a:buNone/>
-            </a:pPr>
-            <a:r>
-              <a:rPr lang="en-US" dirty="0" smtClean="0">
-                <a:solidFill>
-                  <a:schemeClr val="bg1"/>
-                </a:solidFill>
-              </a:rPr>
-              <a:t>Possible explanation: main carriers of C and O, i.e. </a:t>
-            </a:r>
-            <a:r>
-              <a:rPr lang="en-US" dirty="0" smtClean="0">
-                <a:solidFill>
-                  <a:schemeClr val="bg1"/>
-                </a:solidFill>
-              </a:rPr>
-              <a:t>H</a:t>
-            </a:r>
-            <a:r>
-              <a:rPr lang="en-US" baseline="-25000" dirty="0" smtClean="0">
-                <a:solidFill>
-                  <a:schemeClr val="bg1"/>
-                </a:solidFill>
-              </a:rPr>
-              <a:t>2</a:t>
-            </a:r>
-            <a:r>
-              <a:rPr lang="en-US" dirty="0" smtClean="0">
-                <a:solidFill>
-                  <a:schemeClr val="bg1"/>
-                </a:solidFill>
-              </a:rPr>
-              <a:t>O</a:t>
-            </a:r>
-            <a:r>
-              <a:rPr lang="en-US" dirty="0" smtClean="0">
-                <a:solidFill>
-                  <a:schemeClr val="bg1"/>
-                </a:solidFill>
-              </a:rPr>
-              <a:t>, CO</a:t>
-            </a:r>
-            <a:r>
-              <a:rPr lang="en-US" baseline="-25000" dirty="0" smtClean="0">
-                <a:solidFill>
-                  <a:schemeClr val="bg1"/>
-                </a:solidFill>
-              </a:rPr>
-              <a:t>2</a:t>
-            </a:r>
-            <a:r>
-              <a:rPr lang="en-US" dirty="0" smtClean="0">
-                <a:solidFill>
-                  <a:schemeClr val="bg1"/>
-                </a:solidFill>
-              </a:rPr>
-              <a:t> and CO, have different condensation temperatures =&gt; </a:t>
-            </a:r>
-            <a:r>
-              <a:rPr lang="en-US" dirty="0">
-                <a:solidFill>
-                  <a:schemeClr val="bg1"/>
-                </a:solidFill>
-              </a:rPr>
-              <a:t>variations in the abundances of C and O </a:t>
-            </a:r>
-            <a:r>
-              <a:rPr lang="en-US" dirty="0" smtClean="0">
-                <a:solidFill>
-                  <a:schemeClr val="bg1"/>
-                </a:solidFill>
-              </a:rPr>
-              <a:t>in solids </a:t>
-            </a:r>
-            <a:r>
-              <a:rPr lang="en-US" dirty="0">
-                <a:solidFill>
-                  <a:schemeClr val="bg1"/>
-                </a:solidFill>
-              </a:rPr>
-              <a:t>and gas between the snow lines of </a:t>
-            </a:r>
-            <a:r>
-              <a:rPr lang="en-US" dirty="0" smtClean="0">
-                <a:solidFill>
-                  <a:schemeClr val="bg1"/>
-                </a:solidFill>
-              </a:rPr>
-              <a:t>these volatiles</a:t>
-            </a:r>
-            <a:endParaRPr lang="en-US" dirty="0">
+            <a:r>
+              <a:rPr lang="en-US" sz="1400" dirty="0" smtClean="0">
+                <a:solidFill>
+                  <a:srgbClr val="000000"/>
+                </a:solidFill>
+              </a:rPr>
+              <a:t>Madhusudhan+11</a:t>
+            </a:r>
+            <a:endParaRPr lang="en-US" sz="1400" dirty="0">
               <a:solidFill>
-                <a:schemeClr val="bg1"/>
+                <a:srgbClr val="000000"/>
               </a:solidFill>
             </a:endParaRPr>
           </a:p>
@@ -15167,7 +15630,7 @@
     </p:spTree>
     <p:extLst>
       <p:ext uri="{BB962C8B-B14F-4D97-AF65-F5344CB8AC3E}">
-        <p14:creationId xmlns:p14="http://schemas.microsoft.com/office/powerpoint/2010/main" val="2530690195"/>
+        <p14:creationId xmlns:p14="http://schemas.microsoft.com/office/powerpoint/2010/main" val="4286079567"/>
       </p:ext>
     </p:extLst>
   </p:cSld>
@@ -15196,35 +15659,159 @@
       </p:grpSpPr>
       <p:sp>
         <p:nvSpPr>
-          <p:cNvPr id="6" name="TextBox 5"/>
-          <p:cNvSpPr txBox="1"/>
-          <p:nvPr/>
+          <p:cNvPr id="2" name="Title 1"/>
+          <p:cNvSpPr>
+            <a:spLocks noGrp="1"/>
+          </p:cNvSpPr>
+          <p:nvPr>
+            <p:ph type="title"/>
+          </p:nvPr>
+        </p:nvSpPr>
+        <p:spPr/>
+        <p:txBody>
+          <a:bodyPr>
+            <a:normAutofit/>
+          </a:bodyPr>
+          <a:lstStyle/>
+          <a:p>
+            <a:r>
+              <a:rPr lang="en-US" sz="4800" dirty="0" smtClean="0">
+                <a:solidFill>
+                  <a:srgbClr val="FFFF00"/>
+                </a:solidFill>
+              </a:rPr>
+              <a:t>WHY?</a:t>
+            </a:r>
+            <a:endParaRPr lang="en-US" sz="4800" dirty="0">
+              <a:solidFill>
+                <a:srgbClr val="FFFF00"/>
+              </a:solidFill>
+            </a:endParaRPr>
+          </a:p>
+        </p:txBody>
+      </p:sp>
+      <p:sp>
+        <p:nvSpPr>
+          <p:cNvPr id="3" name="Content Placeholder 2"/>
+          <p:cNvSpPr>
+            <a:spLocks noGrp="1"/>
+          </p:cNvSpPr>
+          <p:nvPr>
+            <p:ph idx="1"/>
+          </p:nvPr>
         </p:nvSpPr>
         <p:spPr>
           <a:xfrm>
-            <a:off x="7210776" y="6229556"/>
-            <a:ext cx="1495778" cy="307777"/>
-          </a:xfrm>
-          <a:prstGeom prst="rect">
-            <a:avLst/>
-          </a:prstGeom>
-          <a:noFill/>
+            <a:off x="457200" y="1840090"/>
+            <a:ext cx="8404578" cy="2802466"/>
+          </a:xfrm>
+          <a:solidFill>
+            <a:srgbClr val="FFFF00"/>
+          </a:solidFill>
+          <a:ln w="63500">
+            <a:solidFill>
+              <a:srgbClr val="3366FF"/>
+            </a:solidFill>
+          </a:ln>
         </p:spPr>
         <p:txBody>
-          <a:bodyPr wrap="square" rtlCol="0">
-            <a:spAutoFit/>
+          <a:bodyPr>
+            <a:normAutofit/>
           </a:bodyPr>
           <a:lstStyle/>
           <a:p>
-            <a:r>
-              <a:rPr lang="en-US" sz="1400" dirty="0" smtClean="0">
+            <a:pPr marL="0" indent="0" algn="ctr">
+              <a:buNone/>
+            </a:pPr>
+            <a:r>
+              <a:rPr lang="en-US" dirty="0" smtClean="0">
                 <a:solidFill>
                   <a:schemeClr val="bg1"/>
                 </a:solidFill>
               </a:rPr>
-              <a:t>After Oberg+11</a:t>
-            </a:r>
-            <a:endParaRPr lang="en-US" sz="1400" dirty="0">
+              <a:t>Possible explanation: main carriers of C and O, i.e. </a:t>
+            </a:r>
+            <a:r>
+              <a:rPr lang="en-US" dirty="0" smtClean="0">
+                <a:solidFill>
+                  <a:schemeClr val="bg1"/>
+                </a:solidFill>
+              </a:rPr>
+              <a:t>H</a:t>
+            </a:r>
+            <a:r>
+              <a:rPr lang="en-US" baseline="-25000" dirty="0" smtClean="0">
+                <a:solidFill>
+                  <a:schemeClr val="bg1"/>
+                </a:solidFill>
+              </a:rPr>
+              <a:t>2</a:t>
+            </a:r>
+            <a:r>
+              <a:rPr lang="en-US" dirty="0" smtClean="0">
+                <a:solidFill>
+                  <a:schemeClr val="bg1"/>
+                </a:solidFill>
+              </a:rPr>
+              <a:t>O</a:t>
+            </a:r>
+            <a:r>
+              <a:rPr lang="en-US" dirty="0" smtClean="0">
+                <a:solidFill>
+                  <a:schemeClr val="bg1"/>
+                </a:solidFill>
+              </a:rPr>
+              <a:t>, CO</a:t>
+            </a:r>
+            <a:r>
+              <a:rPr lang="en-US" baseline="-25000" dirty="0" smtClean="0">
+                <a:solidFill>
+                  <a:schemeClr val="bg1"/>
+                </a:solidFill>
+              </a:rPr>
+              <a:t>2</a:t>
+            </a:r>
+            <a:r>
+              <a:rPr lang="en-US" dirty="0" smtClean="0">
+                <a:solidFill>
+                  <a:schemeClr val="bg1"/>
+                </a:solidFill>
+              </a:rPr>
+              <a:t> and CO, have different condensation temperatures =&gt; </a:t>
+            </a:r>
+            <a:r>
+              <a:rPr lang="en-US" dirty="0">
+                <a:solidFill>
+                  <a:schemeClr val="bg1"/>
+                </a:solidFill>
+              </a:rPr>
+              <a:t>variations in the abundances of C and O </a:t>
+            </a:r>
+            <a:r>
+              <a:rPr lang="en-US" dirty="0" smtClean="0">
+                <a:solidFill>
+                  <a:schemeClr val="bg1"/>
+                </a:solidFill>
+              </a:rPr>
+              <a:t>in solids </a:t>
+            </a:r>
+            <a:r>
+              <a:rPr lang="en-US" dirty="0">
+                <a:solidFill>
+                  <a:schemeClr val="bg1"/>
+                </a:solidFill>
+              </a:rPr>
+              <a:t>and gas between the snow lines of </a:t>
+            </a:r>
+            <a:r>
+              <a:rPr lang="en-US" dirty="0" smtClean="0">
+                <a:solidFill>
+                  <a:schemeClr val="bg1"/>
+                </a:solidFill>
+              </a:rPr>
+              <a:t>these volatiles</a:t>
+            </a:r>
+            <a:endParaRPr lang="en-US" dirty="0">
               <a:solidFill>
                 <a:schemeClr val="bg1"/>
               </a:solidFill>
@@ -15232,72 +15819,10 @@
           </a:p>
         </p:txBody>
       </p:sp>
-      <p:pic>
-        <p:nvPicPr>
-          <p:cNvPr id="7" name="Picture 6"/>
-          <p:cNvPicPr>
-            <a:picLocks noChangeAspect="1"/>
-          </p:cNvPicPr>
-          <p:nvPr/>
-        </p:nvPicPr>
-        <p:blipFill>
-          <a:blip r:embed="rId2"/>
-          <a:stretch>
-            <a:fillRect/>
-          </a:stretch>
-        </p:blipFill>
-        <p:spPr>
-          <a:xfrm>
-            <a:off x="254000" y="749300"/>
-            <a:ext cx="8636000" cy="5346700"/>
-          </a:xfrm>
-          <a:prstGeom prst="rect">
-            <a:avLst/>
-          </a:prstGeom>
-        </p:spPr>
-      </p:pic>
-      <p:sp>
-        <p:nvSpPr>
-          <p:cNvPr id="8" name="TextBox 7"/>
-          <p:cNvSpPr txBox="1"/>
-          <p:nvPr/>
-        </p:nvSpPr>
-        <p:spPr>
-          <a:xfrm>
-            <a:off x="8015109" y="5760001"/>
-            <a:ext cx="931335" cy="307777"/>
-          </a:xfrm>
-          <a:prstGeom prst="rect">
-            <a:avLst/>
-          </a:prstGeom>
-          <a:noFill/>
-        </p:spPr>
-        <p:txBody>
-          <a:bodyPr wrap="square" rtlCol="0">
-            <a:spAutoFit/>
-          </a:bodyPr>
-          <a:lstStyle/>
-          <a:p>
-            <a:r>
-              <a:rPr lang="en-US" sz="1400" dirty="0" smtClean="0">
-                <a:solidFill>
-                  <a:schemeClr val="bg1"/>
-                </a:solidFill>
-              </a:rPr>
-              <a:t>Oberg+11</a:t>
-            </a:r>
-            <a:endParaRPr lang="en-US" sz="1400" dirty="0">
-              <a:solidFill>
-                <a:schemeClr val="bg1"/>
-              </a:solidFill>
-            </a:endParaRPr>
-          </a:p>
-        </p:txBody>
-      </p:sp>
     </p:spTree>
     <p:extLst>
       <p:ext uri="{BB962C8B-B14F-4D97-AF65-F5344CB8AC3E}">
-        <p14:creationId xmlns:p14="http://schemas.microsoft.com/office/powerpoint/2010/main" val="3972621908"/>
+        <p14:creationId xmlns:p14="http://schemas.microsoft.com/office/powerpoint/2010/main" val="2530690195"/>
       </p:ext>
     </p:extLst>
   </p:cSld>
@@ -15326,43 +15851,35 @@
       </p:grpSpPr>
       <p:sp>
         <p:nvSpPr>
-          <p:cNvPr id="2" name="Title 1"/>
-          <p:cNvSpPr>
-            <a:spLocks noGrp="1"/>
-          </p:cNvSpPr>
-          <p:nvPr>
-            <p:ph type="title"/>
-          </p:nvPr>
+          <p:cNvPr id="6" name="TextBox 5"/>
+          <p:cNvSpPr txBox="1"/>
+          <p:nvPr/>
         </p:nvSpPr>
         <p:spPr>
           <a:xfrm>
-            <a:off x="457200" y="2540001"/>
-            <a:ext cx="8475133" cy="2215444"/>
-          </a:xfrm>
-          <a:solidFill>
-            <a:srgbClr val="FFFF00"/>
-          </a:solidFill>
-          <a:ln w="63500">
-            <a:solidFill>
-              <a:srgbClr val="0000FF"/>
-            </a:solidFill>
-          </a:ln>
+            <a:off x="7210776" y="6229556"/>
+            <a:ext cx="1495778" cy="307777"/>
+          </a:xfrm>
+          <a:prstGeom prst="rect">
+            <a:avLst/>
+          </a:prstGeom>
+          <a:noFill/>
         </p:spPr>
         <p:txBody>
-          <a:bodyPr>
-            <a:noAutofit/>
+          <a:bodyPr wrap="square" rtlCol="0">
+            <a:spAutoFit/>
           </a:bodyPr>
           <a:lstStyle/>
           <a:p>
             <a:r>
-              <a:rPr lang="en-US" sz="3600" dirty="0" smtClean="0">
+              <a:rPr lang="en-US" sz="1400" dirty="0" smtClean="0">
                 <a:solidFill>
                   <a:schemeClr val="bg1"/>
                 </a:solidFill>
               </a:rPr>
-              <a:t>Understand how radial drift and gas accretion affect snowline locations, and thus the C/O ratio in gas and dust throughout the disk</a:t>
-            </a:r>
-            <a:endParaRPr lang="en-US" sz="3600" dirty="0">
+              <a:t>After Oberg+11</a:t>
+            </a:r>
+            <a:endParaRPr lang="en-US" sz="1400" dirty="0">
               <a:solidFill>
                 <a:schemeClr val="bg1"/>
               </a:solidFill>
@@ -15370,55 +15887,63 @@
           </a:p>
         </p:txBody>
       </p:sp>
-      <p:sp>
-        <p:nvSpPr>
-          <p:cNvPr id="4" name="Title 1"/>
-          <p:cNvSpPr txBox="1">
-            <a:spLocks/>
-          </p:cNvSpPr>
+      <p:pic>
+        <p:nvPicPr>
+          <p:cNvPr id="7" name="Picture 6"/>
+          <p:cNvPicPr>
+            <a:picLocks noChangeAspect="1"/>
+          </p:cNvPicPr>
           <p:nvPr/>
-        </p:nvSpPr>
+        </p:nvPicPr>
+        <p:blipFill>
+          <a:blip r:embed="rId2"/>
+          <a:stretch>
+            <a:fillRect/>
+          </a:stretch>
+        </p:blipFill>
         <p:spPr>
           <a:xfrm>
-            <a:off x="457200" y="274638"/>
-            <a:ext cx="8229600" cy="1143000"/>
+            <a:off x="254000" y="749300"/>
+            <a:ext cx="8636000" cy="5346700"/>
           </a:xfrm>
           <a:prstGeom prst="rect">
             <a:avLst/>
           </a:prstGeom>
         </p:spPr>
-        <p:txBody>
-          <a:bodyPr vert="horz" lIns="91440" tIns="45720" rIns="91440" bIns="45720" rtlCol="0" anchor="ctr">
-            <a:normAutofit/>
+      </p:pic>
+      <p:sp>
+        <p:nvSpPr>
+          <p:cNvPr id="8" name="TextBox 7"/>
+          <p:cNvSpPr txBox="1"/>
+          <p:nvPr/>
+        </p:nvSpPr>
+        <p:spPr>
+          <a:xfrm>
+            <a:off x="8015109" y="5760001"/>
+            <a:ext cx="931335" cy="307777"/>
+          </a:xfrm>
+          <a:prstGeom prst="rect">
+            <a:avLst/>
+          </a:prstGeom>
+          <a:noFill/>
+        </p:spPr>
+        <p:txBody>
+          <a:bodyPr wrap="square" rtlCol="0">
+            <a:spAutoFit/>
           </a:bodyPr>
-          <a:lstStyle>
-            <a:lvl1pPr algn="ctr" defTabSz="914400" rtl="0" eaLnBrk="1" latinLnBrk="0" hangingPunct="1">
-              <a:spcBef>
-                <a:spcPct val="0"/>
-              </a:spcBef>
-              <a:buNone/>
-              <a:defRPr sz="4400" kern="1200">
-                <a:solidFill>
-                  <a:schemeClr val="tx1"/>
-                </a:solidFill>
-                <a:latin typeface="+mj-lt"/>
-                <a:ea typeface="+mj-ea"/>
-                <a:cs typeface="+mj-cs"/>
-              </a:defRPr>
-            </a:lvl1pPr>
-          </a:lstStyle>
-          <a:p>
-            <a:r>
-              <a:rPr lang="en-US" sz="6000" dirty="0" smtClean="0">
-                <a:solidFill>
-                  <a:srgbClr val="FFFF00"/>
-                </a:solidFill>
-              </a:rPr>
-              <a:t>GOAL</a:t>
-            </a:r>
-            <a:endParaRPr lang="en-US" sz="6000" dirty="0">
+          <a:lstStyle/>
+          <a:p>
+            <a:r>
+              <a:rPr lang="en-US" sz="1400" dirty="0" smtClean="0">
+                <a:solidFill>
+                  <a:schemeClr val="bg1"/>
+                </a:solidFill>
+              </a:rPr>
+              <a:t>Oberg+11</a:t>
+            </a:r>
+            <a:endParaRPr lang="en-US" sz="1400" dirty="0">
               <a:solidFill>
-                <a:srgbClr val="FFFF00"/>
+                <a:schemeClr val="bg1"/>
               </a:solidFill>
             </a:endParaRPr>
           </a:p>
@@ -15427,20 +15952,13 @@
     </p:spTree>
     <p:extLst>
       <p:ext uri="{BB962C8B-B14F-4D97-AF65-F5344CB8AC3E}">
-        <p14:creationId xmlns:p14="http://schemas.microsoft.com/office/powerpoint/2010/main" val="3790756509"/>
+        <p14:creationId xmlns:p14="http://schemas.microsoft.com/office/powerpoint/2010/main" val="3972621908"/>
       </p:ext>
     </p:extLst>
   </p:cSld>
   <p:clrMapOvr>
     <a:masterClrMapping/>
   </p:clrMapOvr>
-  <p:timing>
-    <p:tnLst>
-      <p:par>
-        <p:cTn xmlns:p14="http://schemas.microsoft.com/office/powerpoint/2010/main" id="1" dur="indefinite" restart="never" nodeType="tmRoot"/>
-      </p:par>
-    </p:tnLst>
-  </p:timing>
 </p:sld>
 </file>
 
@@ -15471,211 +15989,113 @@
             <p:ph type="title"/>
           </p:nvPr>
         </p:nvSpPr>
-        <p:spPr/>
-        <p:txBody>
-          <a:bodyPr/>
-          <a:lstStyle/>
-          <a:p>
-            <a:r>
-              <a:rPr lang="en-US" dirty="0" smtClean="0"/>
-              <a:t>Radial drift of solids</a:t>
-            </a:r>
-            <a:endParaRPr lang="en-US" dirty="0"/>
-          </a:p>
-        </p:txBody>
-      </p:sp>
-      <p:sp>
-        <p:nvSpPr>
-          <p:cNvPr id="3" name="Content Placeholder 2"/>
-          <p:cNvSpPr>
-            <a:spLocks noGrp="1"/>
-          </p:cNvSpPr>
-          <p:nvPr>
-            <p:ph idx="1"/>
-          </p:nvPr>
-        </p:nvSpPr>
         <p:spPr>
           <a:xfrm>
-            <a:off x="457199" y="1600200"/>
-            <a:ext cx="8446911" cy="4525963"/>
-          </a:xfrm>
+            <a:off x="457200" y="2540001"/>
+            <a:ext cx="8475133" cy="2215444"/>
+          </a:xfrm>
+          <a:solidFill>
+            <a:srgbClr val="FFFF00"/>
+          </a:solidFill>
+          <a:ln w="63500">
+            <a:solidFill>
+              <a:srgbClr val="0000FF"/>
+            </a:solidFill>
+          </a:ln>
         </p:spPr>
         <p:txBody>
           <a:bodyPr>
-            <a:normAutofit fontScale="92500" lnSpcReduction="20000"/>
+            <a:noAutofit/>
           </a:bodyPr>
           <a:lstStyle/>
           <a:p>
             <a:r>
-              <a:rPr lang="en-US" dirty="0" smtClean="0"/>
-              <a:t>Gas moves at </a:t>
-            </a:r>
-            <a:r>
-              <a:rPr lang="en-US" dirty="0" smtClean="0">
+              <a:rPr lang="en-US" sz="3600" dirty="0" smtClean="0">
+                <a:solidFill>
+                  <a:schemeClr val="bg1"/>
+                </a:solidFill>
+              </a:rPr>
+              <a:t>Understand how radial drift and gas accretion affect snowline locations, and thus the C/O ratio in gas and dust throughout the disk</a:t>
+            </a:r>
+            <a:endParaRPr lang="en-US" sz="3600" dirty="0">
+              <a:solidFill>
+                <a:schemeClr val="bg1"/>
+              </a:solidFill>
+            </a:endParaRPr>
+          </a:p>
+        </p:txBody>
+      </p:sp>
+      <p:sp>
+        <p:nvSpPr>
+          <p:cNvPr id="4" name="Title 1"/>
+          <p:cNvSpPr txBox="1">
+            <a:spLocks/>
+          </p:cNvSpPr>
+          <p:nvPr/>
+        </p:nvSpPr>
+        <p:spPr>
+          <a:xfrm>
+            <a:off x="457200" y="274638"/>
+            <a:ext cx="8229600" cy="1143000"/>
+          </a:xfrm>
+          <a:prstGeom prst="rect">
+            <a:avLst/>
+          </a:prstGeom>
+        </p:spPr>
+        <p:txBody>
+          <a:bodyPr vert="horz" lIns="91440" tIns="45720" rIns="91440" bIns="45720" rtlCol="0" anchor="ctr">
+            <a:normAutofit/>
+          </a:bodyPr>
+          <a:lstStyle>
+            <a:lvl1pPr algn="ctr" defTabSz="914400" rtl="0" eaLnBrk="1" latinLnBrk="0" hangingPunct="1">
+              <a:spcBef>
+                <a:spcPct val="0"/>
+              </a:spcBef>
+              <a:buNone/>
+              <a:defRPr sz="4400" kern="1200">
+                <a:solidFill>
+                  <a:schemeClr val="tx1"/>
+                </a:solidFill>
+                <a:latin typeface="+mj-lt"/>
+                <a:ea typeface="+mj-ea"/>
+                <a:cs typeface="+mj-cs"/>
+              </a:defRPr>
+            </a:lvl1pPr>
+          </a:lstStyle>
+          <a:p>
+            <a:r>
+              <a:rPr lang="en-US" sz="6000" dirty="0" smtClean="0">
                 <a:solidFill>
                   <a:srgbClr val="FFFF00"/>
                 </a:solidFill>
               </a:rPr>
-              <a:t>sub-</a:t>
-            </a:r>
-            <a:r>
-              <a:rPr lang="en-US" dirty="0" err="1" smtClean="0">
-                <a:solidFill>
-                  <a:srgbClr val="FFFF00"/>
-                </a:solidFill>
-              </a:rPr>
-              <a:t>Keplerian</a:t>
-            </a:r>
-            <a:r>
-              <a:rPr lang="en-US" dirty="0" smtClean="0">
-                <a:solidFill>
-                  <a:srgbClr val="FFFF00"/>
-                </a:solidFill>
-              </a:rPr>
-              <a:t> velocity</a:t>
-            </a:r>
-            <a:r>
-              <a:rPr lang="en-US" dirty="0" smtClean="0"/>
-              <a:t>:</a:t>
-            </a:r>
-          </a:p>
-          <a:p>
-            <a:pPr marL="0" indent="0">
-              <a:buNone/>
-            </a:pPr>
-            <a:r>
-              <a:rPr lang="en-US" dirty="0" smtClean="0"/>
-              <a:t>	</a:t>
-            </a:r>
-            <a:r>
-              <a:rPr lang="en-US" dirty="0" err="1" smtClean="0"/>
-              <a:t>v</a:t>
-            </a:r>
-            <a:r>
-              <a:rPr lang="en-US" baseline="-25000" dirty="0" err="1" smtClean="0"/>
-              <a:t>gas</a:t>
-            </a:r>
-            <a:r>
-              <a:rPr lang="en-US" dirty="0" smtClean="0"/>
-              <a:t> ~ </a:t>
-            </a:r>
-            <a:r>
-              <a:rPr lang="en-US" dirty="0" err="1" smtClean="0"/>
-              <a:t>v</a:t>
-            </a:r>
-            <a:r>
-              <a:rPr lang="en-US" baseline="-25000" dirty="0" err="1" smtClean="0"/>
-              <a:t>K</a:t>
-            </a:r>
-            <a:r>
-              <a:rPr lang="en-US" dirty="0" smtClean="0"/>
-              <a:t> (1-c</a:t>
-            </a:r>
-            <a:r>
-              <a:rPr lang="en-US" baseline="-25000" dirty="0" smtClean="0"/>
-              <a:t>s</a:t>
-            </a:r>
-            <a:r>
-              <a:rPr lang="en-US" baseline="30000" dirty="0" smtClean="0"/>
-              <a:t>2</a:t>
-            </a:r>
-            <a:r>
-              <a:rPr lang="en-US" dirty="0" smtClean="0"/>
-              <a:t> / v</a:t>
-            </a:r>
-            <a:r>
-              <a:rPr lang="en-US" baseline="-25000" dirty="0" smtClean="0"/>
-              <a:t>k</a:t>
-            </a:r>
-            <a:r>
-              <a:rPr lang="en-US" baseline="30000" dirty="0" smtClean="0"/>
-              <a:t>2</a:t>
-            </a:r>
-            <a:r>
-              <a:rPr lang="en-US" dirty="0" smtClean="0"/>
-              <a:t>)</a:t>
-            </a:r>
-          </a:p>
-          <a:p>
-            <a:pPr marL="0" indent="0">
-              <a:buNone/>
-            </a:pPr>
-            <a:endParaRPr lang="en-US" dirty="0" smtClean="0"/>
-          </a:p>
-          <a:p>
-            <a:r>
-              <a:rPr lang="en-US" dirty="0" smtClean="0">
-                <a:solidFill>
-                  <a:srgbClr val="FFFF00"/>
-                </a:solidFill>
-              </a:rPr>
-              <a:t>Small particles </a:t>
-            </a:r>
-            <a:r>
-              <a:rPr lang="en-US" dirty="0" smtClean="0"/>
-              <a:t>(~micron size) move with the gas</a:t>
-            </a:r>
-          </a:p>
-          <a:p>
-            <a:endParaRPr lang="en-US" dirty="0" smtClean="0"/>
-          </a:p>
-          <a:p>
-            <a:r>
-              <a:rPr lang="en-US" dirty="0" smtClean="0">
-                <a:solidFill>
-                  <a:srgbClr val="FFFF00"/>
-                </a:solidFill>
-              </a:rPr>
-              <a:t>Large particles </a:t>
-            </a:r>
-            <a:r>
-              <a:rPr lang="en-US" dirty="0" smtClean="0"/>
-              <a:t>(~km size) are unaffected by gas drag</a:t>
-            </a:r>
-          </a:p>
-          <a:p>
-            <a:endParaRPr lang="en-US" dirty="0" smtClean="0"/>
-          </a:p>
-          <a:p>
-            <a:r>
-              <a:rPr lang="en-US" dirty="0" smtClean="0">
-                <a:solidFill>
-                  <a:srgbClr val="FFFF00"/>
-                </a:solidFill>
-              </a:rPr>
-              <a:t>“Intermediate sized” particles </a:t>
-            </a:r>
-            <a:r>
-              <a:rPr lang="en-US" dirty="0" smtClean="0"/>
-              <a:t>(~cm-m size) experience a headwind and </a:t>
-            </a:r>
-            <a:r>
-              <a:rPr lang="en-US" dirty="0" smtClean="0">
-                <a:solidFill>
-                  <a:srgbClr val="FFFF00"/>
-                </a:solidFill>
-              </a:rPr>
-              <a:t>drift towards the star</a:t>
-            </a:r>
-          </a:p>
-          <a:p>
-            <a:pPr marL="457200" lvl="1" indent="0">
-              <a:buNone/>
-            </a:pPr>
-            <a:endParaRPr lang="en-US" dirty="0" smtClean="0"/>
+              <a:t>GOAL</a:t>
+            </a:r>
+            <a:endParaRPr lang="en-US" sz="6000" dirty="0">
+              <a:solidFill>
+                <a:srgbClr val="FFFF00"/>
+              </a:solidFill>
+            </a:endParaRPr>
           </a:p>
         </p:txBody>
       </p:sp>
     </p:spTree>
     <p:extLst>
       <p:ext uri="{BB962C8B-B14F-4D97-AF65-F5344CB8AC3E}">
-        <p14:creationId xmlns:p14="http://schemas.microsoft.com/office/powerpoint/2010/main" val="2388135888"/>
+        <p14:creationId xmlns:p14="http://schemas.microsoft.com/office/powerpoint/2010/main" val="3790756509"/>
       </p:ext>
     </p:extLst>
   </p:cSld>
   <p:clrMapOvr>
     <a:masterClrMapping/>
   </p:clrMapOvr>
+  <p:timing>
+    <p:tnLst>
+      <p:par>
+        <p:cTn xmlns:p14="http://schemas.microsoft.com/office/powerpoint/2010/main" id="1" dur="indefinite" restart="never" nodeType="tmRoot"/>
+      </p:par>
+    </p:tnLst>
+  </p:timing>
 </p:sld>
 </file>
 
@@ -15821,22 +16241,12 @@
         </p:nvSpPr>
         <p:spPr/>
         <p:txBody>
-          <a:bodyPr>
-            <a:normAutofit fontScale="90000"/>
-          </a:bodyPr>
-          <a:lstStyle/>
-          <a:p>
-            <a:r>
-              <a:rPr lang="en-US" dirty="0" smtClean="0">
-                <a:solidFill>
-                  <a:srgbClr val="FFFF00"/>
-                </a:solidFill>
-              </a:rPr>
-              <a:t>Gas disk accretes </a:t>
-            </a:r>
+          <a:bodyPr/>
+          <a:lstStyle/>
+          <a:p>
             <a:r>
               <a:rPr lang="en-US" dirty="0" smtClean="0"/>
-              <a:t>onto the central star</a:t>
+              <a:t>Radial drift of solids</a:t>
             </a:r>
             <a:endParaRPr lang="en-US" dirty="0"/>
           </a:p>
@@ -15852,113 +16262,182 @@
             <p:ph idx="1"/>
           </p:nvPr>
         </p:nvSpPr>
-        <p:spPr/>
-        <p:txBody>
-          <a:bodyPr/>
-          <a:lstStyle/>
-          <a:p>
-            <a:r>
-              <a:rPr lang="en-US" dirty="0" smtClean="0"/>
-              <a:t>alpha-disk prescription: </a:t>
-            </a:r>
-            <a:r>
-              <a:rPr lang="en-US" dirty="0" err="1" smtClean="0"/>
-              <a:t>ν</a:t>
-            </a:r>
-            <a:r>
-              <a:rPr lang="en-US" dirty="0" smtClean="0"/>
-              <a:t> = α </a:t>
-            </a:r>
-            <a:r>
-              <a:rPr lang="en-US" dirty="0" err="1" smtClean="0"/>
-              <a:t>c</a:t>
-            </a:r>
-            <a:r>
-              <a:rPr lang="en-US" baseline="-25000" dirty="0" err="1" smtClean="0"/>
-              <a:t>s</a:t>
-            </a:r>
-            <a:r>
-              <a:rPr lang="en-US" dirty="0" smtClean="0"/>
-              <a:t> H</a:t>
-            </a:r>
-            <a:endParaRPr lang="en-US" dirty="0"/>
-          </a:p>
-        </p:txBody>
-      </p:sp>
-      <p:pic>
-        <p:nvPicPr>
-          <p:cNvPr id="4" name="Picture 3"/>
-          <p:cNvPicPr>
-            <a:picLocks noChangeAspect="1"/>
-          </p:cNvPicPr>
-          <p:nvPr/>
-        </p:nvPicPr>
-        <p:blipFill>
-          <a:blip r:embed="rId2"/>
-          <a:stretch>
-            <a:fillRect/>
-          </a:stretch>
-        </p:blipFill>
         <p:spPr>
           <a:xfrm>
-            <a:off x="1199445" y="2251284"/>
-            <a:ext cx="6886222" cy="4232441"/>
-          </a:xfrm>
-          <a:prstGeom prst="rect">
-            <a:avLst/>
-          </a:prstGeom>
+            <a:off x="457199" y="1600200"/>
+            <a:ext cx="8446911" cy="4525963"/>
+          </a:xfrm>
         </p:spPr>
-      </p:pic>
-      <p:sp>
-        <p:nvSpPr>
-          <p:cNvPr id="5" name="TextBox 4"/>
-          <p:cNvSpPr txBox="1"/>
-          <p:nvPr/>
-        </p:nvSpPr>
-        <p:spPr>
-          <a:xfrm>
-            <a:off x="6731000" y="6136496"/>
-            <a:ext cx="1495778" cy="307777"/>
-          </a:xfrm>
-          <a:prstGeom prst="rect">
-            <a:avLst/>
-          </a:prstGeom>
-          <a:noFill/>
-        </p:spPr>
-        <p:txBody>
-          <a:bodyPr wrap="square" rtlCol="0">
-            <a:spAutoFit/>
+        <p:txBody>
+          <a:bodyPr>
+            <a:normAutofit fontScale="92500" lnSpcReduction="20000"/>
           </a:bodyPr>
           <a:lstStyle/>
           <a:p>
             <a:r>
-              <a:rPr lang="en-US" sz="1400" dirty="0" err="1" smtClean="0">
-                <a:solidFill>
-                  <a:schemeClr val="bg1"/>
-                </a:solidFill>
-              </a:rPr>
-              <a:t>Armitage</a:t>
-            </a:r>
-            <a:r>
-              <a:rPr lang="en-US" sz="1400" dirty="0" smtClean="0">
-                <a:solidFill>
-                  <a:schemeClr val="bg1"/>
-                </a:solidFill>
-              </a:rPr>
-              <a:t> 2009</a:t>
-            </a:r>
-            <a:endParaRPr lang="en-US" sz="1400" dirty="0">
-              <a:solidFill>
-                <a:schemeClr val="bg1"/>
-              </a:solidFill>
-            </a:endParaRPr>
+              <a:rPr lang="en-US" dirty="0" smtClean="0"/>
+              <a:t>Gas moves at </a:t>
+            </a:r>
+            <a:r>
+              <a:rPr lang="en-US" dirty="0" smtClean="0">
+                <a:solidFill>
+                  <a:srgbClr val="FFFF00"/>
+                </a:solidFill>
+              </a:rPr>
+              <a:t>sub-</a:t>
+            </a:r>
+            <a:r>
+              <a:rPr lang="en-US" dirty="0" err="1" smtClean="0">
+                <a:solidFill>
+                  <a:srgbClr val="FFFF00"/>
+                </a:solidFill>
+              </a:rPr>
+              <a:t>Keplerian</a:t>
+            </a:r>
+            <a:r>
+              <a:rPr lang="en-US" dirty="0" smtClean="0">
+                <a:solidFill>
+                  <a:srgbClr val="FFFF00"/>
+                </a:solidFill>
+              </a:rPr>
+              <a:t> velocity</a:t>
+            </a:r>
+            <a:r>
+              <a:rPr lang="en-US" dirty="0" smtClean="0"/>
+              <a:t>:</a:t>
+            </a:r>
+          </a:p>
+          <a:p>
+            <a:pPr marL="0" indent="0">
+              <a:buNone/>
+            </a:pPr>
+            <a:r>
+              <a:rPr lang="en-US" dirty="0" smtClean="0"/>
+              <a:t>	</a:t>
+            </a:r>
+            <a:r>
+              <a:rPr lang="en-US" dirty="0" err="1" smtClean="0"/>
+              <a:t>v</a:t>
+            </a:r>
+            <a:r>
+              <a:rPr lang="en-US" baseline="-25000" dirty="0" err="1" smtClean="0"/>
+              <a:t>gas</a:t>
+            </a:r>
+            <a:r>
+              <a:rPr lang="en-US" dirty="0" smtClean="0"/>
+              <a:t> ~ </a:t>
+            </a:r>
+            <a:r>
+              <a:rPr lang="en-US" dirty="0" err="1" smtClean="0"/>
+              <a:t>v</a:t>
+            </a:r>
+            <a:r>
+              <a:rPr lang="en-US" baseline="-25000" dirty="0" err="1" smtClean="0"/>
+              <a:t>K</a:t>
+            </a:r>
+            <a:r>
+              <a:rPr lang="en-US" dirty="0" smtClean="0"/>
+              <a:t> (1-c</a:t>
+            </a:r>
+            <a:r>
+              <a:rPr lang="en-US" baseline="-25000" dirty="0" smtClean="0"/>
+              <a:t>s</a:t>
+            </a:r>
+            <a:r>
+              <a:rPr lang="en-US" baseline="30000" dirty="0" smtClean="0"/>
+              <a:t>2</a:t>
+            </a:r>
+            <a:r>
+              <a:rPr lang="en-US" dirty="0" smtClean="0"/>
+              <a:t> / v</a:t>
+            </a:r>
+            <a:r>
+              <a:rPr lang="en-US" baseline="-25000" dirty="0" smtClean="0"/>
+              <a:t>k</a:t>
+            </a:r>
+            <a:r>
+              <a:rPr lang="en-US" baseline="30000" dirty="0" smtClean="0"/>
+              <a:t>2</a:t>
+            </a:r>
+            <a:r>
+              <a:rPr lang="en-US" dirty="0" smtClean="0"/>
+              <a:t>)</a:t>
+            </a:r>
+          </a:p>
+          <a:p>
+            <a:pPr marL="0" indent="0">
+              <a:buNone/>
+            </a:pPr>
+            <a:endParaRPr lang="en-US" dirty="0" smtClean="0"/>
+          </a:p>
+          <a:p>
+            <a:r>
+              <a:rPr lang="en-US" dirty="0" smtClean="0">
+                <a:solidFill>
+                  <a:srgbClr val="FFFF00"/>
+                </a:solidFill>
+              </a:rPr>
+              <a:t>Small particles </a:t>
+            </a:r>
+            <a:r>
+              <a:rPr lang="en-US" dirty="0" smtClean="0"/>
+              <a:t>(~micron size) move with the gas</a:t>
+            </a:r>
+          </a:p>
+          <a:p>
+            <a:endParaRPr lang="en-US" dirty="0" smtClean="0"/>
+          </a:p>
+          <a:p>
+            <a:r>
+              <a:rPr lang="en-US" dirty="0" smtClean="0">
+                <a:solidFill>
+                  <a:srgbClr val="FFFF00"/>
+                </a:solidFill>
+              </a:rPr>
+              <a:t>Large particles </a:t>
+            </a:r>
+            <a:r>
+              <a:rPr lang="en-US" dirty="0" smtClean="0"/>
+              <a:t>(~km size) are unaffected by gas drag</a:t>
+            </a:r>
+          </a:p>
+          <a:p>
+            <a:endParaRPr lang="en-US" dirty="0" smtClean="0"/>
+          </a:p>
+          <a:p>
+            <a:r>
+              <a:rPr lang="en-US" dirty="0" smtClean="0">
+                <a:solidFill>
+                  <a:srgbClr val="FFFF00"/>
+                </a:solidFill>
+              </a:rPr>
+              <a:t>“Intermediate sized” particles </a:t>
+            </a:r>
+            <a:r>
+              <a:rPr lang="en-US" dirty="0" smtClean="0"/>
+              <a:t>(~cm-m size) experience a headwind and </a:t>
+            </a:r>
+            <a:r>
+              <a:rPr lang="en-US" dirty="0" smtClean="0">
+                <a:solidFill>
+                  <a:srgbClr val="FFFF00"/>
+                </a:solidFill>
+              </a:rPr>
+              <a:t>drift towards the star</a:t>
+            </a:r>
+          </a:p>
+          <a:p>
+            <a:pPr marL="457200" lvl="1" indent="0">
+              <a:buNone/>
+            </a:pPr>
+            <a:endParaRPr lang="en-US" dirty="0" smtClean="0"/>
           </a:p>
         </p:txBody>
       </p:sp>
     </p:spTree>
     <p:extLst>
       <p:ext uri="{BB962C8B-B14F-4D97-AF65-F5344CB8AC3E}">
-        <p14:creationId xmlns:p14="http://schemas.microsoft.com/office/powerpoint/2010/main" val="2382807012"/>
+        <p14:creationId xmlns:p14="http://schemas.microsoft.com/office/powerpoint/2010/main" val="2388135888"/>
       </p:ext>
     </p:extLst>
   </p:cSld>
@@ -16008,6 +16487,182 @@
                   <a:srgbClr val="FFFF00"/>
                 </a:solidFill>
               </a:rPr>
+              <a:t>Gas disk accretes </a:t>
+            </a:r>
+            <a:r>
+              <a:rPr lang="en-US" dirty="0" smtClean="0"/>
+              <a:t>onto the central star</a:t>
+            </a:r>
+            <a:endParaRPr lang="en-US" dirty="0"/>
+          </a:p>
+        </p:txBody>
+      </p:sp>
+      <p:sp>
+        <p:nvSpPr>
+          <p:cNvPr id="3" name="Content Placeholder 2"/>
+          <p:cNvSpPr>
+            <a:spLocks noGrp="1"/>
+          </p:cNvSpPr>
+          <p:nvPr>
+            <p:ph idx="1"/>
+          </p:nvPr>
+        </p:nvSpPr>
+        <p:spPr/>
+        <p:txBody>
+          <a:bodyPr/>
+          <a:lstStyle/>
+          <a:p>
+            <a:r>
+              <a:rPr lang="en-US" dirty="0" smtClean="0"/>
+              <a:t>alpha-disk prescription: </a:t>
+            </a:r>
+            <a:r>
+              <a:rPr lang="en-US" dirty="0" err="1" smtClean="0"/>
+              <a:t>ν</a:t>
+            </a:r>
+            <a:r>
+              <a:rPr lang="en-US" dirty="0" smtClean="0"/>
+              <a:t> = α </a:t>
+            </a:r>
+            <a:r>
+              <a:rPr lang="en-US" dirty="0" err="1" smtClean="0"/>
+              <a:t>c</a:t>
+            </a:r>
+            <a:r>
+              <a:rPr lang="en-US" baseline="-25000" dirty="0" err="1" smtClean="0"/>
+              <a:t>s</a:t>
+            </a:r>
+            <a:r>
+              <a:rPr lang="en-US" dirty="0" smtClean="0"/>
+              <a:t> H</a:t>
+            </a:r>
+            <a:endParaRPr lang="en-US" dirty="0"/>
+          </a:p>
+        </p:txBody>
+      </p:sp>
+      <p:pic>
+        <p:nvPicPr>
+          <p:cNvPr id="4" name="Picture 3"/>
+          <p:cNvPicPr>
+            <a:picLocks noChangeAspect="1"/>
+          </p:cNvPicPr>
+          <p:nvPr/>
+        </p:nvPicPr>
+        <p:blipFill>
+          <a:blip r:embed="rId2"/>
+          <a:stretch>
+            <a:fillRect/>
+          </a:stretch>
+        </p:blipFill>
+        <p:spPr>
+          <a:xfrm>
+            <a:off x="1199445" y="2251284"/>
+            <a:ext cx="6886222" cy="4232441"/>
+          </a:xfrm>
+          <a:prstGeom prst="rect">
+            <a:avLst/>
+          </a:prstGeom>
+        </p:spPr>
+      </p:pic>
+      <p:sp>
+        <p:nvSpPr>
+          <p:cNvPr id="5" name="TextBox 4"/>
+          <p:cNvSpPr txBox="1"/>
+          <p:nvPr/>
+        </p:nvSpPr>
+        <p:spPr>
+          <a:xfrm>
+            <a:off x="6731000" y="6136496"/>
+            <a:ext cx="1495778" cy="307777"/>
+          </a:xfrm>
+          <a:prstGeom prst="rect">
+            <a:avLst/>
+          </a:prstGeom>
+          <a:noFill/>
+        </p:spPr>
+        <p:txBody>
+          <a:bodyPr wrap="square" rtlCol="0">
+            <a:spAutoFit/>
+          </a:bodyPr>
+          <a:lstStyle/>
+          <a:p>
+            <a:r>
+              <a:rPr lang="en-US" sz="1400" dirty="0" err="1" smtClean="0">
+                <a:solidFill>
+                  <a:schemeClr val="bg1"/>
+                </a:solidFill>
+              </a:rPr>
+              <a:t>Armitage</a:t>
+            </a:r>
+            <a:r>
+              <a:rPr lang="en-US" sz="1400" dirty="0" smtClean="0">
+                <a:solidFill>
+                  <a:schemeClr val="bg1"/>
+                </a:solidFill>
+              </a:rPr>
+              <a:t> 2009</a:t>
+            </a:r>
+            <a:endParaRPr lang="en-US" sz="1400" dirty="0">
+              <a:solidFill>
+                <a:schemeClr val="bg1"/>
+              </a:solidFill>
+            </a:endParaRPr>
+          </a:p>
+        </p:txBody>
+      </p:sp>
+    </p:spTree>
+    <p:extLst>
+      <p:ext uri="{BB962C8B-B14F-4D97-AF65-F5344CB8AC3E}">
+        <p14:creationId xmlns:p14="http://schemas.microsoft.com/office/powerpoint/2010/main" val="2382807012"/>
+      </p:ext>
+    </p:extLst>
+  </p:cSld>
+  <p:clrMapOvr>
+    <a:masterClrMapping/>
+  </p:clrMapOvr>
+</p:sld>
+</file>
+
+<file path=ppt/slides/slide42.xml><?xml version="1.0" encoding="utf-8"?>
+<p:sld xmlns:a="http://schemas.openxmlformats.org/drawingml/2006/main" xmlns:r="http://schemas.openxmlformats.org/officeDocument/2006/relationships" xmlns:p="http://schemas.openxmlformats.org/presentationml/2006/main">
+  <p:cSld>
+    <p:spTree>
+      <p:nvGrpSpPr>
+        <p:cNvPr id="1" name=""/>
+        <p:cNvGrpSpPr/>
+        <p:nvPr/>
+      </p:nvGrpSpPr>
+      <p:grpSpPr>
+        <a:xfrm>
+          <a:off x="0" y="0"/>
+          <a:ext cx="0" cy="0"/>
+          <a:chOff x="0" y="0"/>
+          <a:chExt cx="0" cy="0"/>
+        </a:xfrm>
+      </p:grpSpPr>
+      <p:sp>
+        <p:nvSpPr>
+          <p:cNvPr id="2" name="Title 1"/>
+          <p:cNvSpPr>
+            <a:spLocks noGrp="1"/>
+          </p:cNvSpPr>
+          <p:nvPr>
+            <p:ph type="title"/>
+          </p:nvPr>
+        </p:nvSpPr>
+        <p:spPr/>
+        <p:txBody>
+          <a:bodyPr>
+            <a:normAutofit fontScale="90000"/>
+          </a:bodyPr>
+          <a:lstStyle/>
+          <a:p>
+            <a:r>
+              <a:rPr lang="en-US" dirty="0" smtClean="0">
+                <a:solidFill>
+                  <a:srgbClr val="FFFF00"/>
+                </a:solidFill>
+              </a:rPr>
               <a:t>Timescales</a:t>
             </a:r>
             <a:r>
@@ -16164,161 +16819,6 @@
     <p:extLst>
       <p:ext uri="{BB962C8B-B14F-4D97-AF65-F5344CB8AC3E}">
         <p14:creationId xmlns:p14="http://schemas.microsoft.com/office/powerpoint/2010/main" val="3000364603"/>
-      </p:ext>
-    </p:extLst>
-  </p:cSld>
-  <p:clrMapOvr>
-    <a:masterClrMapping/>
-  </p:clrMapOvr>
-  <p:timing>
-    <p:tnLst>
-      <p:par>
-        <p:cTn xmlns:p14="http://schemas.microsoft.com/office/powerpoint/2010/main" id="1" dur="indefinite" restart="never" nodeType="tmRoot"/>
-      </p:par>
-    </p:tnLst>
-  </p:timing>
-</p:sld>
-</file>
-
-<file path=ppt/slides/slide42.xml><?xml version="1.0" encoding="utf-8"?>
-<p:sld xmlns:a="http://schemas.openxmlformats.org/drawingml/2006/main" xmlns:r="http://schemas.openxmlformats.org/officeDocument/2006/relationships" xmlns:p="http://schemas.openxmlformats.org/presentationml/2006/main">
-  <p:cSld>
-    <p:spTree>
-      <p:nvGrpSpPr>
-        <p:cNvPr id="1" name=""/>
-        <p:cNvGrpSpPr/>
-        <p:nvPr/>
-      </p:nvGrpSpPr>
-      <p:grpSpPr>
-        <a:xfrm>
-          <a:off x="0" y="0"/>
-          <a:ext cx="0" cy="0"/>
-          <a:chOff x="0" y="0"/>
-          <a:chExt cx="0" cy="0"/>
-        </a:xfrm>
-      </p:grpSpPr>
-      <p:sp>
-        <p:nvSpPr>
-          <p:cNvPr id="2" name="Title 1"/>
-          <p:cNvSpPr>
-            <a:spLocks noGrp="1"/>
-          </p:cNvSpPr>
-          <p:nvPr>
-            <p:ph type="title"/>
-          </p:nvPr>
-        </p:nvSpPr>
-        <p:spPr>
-          <a:xfrm>
-            <a:off x="457200" y="-253998"/>
-            <a:ext cx="8229600" cy="1143000"/>
-          </a:xfrm>
-        </p:spPr>
-        <p:txBody>
-          <a:bodyPr>
-            <a:normAutofit fontScale="90000"/>
-          </a:bodyPr>
-          <a:lstStyle/>
-          <a:p>
-            <a:r>
-              <a:rPr lang="en-US" dirty="0" smtClean="0">
-                <a:solidFill>
-                  <a:srgbClr val="FFFF00"/>
-                </a:solidFill>
-              </a:rPr>
-              <a:t>Radial drift </a:t>
-            </a:r>
-            <a:r>
-              <a:rPr lang="en-US" dirty="0" smtClean="0"/>
-              <a:t>affects </a:t>
-            </a:r>
-            <a:r>
-              <a:rPr lang="en-US" dirty="0" smtClean="0">
-                <a:solidFill>
-                  <a:srgbClr val="FFFF00"/>
-                </a:solidFill>
-              </a:rPr>
-              <a:t>snowline location</a:t>
-            </a:r>
-            <a:endParaRPr lang="en-US" dirty="0">
-              <a:solidFill>
-                <a:srgbClr val="FFFF00"/>
-              </a:solidFill>
-            </a:endParaRPr>
-          </a:p>
-        </p:txBody>
-      </p:sp>
-      <p:pic>
-        <p:nvPicPr>
-          <p:cNvPr id="6" name="Picture 5" descr="desorption_distance_passive_active_colorbar_test2.pdf"/>
-          <p:cNvPicPr>
-            <a:picLocks noChangeAspect="1"/>
-          </p:cNvPicPr>
-          <p:nvPr/>
-        </p:nvPicPr>
-        <p:blipFill>
-          <a:blip r:embed="rId2">
-            <a:extLst>
-              <a:ext uri="{28A0092B-C50C-407E-A947-70E740481C1C}">
-                <a14:useLocalDpi xmlns:a14="http://schemas.microsoft.com/office/drawing/2010/main" val="0"/>
-              </a:ext>
-            </a:extLst>
-          </a:blip>
-          <a:stretch>
-            <a:fillRect/>
-          </a:stretch>
-        </p:blipFill>
-        <p:spPr>
-          <a:xfrm>
-            <a:off x="1890888" y="889002"/>
-            <a:ext cx="5418667" cy="5840119"/>
-          </a:xfrm>
-          <a:prstGeom prst="rect">
-            <a:avLst/>
-          </a:prstGeom>
-        </p:spPr>
-      </p:pic>
-      <p:sp>
-        <p:nvSpPr>
-          <p:cNvPr id="7" name="TextBox 6"/>
-          <p:cNvSpPr txBox="1"/>
-          <p:nvPr/>
-        </p:nvSpPr>
-        <p:spPr>
-          <a:xfrm>
-            <a:off x="6090357" y="6396860"/>
-            <a:ext cx="1106311" cy="307777"/>
-          </a:xfrm>
-          <a:prstGeom prst="rect">
-            <a:avLst/>
-          </a:prstGeom>
-          <a:noFill/>
-        </p:spPr>
-        <p:txBody>
-          <a:bodyPr wrap="square" rtlCol="0">
-            <a:spAutoFit/>
-          </a:bodyPr>
-          <a:lstStyle/>
-          <a:p>
-            <a:r>
-              <a:rPr lang="en-US" sz="1400" dirty="0" smtClean="0">
-                <a:solidFill>
-                  <a:schemeClr val="bg1"/>
-                </a:solidFill>
-              </a:rPr>
-              <a:t>Piso+15</a:t>
-            </a:r>
-            <a:endParaRPr lang="en-US" sz="1400" dirty="0">
-              <a:solidFill>
-                <a:schemeClr val="bg1"/>
-              </a:solidFill>
-            </a:endParaRPr>
-          </a:p>
-        </p:txBody>
-      </p:sp>
-    </p:spTree>
-    <p:extLst>
-      <p:ext uri="{BB962C8B-B14F-4D97-AF65-F5344CB8AC3E}">
-        <p14:creationId xmlns:p14="http://schemas.microsoft.com/office/powerpoint/2010/main" val="517838497"/>
       </p:ext>
     </p:extLst>
   </p:cSld>
@@ -16364,51 +16864,47 @@
         </p:nvSpPr>
         <p:spPr>
           <a:xfrm>
-            <a:off x="457200" y="20638"/>
+            <a:off x="457200" y="-253998"/>
             <a:ext cx="8229600" cy="1143000"/>
           </a:xfrm>
         </p:spPr>
         <p:txBody>
           <a:bodyPr>
-            <a:noAutofit/>
+            <a:normAutofit fontScale="90000"/>
           </a:bodyPr>
           <a:lstStyle/>
           <a:p>
             <a:r>
-              <a:rPr lang="en-US" sz="3600" dirty="0" smtClean="0"/>
-              <a:t>We determined </a:t>
-            </a:r>
-            <a:r>
-              <a:rPr lang="en-US" sz="3600" dirty="0" smtClean="0">
+              <a:rPr lang="en-US" dirty="0" smtClean="0">
                 <a:solidFill>
                   <a:srgbClr val="FFFF00"/>
                 </a:solidFill>
               </a:rPr>
-              <a:t>upper limits </a:t>
-            </a:r>
-            <a:r>
-              <a:rPr lang="en-US" sz="3600" dirty="0" smtClean="0"/>
-              <a:t>for the </a:t>
-            </a:r>
-            <a:r>
-              <a:rPr lang="en-US" sz="3600" dirty="0" smtClean="0">
+              <a:t>Radial drift </a:t>
+            </a:r>
+            <a:r>
+              <a:rPr lang="en-US" dirty="0" smtClean="0"/>
+              <a:t>affects </a:t>
+            </a:r>
+            <a:r>
+              <a:rPr lang="en-US" dirty="0" smtClean="0">
                 <a:solidFill>
                   <a:srgbClr val="FFFF00"/>
                 </a:solidFill>
               </a:rPr>
-              <a:t>C/O ratio</a:t>
-            </a:r>
-            <a:r>
-              <a:rPr lang="en-US" sz="3600" dirty="0" smtClean="0"/>
-              <a:t> across the disk</a:t>
-            </a:r>
-            <a:endParaRPr lang="en-US" sz="3600" dirty="0"/>
+              <a:t>snowline location</a:t>
+            </a:r>
+            <a:endParaRPr lang="en-US" dirty="0">
+              <a:solidFill>
+                <a:srgbClr val="FFFF00"/>
+              </a:solidFill>
+            </a:endParaRPr>
           </a:p>
         </p:txBody>
       </p:sp>
       <p:pic>
         <p:nvPicPr>
-          <p:cNvPr id="3" name="Picture 2" descr="C_O_ratio_passive_active_disk_many_colorbar_complete_new.pdf"/>
+          <p:cNvPr id="6" name="Picture 5" descr="desorption_distance_passive_active_colorbar_test2.pdf"/>
           <p:cNvPicPr>
             <a:picLocks noChangeAspect="1"/>
           </p:cNvPicPr>
@@ -16428,8 +16924,8 @@
         </p:blipFill>
         <p:spPr>
           <a:xfrm>
-            <a:off x="1961445" y="1163638"/>
-            <a:ext cx="5446888" cy="5446888"/>
+            <a:off x="1890888" y="889002"/>
+            <a:ext cx="5418667" cy="5840119"/>
           </a:xfrm>
           <a:prstGeom prst="rect">
             <a:avLst/>
@@ -16438,13 +16934,13 @@
       </p:pic>
       <p:sp>
         <p:nvSpPr>
-          <p:cNvPr id="6" name="TextBox 5"/>
+          <p:cNvPr id="7" name="TextBox 6"/>
           <p:cNvSpPr txBox="1"/>
           <p:nvPr/>
         </p:nvSpPr>
         <p:spPr>
           <a:xfrm>
-            <a:off x="6268157" y="6242971"/>
+            <a:off x="6090357" y="6396860"/>
             <a:ext cx="1106311" cy="307777"/>
           </a:xfrm>
           <a:prstGeom prst="rect">
@@ -16477,7 +16973,7 @@
     </p:spTree>
     <p:extLst>
       <p:ext uri="{BB962C8B-B14F-4D97-AF65-F5344CB8AC3E}">
-        <p14:creationId xmlns:p14="http://schemas.microsoft.com/office/powerpoint/2010/main" val="1605698527"/>
+        <p14:creationId xmlns:p14="http://schemas.microsoft.com/office/powerpoint/2010/main" val="517838497"/>
       </p:ext>
     </p:extLst>
   </p:cSld>
@@ -16521,60 +17017,53 @@
             <p:ph type="title"/>
           </p:nvPr>
         </p:nvSpPr>
-        <p:spPr/>
+        <p:spPr>
+          <a:xfrm>
+            <a:off x="457200" y="20638"/>
+            <a:ext cx="8229600" cy="1143000"/>
+          </a:xfrm>
+        </p:spPr>
         <p:txBody>
           <a:bodyPr>
-            <a:normAutofit fontScale="90000"/>
+            <a:noAutofit/>
           </a:bodyPr>
           <a:lstStyle/>
           <a:p>
             <a:r>
-              <a:rPr lang="en-US" dirty="0" smtClean="0"/>
-              <a:t>The </a:t>
-            </a:r>
-            <a:r>
-              <a:rPr lang="en-US" dirty="0" smtClean="0">
+              <a:rPr lang="en-US" sz="3600" dirty="0" smtClean="0"/>
+              <a:t>We determined </a:t>
+            </a:r>
+            <a:r>
+              <a:rPr lang="en-US" sz="3600" dirty="0" smtClean="0">
                 <a:solidFill>
                   <a:srgbClr val="FFFF00"/>
                 </a:solidFill>
               </a:rPr>
-              <a:t>desorption distance </a:t>
-            </a:r>
-            <a:r>
-              <a:rPr lang="en-US" dirty="0" smtClean="0"/>
-              <a:t>for </a:t>
-            </a:r>
-            <a:r>
-              <a:rPr lang="en-US" dirty="0" smtClean="0">
+              <a:t>upper limits </a:t>
+            </a:r>
+            <a:r>
+              <a:rPr lang="en-US" sz="3600" dirty="0" smtClean="0"/>
+              <a:t>for the </a:t>
+            </a:r>
+            <a:r>
+              <a:rPr lang="en-US" sz="3600" dirty="0" smtClean="0">
                 <a:solidFill>
                   <a:srgbClr val="FFFF00"/>
                 </a:solidFill>
               </a:rPr>
-              <a:t>transition disks</a:t>
-            </a:r>
-            <a:r>
-              <a:rPr lang="en-US" dirty="0" smtClean="0"/>
-              <a:t> agrees with </a:t>
-            </a:r>
-            <a:r>
-              <a:rPr lang="en-US" dirty="0" smtClean="0">
-                <a:solidFill>
-                  <a:srgbClr val="FFFF00"/>
-                </a:solidFill>
-              </a:rPr>
-              <a:t>observations</a:t>
-            </a:r>
-            <a:endParaRPr lang="en-US" dirty="0">
-              <a:solidFill>
-                <a:srgbClr val="FFFF00"/>
-              </a:solidFill>
-            </a:endParaRPr>
+              <a:t>C/O ratio</a:t>
+            </a:r>
+            <a:r>
+              <a:rPr lang="en-US" sz="3600" dirty="0" smtClean="0"/>
+              <a:t> across the disk</a:t>
+            </a:r>
+            <a:endParaRPr lang="en-US" sz="3600" dirty="0"/>
           </a:p>
         </p:txBody>
       </p:sp>
       <p:pic>
         <p:nvPicPr>
-          <p:cNvPr id="4" name="Picture 3" descr="desorption_distance_transition_disk_1000.pdf"/>
+          <p:cNvPr id="3" name="Picture 2" descr="C_O_ratio_passive_active_disk_many_colorbar_complete_new.pdf"/>
           <p:cNvPicPr>
             <a:picLocks noChangeAspect="1"/>
           </p:cNvPicPr>
@@ -16594,8 +17083,8 @@
         </p:blipFill>
         <p:spPr>
           <a:xfrm>
-            <a:off x="1628422" y="1761066"/>
-            <a:ext cx="6033911" cy="4525434"/>
+            <a:off x="1961445" y="1163638"/>
+            <a:ext cx="5446888" cy="5446888"/>
           </a:xfrm>
           <a:prstGeom prst="rect">
             <a:avLst/>
@@ -16604,13 +17093,13 @@
       </p:pic>
       <p:sp>
         <p:nvSpPr>
-          <p:cNvPr id="5" name="TextBox 4"/>
+          <p:cNvPr id="6" name="TextBox 5"/>
           <p:cNvSpPr txBox="1"/>
           <p:nvPr/>
         </p:nvSpPr>
         <p:spPr>
           <a:xfrm>
-            <a:off x="6556022" y="5860638"/>
+            <a:off x="6268157" y="6242971"/>
             <a:ext cx="1106311" cy="307777"/>
           </a:xfrm>
           <a:prstGeom prst="rect">
@@ -16643,7 +17132,7 @@
     </p:spTree>
     <p:extLst>
       <p:ext uri="{BB962C8B-B14F-4D97-AF65-F5344CB8AC3E}">
-        <p14:creationId xmlns:p14="http://schemas.microsoft.com/office/powerpoint/2010/main" val="2484351349"/>
+        <p14:creationId xmlns:p14="http://schemas.microsoft.com/office/powerpoint/2010/main" val="1605698527"/>
       </p:ext>
     </p:extLst>
   </p:cSld>
@@ -16689,12 +17178,14 @@
         </p:nvSpPr>
         <p:spPr/>
         <p:txBody>
-          <a:bodyPr/>
+          <a:bodyPr>
+            <a:normAutofit fontScale="90000"/>
+          </a:bodyPr>
           <a:lstStyle/>
           <a:p>
             <a:r>
               <a:rPr lang="en-US" dirty="0" smtClean="0"/>
-              <a:t>Summary of </a:t>
+              <a:t>The </a:t>
             </a:r>
             <a:r>
               <a:rPr lang="en-US" dirty="0" smtClean="0">
@@ -16702,7 +17193,31 @@
                   <a:srgbClr val="FFFF00"/>
                 </a:solidFill>
               </a:rPr>
-              <a:t>Part II</a:t>
+              <a:t>desorption distance </a:t>
+            </a:r>
+            <a:r>
+              <a:rPr lang="en-US" dirty="0" smtClean="0"/>
+              <a:t>for </a:t>
+            </a:r>
+            <a:r>
+              <a:rPr lang="en-US" dirty="0" smtClean="0">
+                <a:solidFill>
+                  <a:srgbClr val="FFFF00"/>
+                </a:solidFill>
+              </a:rPr>
+              <a:t>transition disks</a:t>
+            </a:r>
+            <a:r>
+              <a:rPr lang="en-US" dirty="0" smtClean="0"/>
+              <a:t> agrees with </a:t>
+            </a:r>
+            <a:r>
+              <a:rPr lang="en-US" dirty="0" smtClean="0">
+                <a:solidFill>
+                  <a:srgbClr val="FFFF00"/>
+                </a:solidFill>
+              </a:rPr>
+              <a:t>observations</a:t>
             </a:r>
             <a:endParaRPr lang="en-US" dirty="0">
               <a:solidFill>
@@ -16712,310 +17227,91 @@
           </a:p>
         </p:txBody>
       </p:sp>
-      <p:sp>
-        <p:nvSpPr>
-          <p:cNvPr id="3" name="Content Placeholder 2"/>
-          <p:cNvSpPr>
-            <a:spLocks noGrp="1"/>
-          </p:cNvSpPr>
-          <p:nvPr>
-            <p:ph idx="1"/>
-          </p:nvPr>
-        </p:nvSpPr>
+      <p:pic>
+        <p:nvPicPr>
+          <p:cNvPr id="4" name="Picture 3" descr="desorption_distance_transition_disk_1000.pdf"/>
+          <p:cNvPicPr>
+            <a:picLocks noChangeAspect="1"/>
+          </p:cNvPicPr>
+          <p:nvPr/>
+        </p:nvPicPr>
+        <p:blipFill>
+          <a:blip r:embed="rId3">
+            <a:extLst>
+              <a:ext uri="{28A0092B-C50C-407E-A947-70E740481C1C}">
+                <a14:useLocalDpi xmlns:a14="http://schemas.microsoft.com/office/drawing/2010/main" val="0"/>
+              </a:ext>
+            </a:extLst>
+          </a:blip>
+          <a:stretch>
+            <a:fillRect/>
+          </a:stretch>
+        </p:blipFill>
         <p:spPr>
           <a:xfrm>
-            <a:off x="457200" y="1417638"/>
-            <a:ext cx="8229600" cy="4708525"/>
-          </a:xfrm>
+            <a:off x="1628422" y="1761066"/>
+            <a:ext cx="6033911" cy="4525434"/>
+          </a:xfrm>
+          <a:prstGeom prst="rect">
+            <a:avLst/>
+          </a:prstGeom>
         </p:spPr>
-        <p:txBody>
-          <a:bodyPr>
-            <a:normAutofit fontScale="77500" lnSpcReduction="20000"/>
+      </p:pic>
+      <p:sp>
+        <p:nvSpPr>
+          <p:cNvPr id="5" name="TextBox 4"/>
+          <p:cNvSpPr txBox="1"/>
+          <p:nvPr/>
+        </p:nvSpPr>
+        <p:spPr>
+          <a:xfrm>
+            <a:off x="6556022" y="5860638"/>
+            <a:ext cx="1106311" cy="307777"/>
+          </a:xfrm>
+          <a:prstGeom prst="rect">
+            <a:avLst/>
+          </a:prstGeom>
+          <a:noFill/>
+        </p:spPr>
+        <p:txBody>
+          <a:bodyPr wrap="square" rtlCol="0">
+            <a:spAutoFit/>
           </a:bodyPr>
           <a:lstStyle/>
           <a:p>
             <a:r>
-              <a:rPr lang="en-US" dirty="0" smtClean="0">
-                <a:solidFill>
-                  <a:srgbClr val="FFFF00"/>
-                </a:solidFill>
-              </a:rPr>
-              <a:t>Radial drift</a:t>
-            </a:r>
-            <a:r>
-              <a:rPr lang="en-US" dirty="0" smtClean="0"/>
-              <a:t> and </a:t>
-            </a:r>
-            <a:r>
-              <a:rPr lang="en-US" dirty="0" smtClean="0">
-                <a:solidFill>
-                  <a:srgbClr val="FFFF00"/>
-                </a:solidFill>
-              </a:rPr>
-              <a:t>gas accretion </a:t>
-            </a:r>
-            <a:r>
-              <a:rPr lang="en-US" dirty="0" smtClean="0"/>
-              <a:t>affect desorption and </a:t>
-            </a:r>
-            <a:r>
-              <a:rPr lang="en-US" dirty="0" smtClean="0">
-                <a:solidFill>
-                  <a:srgbClr val="FFFF00"/>
-                </a:solidFill>
-              </a:rPr>
-              <a:t>move the snowline locations </a:t>
-            </a:r>
-            <a:r>
-              <a:rPr lang="en-US" dirty="0" smtClean="0"/>
-              <a:t>compared to a static disk</a:t>
-            </a:r>
-          </a:p>
-          <a:p>
-            <a:endParaRPr lang="en-US" dirty="0" smtClean="0"/>
-          </a:p>
-          <a:p>
-            <a:r>
-              <a:rPr lang="en-US" dirty="0" smtClean="0"/>
-              <a:t>The H</a:t>
-            </a:r>
-            <a:r>
-              <a:rPr lang="en-US" baseline="-25000" dirty="0" smtClean="0"/>
-              <a:t>2</a:t>
-            </a:r>
-            <a:r>
-              <a:rPr lang="en-US" dirty="0" smtClean="0"/>
-              <a:t>O, CO</a:t>
-            </a:r>
-            <a:r>
-              <a:rPr lang="en-US" baseline="-25000" dirty="0" smtClean="0"/>
-              <a:t>2</a:t>
-            </a:r>
-            <a:r>
-              <a:rPr lang="en-US" dirty="0" smtClean="0"/>
-              <a:t> and CO snowlines are created by the </a:t>
-            </a:r>
-            <a:r>
-              <a:rPr lang="en-US" dirty="0" smtClean="0">
-                <a:solidFill>
-                  <a:srgbClr val="FFFF00"/>
-                </a:solidFill>
-              </a:rPr>
-              <a:t>largest drifting particles </a:t>
-            </a:r>
-            <a:r>
-              <a:rPr lang="en-US" dirty="0" smtClean="0"/>
-              <a:t>in our model, i.e. </a:t>
-            </a:r>
-            <a:r>
-              <a:rPr lang="en-US" i="1" dirty="0" smtClean="0">
-                <a:solidFill>
-                  <a:srgbClr val="FFFF00"/>
-                </a:solidFill>
-              </a:rPr>
-              <a:t>s</a:t>
-            </a:r>
-            <a:r>
-              <a:rPr lang="en-US" dirty="0" smtClean="0">
-                <a:solidFill>
-                  <a:srgbClr val="FFFF00"/>
-                </a:solidFill>
-              </a:rPr>
-              <a:t> ~ 7 m</a:t>
-            </a:r>
-          </a:p>
-          <a:p>
-            <a:endParaRPr lang="en-US" dirty="0" smtClean="0"/>
-          </a:p>
-          <a:p>
-            <a:r>
-              <a:rPr lang="en-US" dirty="0" smtClean="0"/>
-              <a:t>Snowlines move </a:t>
-            </a:r>
-            <a:r>
-              <a:rPr lang="en-US" dirty="0" smtClean="0">
-                <a:solidFill>
-                  <a:srgbClr val="FFFF00"/>
-                </a:solidFill>
-              </a:rPr>
-              <a:t>inwards</a:t>
-            </a:r>
-            <a:r>
-              <a:rPr lang="en-US" dirty="0" smtClean="0"/>
-              <a:t> as the </a:t>
-            </a:r>
-            <a:r>
-              <a:rPr lang="en-US" dirty="0" smtClean="0">
-                <a:solidFill>
-                  <a:srgbClr val="FFFF00"/>
-                </a:solidFill>
-              </a:rPr>
-              <a:t>particle size increases </a:t>
-            </a:r>
-            <a:endParaRPr lang="en-US" dirty="0" smtClean="0">
+              <a:rPr lang="en-US" sz="1400" dirty="0" smtClean="0">
+                <a:solidFill>
+                  <a:schemeClr val="bg1"/>
+                </a:solidFill>
+              </a:rPr>
+              <a:t>Piso+15</a:t>
+            </a:r>
+            <a:endParaRPr lang="en-US" sz="1400" dirty="0">
               <a:solidFill>
-                <a:srgbClr val="FFFF00"/>
+                <a:schemeClr val="bg1"/>
               </a:solidFill>
             </a:endParaRPr>
-          </a:p>
-          <a:p>
-            <a:pPr lvl="1"/>
-            <a:r>
-              <a:rPr lang="en-US" dirty="0" smtClean="0">
-                <a:solidFill>
-                  <a:srgbClr val="FFFF00"/>
-                </a:solidFill>
-              </a:rPr>
-              <a:t>~60% </a:t>
-            </a:r>
-            <a:r>
-              <a:rPr lang="en-US" dirty="0" smtClean="0"/>
-              <a:t>for</a:t>
-            </a:r>
-            <a:r>
-              <a:rPr lang="en-US" dirty="0" smtClean="0">
-                <a:solidFill>
-                  <a:srgbClr val="FFFF00"/>
-                </a:solidFill>
-              </a:rPr>
-              <a:t> H</a:t>
-            </a:r>
-            <a:r>
-              <a:rPr lang="en-US" baseline="-25000" dirty="0" smtClean="0">
-                <a:solidFill>
-                  <a:srgbClr val="FFFF00"/>
-                </a:solidFill>
-              </a:rPr>
-              <a:t>2</a:t>
-            </a:r>
-            <a:r>
-              <a:rPr lang="en-US" dirty="0" smtClean="0">
-                <a:solidFill>
-                  <a:srgbClr val="FFFF00"/>
-                </a:solidFill>
-              </a:rPr>
-              <a:t>O</a:t>
-            </a:r>
-          </a:p>
-          <a:p>
-            <a:pPr lvl="1"/>
-            <a:r>
-              <a:rPr lang="en-US" dirty="0" smtClean="0">
-                <a:solidFill>
-                  <a:srgbClr val="FFFF00"/>
-                </a:solidFill>
-              </a:rPr>
-              <a:t>~60% </a:t>
-            </a:r>
-            <a:r>
-              <a:rPr lang="en-US" dirty="0" smtClean="0">
-                <a:solidFill>
-                  <a:srgbClr val="FFFFFF"/>
-                </a:solidFill>
-              </a:rPr>
-              <a:t>for</a:t>
-            </a:r>
-            <a:r>
-              <a:rPr lang="en-US" dirty="0" smtClean="0">
-                <a:solidFill>
-                  <a:srgbClr val="FFFF00"/>
-                </a:solidFill>
-              </a:rPr>
-              <a:t> CO</a:t>
-            </a:r>
-            <a:r>
-              <a:rPr lang="en-US" baseline="-25000" dirty="0" smtClean="0">
-                <a:solidFill>
-                  <a:srgbClr val="FFFF00"/>
-                </a:solidFill>
-              </a:rPr>
-              <a:t>2</a:t>
-            </a:r>
-            <a:endParaRPr lang="en-US" dirty="0" smtClean="0">
-              <a:solidFill>
-                <a:srgbClr val="FFFF00"/>
-              </a:solidFill>
-            </a:endParaRPr>
-          </a:p>
-          <a:p>
-            <a:pPr lvl="1"/>
-            <a:r>
-              <a:rPr lang="en-US" dirty="0" smtClean="0">
-                <a:solidFill>
-                  <a:srgbClr val="FFFF00"/>
-                </a:solidFill>
-              </a:rPr>
-              <a:t>~50% </a:t>
-            </a:r>
-            <a:r>
-              <a:rPr lang="en-US" dirty="0" smtClean="0">
-                <a:solidFill>
-                  <a:srgbClr val="FFFFFF"/>
-                </a:solidFill>
-              </a:rPr>
-              <a:t>for</a:t>
-            </a:r>
-            <a:r>
-              <a:rPr lang="en-US" dirty="0" smtClean="0">
-                <a:solidFill>
-                  <a:srgbClr val="FFFF00"/>
-                </a:solidFill>
-              </a:rPr>
-              <a:t> CO</a:t>
-            </a:r>
-            <a:endParaRPr lang="en-US" dirty="0" smtClean="0">
-              <a:solidFill>
-                <a:srgbClr val="FFFF00"/>
-              </a:solidFill>
-            </a:endParaRPr>
-          </a:p>
-          <a:p>
-            <a:endParaRPr lang="en-US" dirty="0" smtClean="0"/>
-          </a:p>
-          <a:p>
-            <a:r>
-              <a:rPr lang="en-US" dirty="0" smtClean="0"/>
-              <a:t>Our results for a </a:t>
-            </a:r>
-            <a:r>
-              <a:rPr lang="en-US" dirty="0" smtClean="0">
-                <a:solidFill>
-                  <a:srgbClr val="FFFF00"/>
-                </a:solidFill>
-              </a:rPr>
-              <a:t>transition disk </a:t>
-            </a:r>
-            <a:r>
-              <a:rPr lang="en-US" dirty="0" smtClean="0"/>
-              <a:t>are consistent with </a:t>
-            </a:r>
-            <a:r>
-              <a:rPr lang="en-US" dirty="0" smtClean="0">
-                <a:solidFill>
-                  <a:srgbClr val="FFFF00"/>
-                </a:solidFill>
-              </a:rPr>
-              <a:t>observations</a:t>
-            </a:r>
-          </a:p>
-          <a:p>
-            <a:endParaRPr lang="en-US" dirty="0" smtClean="0"/>
-          </a:p>
-          <a:p>
-            <a:endParaRPr lang="en-US" dirty="0"/>
           </a:p>
         </p:txBody>
       </p:sp>
     </p:spTree>
     <p:extLst>
       <p:ext uri="{BB962C8B-B14F-4D97-AF65-F5344CB8AC3E}">
-        <p14:creationId xmlns:p14="http://schemas.microsoft.com/office/powerpoint/2010/main" val="2696013150"/>
+        <p14:creationId xmlns:p14="http://schemas.microsoft.com/office/powerpoint/2010/main" val="2484351349"/>
       </p:ext>
     </p:extLst>
   </p:cSld>
   <p:clrMapOvr>
     <a:masterClrMapping/>
   </p:clrMapOvr>
+  <p:timing>
+    <p:tnLst>
+      <p:par>
+        <p:cTn xmlns:p14="http://schemas.microsoft.com/office/powerpoint/2010/main" id="1" dur="indefinite" restart="never" nodeType="tmRoot"/>
+      </p:par>
+    </p:tnLst>
+  </p:timing>
 </p:sld>
 </file>
 
@@ -17052,12 +17348,16 @@
           <a:lstStyle/>
           <a:p>
             <a:r>
+              <a:rPr lang="en-US" dirty="0" smtClean="0"/>
+              <a:t>Summary of </a:t>
+            </a:r>
+            <a:r>
               <a:rPr lang="en-US" dirty="0" smtClean="0">
                 <a:solidFill>
                   <a:srgbClr val="FFFF00"/>
                 </a:solidFill>
               </a:rPr>
-              <a:t>TAKEAWAY POINT</a:t>
+              <a:t>Part II</a:t>
             </a:r>
             <a:endParaRPr lang="en-US" dirty="0">
               <a:solidFill>
@@ -17069,7 +17369,7 @@
       </p:sp>
       <p:sp>
         <p:nvSpPr>
-          <p:cNvPr id="4" name="Content Placeholder 2"/>
+          <p:cNvPr id="3" name="Content Placeholder 2"/>
           <p:cNvSpPr>
             <a:spLocks noGrp="1"/>
           </p:cNvSpPr>
@@ -17079,53 +17379,827 @@
         </p:nvSpPr>
         <p:spPr>
           <a:xfrm>
-            <a:off x="457200" y="1840090"/>
-            <a:ext cx="8404578" cy="2802466"/>
-          </a:xfrm>
-          <a:solidFill>
-            <a:srgbClr val="FFFF00"/>
-          </a:solidFill>
-          <a:ln w="63500">
-            <a:solidFill>
-              <a:srgbClr val="3366FF"/>
-            </a:solidFill>
-          </a:ln>
+            <a:off x="457200" y="1417638"/>
+            <a:ext cx="8229600" cy="4708525"/>
+          </a:xfrm>
         </p:spPr>
         <p:txBody>
           <a:bodyPr>
-            <a:normAutofit/>
+            <a:normAutofit fontScale="77500" lnSpcReduction="20000"/>
           </a:bodyPr>
           <a:lstStyle/>
           <a:p>
-            <a:pPr marL="0" indent="0" algn="ctr">
-              <a:buNone/>
-            </a:pPr>
             <a:r>
               <a:rPr lang="en-US" dirty="0" smtClean="0">
                 <a:solidFill>
-                  <a:schemeClr val="bg1"/>
-                </a:solidFill>
-              </a:rPr>
-              <a:t>Radial drift and viscous gas accretion move the snowline locations inwards. This affects the C/O ratio in gas and dust throughout the disk, and thus has direct implications in shaping the compositions of nascent giant planets.</a:t>
-            </a:r>
-            <a:endParaRPr lang="en-US" dirty="0">
+                  <a:srgbClr val="FFFF00"/>
+                </a:solidFill>
+              </a:rPr>
+              <a:t>Radial drift</a:t>
+            </a:r>
+            <a:r>
+              <a:rPr lang="en-US" dirty="0" smtClean="0"/>
+              <a:t> and </a:t>
+            </a:r>
+            <a:r>
+              <a:rPr lang="en-US" dirty="0" smtClean="0">
+                <a:solidFill>
+                  <a:srgbClr val="FFFF00"/>
+                </a:solidFill>
+              </a:rPr>
+              <a:t>gas accretion </a:t>
+            </a:r>
+            <a:r>
+              <a:rPr lang="en-US" dirty="0" smtClean="0"/>
+              <a:t>affect desorption and </a:t>
+            </a:r>
+            <a:r>
+              <a:rPr lang="en-US" dirty="0" smtClean="0">
+                <a:solidFill>
+                  <a:srgbClr val="FFFF00"/>
+                </a:solidFill>
+              </a:rPr>
+              <a:t>move the snowline locations </a:t>
+            </a:r>
+            <a:r>
+              <a:rPr lang="en-US" dirty="0" smtClean="0"/>
+              <a:t>compared to a static disk</a:t>
+            </a:r>
+          </a:p>
+          <a:p>
+            <a:endParaRPr lang="en-US" dirty="0" smtClean="0"/>
+          </a:p>
+          <a:p>
+            <a:r>
+              <a:rPr lang="en-US" dirty="0" smtClean="0"/>
+              <a:t>The H</a:t>
+            </a:r>
+            <a:r>
+              <a:rPr lang="en-US" baseline="-25000" dirty="0" smtClean="0"/>
+              <a:t>2</a:t>
+            </a:r>
+            <a:r>
+              <a:rPr lang="en-US" dirty="0" smtClean="0"/>
+              <a:t>O, CO</a:t>
+            </a:r>
+            <a:r>
+              <a:rPr lang="en-US" baseline="-25000" dirty="0" smtClean="0"/>
+              <a:t>2</a:t>
+            </a:r>
+            <a:r>
+              <a:rPr lang="en-US" dirty="0" smtClean="0"/>
+              <a:t> and CO snowlines are created by the </a:t>
+            </a:r>
+            <a:r>
+              <a:rPr lang="en-US" dirty="0" smtClean="0">
+                <a:solidFill>
+                  <a:srgbClr val="FFFF00"/>
+                </a:solidFill>
+              </a:rPr>
+              <a:t>largest drifting particles </a:t>
+            </a:r>
+            <a:r>
+              <a:rPr lang="en-US" dirty="0" smtClean="0"/>
+              <a:t>in our model, i.e. </a:t>
+            </a:r>
+            <a:r>
+              <a:rPr lang="en-US" i="1" dirty="0" smtClean="0">
+                <a:solidFill>
+                  <a:srgbClr val="FFFF00"/>
+                </a:solidFill>
+              </a:rPr>
+              <a:t>s</a:t>
+            </a:r>
+            <a:r>
+              <a:rPr lang="en-US" dirty="0" smtClean="0">
+                <a:solidFill>
+                  <a:srgbClr val="FFFF00"/>
+                </a:solidFill>
+              </a:rPr>
+              <a:t> ~ 7 m</a:t>
+            </a:r>
+          </a:p>
+          <a:p>
+            <a:endParaRPr lang="en-US" dirty="0" smtClean="0"/>
+          </a:p>
+          <a:p>
+            <a:r>
+              <a:rPr lang="en-US" dirty="0" smtClean="0"/>
+              <a:t>Snowlines move </a:t>
+            </a:r>
+            <a:r>
+              <a:rPr lang="en-US" dirty="0" smtClean="0">
+                <a:solidFill>
+                  <a:srgbClr val="FFFF00"/>
+                </a:solidFill>
+              </a:rPr>
+              <a:t>inwards</a:t>
+            </a:r>
+            <a:r>
+              <a:rPr lang="en-US" dirty="0" smtClean="0"/>
+              <a:t> as the </a:t>
+            </a:r>
+            <a:r>
+              <a:rPr lang="en-US" dirty="0" smtClean="0">
+                <a:solidFill>
+                  <a:srgbClr val="FFFF00"/>
+                </a:solidFill>
+              </a:rPr>
+              <a:t>particle size increases </a:t>
+            </a:r>
+            <a:endParaRPr lang="en-US" dirty="0" smtClean="0">
               <a:solidFill>
-                <a:schemeClr val="bg1"/>
+                <a:srgbClr val="FFFF00"/>
               </a:solidFill>
             </a:endParaRPr>
+          </a:p>
+          <a:p>
+            <a:pPr lvl="1"/>
+            <a:r>
+              <a:rPr lang="en-US" dirty="0" smtClean="0">
+                <a:solidFill>
+                  <a:srgbClr val="FFFF00"/>
+                </a:solidFill>
+              </a:rPr>
+              <a:t>~60% </a:t>
+            </a:r>
+            <a:r>
+              <a:rPr lang="en-US" dirty="0" smtClean="0"/>
+              <a:t>for</a:t>
+            </a:r>
+            <a:r>
+              <a:rPr lang="en-US" dirty="0" smtClean="0">
+                <a:solidFill>
+                  <a:srgbClr val="FFFF00"/>
+                </a:solidFill>
+              </a:rPr>
+              <a:t> H</a:t>
+            </a:r>
+            <a:r>
+              <a:rPr lang="en-US" baseline="-25000" dirty="0" smtClean="0">
+                <a:solidFill>
+                  <a:srgbClr val="FFFF00"/>
+                </a:solidFill>
+              </a:rPr>
+              <a:t>2</a:t>
+            </a:r>
+            <a:r>
+              <a:rPr lang="en-US" dirty="0" smtClean="0">
+                <a:solidFill>
+                  <a:srgbClr val="FFFF00"/>
+                </a:solidFill>
+              </a:rPr>
+              <a:t>O</a:t>
+            </a:r>
+          </a:p>
+          <a:p>
+            <a:pPr lvl="1"/>
+            <a:r>
+              <a:rPr lang="en-US" dirty="0" smtClean="0">
+                <a:solidFill>
+                  <a:srgbClr val="FFFF00"/>
+                </a:solidFill>
+              </a:rPr>
+              <a:t>~60% </a:t>
+            </a:r>
+            <a:r>
+              <a:rPr lang="en-US" dirty="0" smtClean="0">
+                <a:solidFill>
+                  <a:srgbClr val="FFFFFF"/>
+                </a:solidFill>
+              </a:rPr>
+              <a:t>for</a:t>
+            </a:r>
+            <a:r>
+              <a:rPr lang="en-US" dirty="0" smtClean="0">
+                <a:solidFill>
+                  <a:srgbClr val="FFFF00"/>
+                </a:solidFill>
+              </a:rPr>
+              <a:t> CO</a:t>
+            </a:r>
+            <a:r>
+              <a:rPr lang="en-US" baseline="-25000" dirty="0" smtClean="0">
+                <a:solidFill>
+                  <a:srgbClr val="FFFF00"/>
+                </a:solidFill>
+              </a:rPr>
+              <a:t>2</a:t>
+            </a:r>
+            <a:endParaRPr lang="en-US" dirty="0" smtClean="0">
+              <a:solidFill>
+                <a:srgbClr val="FFFF00"/>
+              </a:solidFill>
+            </a:endParaRPr>
+          </a:p>
+          <a:p>
+            <a:pPr lvl="1"/>
+            <a:r>
+              <a:rPr lang="en-US" dirty="0" smtClean="0">
+                <a:solidFill>
+                  <a:srgbClr val="FFFF00"/>
+                </a:solidFill>
+              </a:rPr>
+              <a:t>~50% </a:t>
+            </a:r>
+            <a:r>
+              <a:rPr lang="en-US" dirty="0" smtClean="0">
+                <a:solidFill>
+                  <a:srgbClr val="FFFFFF"/>
+                </a:solidFill>
+              </a:rPr>
+              <a:t>for</a:t>
+            </a:r>
+            <a:r>
+              <a:rPr lang="en-US" dirty="0" smtClean="0">
+                <a:solidFill>
+                  <a:srgbClr val="FFFF00"/>
+                </a:solidFill>
+              </a:rPr>
+              <a:t> CO</a:t>
+            </a:r>
+            <a:endParaRPr lang="en-US" dirty="0" smtClean="0">
+              <a:solidFill>
+                <a:srgbClr val="FFFF00"/>
+              </a:solidFill>
+            </a:endParaRPr>
+          </a:p>
+          <a:p>
+            <a:endParaRPr lang="en-US" dirty="0" smtClean="0"/>
+          </a:p>
+          <a:p>
+            <a:r>
+              <a:rPr lang="en-US" dirty="0" smtClean="0"/>
+              <a:t>Our results for a </a:t>
+            </a:r>
+            <a:r>
+              <a:rPr lang="en-US" dirty="0" smtClean="0">
+                <a:solidFill>
+                  <a:srgbClr val="FFFF00"/>
+                </a:solidFill>
+              </a:rPr>
+              <a:t>transition disk </a:t>
+            </a:r>
+            <a:r>
+              <a:rPr lang="en-US" dirty="0" smtClean="0"/>
+              <a:t>are consistent with </a:t>
+            </a:r>
+            <a:r>
+              <a:rPr lang="en-US" dirty="0" smtClean="0">
+                <a:solidFill>
+                  <a:srgbClr val="FFFF00"/>
+                </a:solidFill>
+              </a:rPr>
+              <a:t>observations</a:t>
+            </a:r>
+          </a:p>
+          <a:p>
+            <a:endParaRPr lang="en-US" dirty="0" smtClean="0"/>
+          </a:p>
+          <a:p>
+            <a:endParaRPr lang="en-US" dirty="0"/>
           </a:p>
         </p:txBody>
       </p:sp>
     </p:spTree>
     <p:extLst>
       <p:ext uri="{BB962C8B-B14F-4D97-AF65-F5344CB8AC3E}">
-        <p14:creationId xmlns:p14="http://schemas.microsoft.com/office/powerpoint/2010/main" val="743145369"/>
+        <p14:creationId xmlns:p14="http://schemas.microsoft.com/office/powerpoint/2010/main" val="2696013150"/>
       </p:ext>
     </p:extLst>
   </p:cSld>
   <p:clrMapOvr>
     <a:masterClrMapping/>
   </p:clrMapOvr>
+</p:sld>
+</file>
+
+<file path=ppt/slides/slide47.xml><?xml version="1.0" encoding="utf-8"?>
+<p:sld xmlns:a="http://schemas.openxmlformats.org/drawingml/2006/main" xmlns:r="http://schemas.openxmlformats.org/officeDocument/2006/relationships" xmlns:p="http://schemas.openxmlformats.org/presentationml/2006/main">
+  <p:cSld>
+    <p:spTree>
+      <p:nvGrpSpPr>
+        <p:cNvPr id="1" name=""/>
+        <p:cNvGrpSpPr/>
+        <p:nvPr/>
+      </p:nvGrpSpPr>
+      <p:grpSpPr>
+        <a:xfrm>
+          <a:off x="0" y="0"/>
+          <a:ext cx="0" cy="0"/>
+          <a:chOff x="0" y="0"/>
+          <a:chExt cx="0" cy="0"/>
+        </a:xfrm>
+      </p:grpSpPr>
+      <p:sp>
+        <p:nvSpPr>
+          <p:cNvPr id="2" name="Title 1"/>
+          <p:cNvSpPr>
+            <a:spLocks noGrp="1"/>
+          </p:cNvSpPr>
+          <p:nvPr>
+            <p:ph type="title"/>
+          </p:nvPr>
+        </p:nvSpPr>
+        <p:spPr>
+          <a:xfrm>
+            <a:off x="457200" y="2426859"/>
+            <a:ext cx="8229600" cy="1143000"/>
+          </a:xfrm>
+        </p:spPr>
+        <p:txBody>
+          <a:bodyPr>
+            <a:noAutofit/>
+          </a:bodyPr>
+          <a:lstStyle/>
+          <a:p>
+            <a:r>
+              <a:rPr lang="en-US" sz="9000" dirty="0" smtClean="0">
+                <a:solidFill>
+                  <a:srgbClr val="FFFF00"/>
+                </a:solidFill>
+              </a:rPr>
+              <a:t>NEXT STEPS</a:t>
+            </a:r>
+            <a:endParaRPr lang="en-US" sz="9000" dirty="0">
+              <a:solidFill>
+                <a:srgbClr val="FFFF00"/>
+              </a:solidFill>
+            </a:endParaRPr>
+          </a:p>
+        </p:txBody>
+      </p:sp>
+    </p:spTree>
+    <p:extLst>
+      <p:ext uri="{BB962C8B-B14F-4D97-AF65-F5344CB8AC3E}">
+        <p14:creationId xmlns:p14="http://schemas.microsoft.com/office/powerpoint/2010/main" val="587156780"/>
+      </p:ext>
+    </p:extLst>
+  </p:cSld>
+  <p:clrMapOvr>
+    <a:masterClrMapping/>
+  </p:clrMapOvr>
+</p:sld>
+</file>
+
+<file path=ppt/slides/slide48.xml><?xml version="1.0" encoding="utf-8"?>
+<p:sld xmlns:a="http://schemas.openxmlformats.org/drawingml/2006/main" xmlns:r="http://schemas.openxmlformats.org/officeDocument/2006/relationships" xmlns:p="http://schemas.openxmlformats.org/presentationml/2006/main">
+  <p:cSld>
+    <p:spTree>
+      <p:nvGrpSpPr>
+        <p:cNvPr id="1" name=""/>
+        <p:cNvGrpSpPr/>
+        <p:nvPr/>
+      </p:nvGrpSpPr>
+      <p:grpSpPr>
+        <a:xfrm>
+          <a:off x="0" y="0"/>
+          <a:ext cx="0" cy="0"/>
+          <a:chOff x="0" y="0"/>
+          <a:chExt cx="0" cy="0"/>
+        </a:xfrm>
+      </p:grpSpPr>
+      <p:sp>
+        <p:nvSpPr>
+          <p:cNvPr id="2" name="Title 1"/>
+          <p:cNvSpPr>
+            <a:spLocks noGrp="1"/>
+          </p:cNvSpPr>
+          <p:nvPr>
+            <p:ph type="title"/>
+          </p:nvPr>
+        </p:nvSpPr>
+        <p:spPr/>
+        <p:txBody>
+          <a:bodyPr/>
+          <a:lstStyle/>
+          <a:p>
+            <a:r>
+              <a:rPr lang="en-US" dirty="0" smtClean="0"/>
+              <a:t>Nitrogen Abundance</a:t>
+            </a:r>
+            <a:endParaRPr lang="en-US" dirty="0"/>
+          </a:p>
+        </p:txBody>
+      </p:sp>
+      <p:sp>
+        <p:nvSpPr>
+          <p:cNvPr id="3" name="Content Placeholder 2"/>
+          <p:cNvSpPr>
+            <a:spLocks noGrp="1"/>
+          </p:cNvSpPr>
+          <p:nvPr>
+            <p:ph idx="1"/>
+          </p:nvPr>
+        </p:nvSpPr>
+        <p:spPr/>
+        <p:txBody>
+          <a:bodyPr>
+            <a:normAutofit fontScale="92500" lnSpcReduction="20000"/>
+          </a:bodyPr>
+          <a:lstStyle/>
+          <a:p>
+            <a:r>
+              <a:rPr lang="en-US" dirty="0" smtClean="0">
+                <a:solidFill>
+                  <a:srgbClr val="FFFF00"/>
+                </a:solidFill>
+              </a:rPr>
+              <a:t>Nitrogen</a:t>
+            </a:r>
+            <a:r>
+              <a:rPr lang="en-US" dirty="0" smtClean="0"/>
+              <a:t> is </a:t>
+            </a:r>
+            <a:r>
+              <a:rPr lang="en-US" dirty="0" smtClean="0">
+                <a:solidFill>
+                  <a:srgbClr val="FFFF00"/>
+                </a:solidFill>
+              </a:rPr>
+              <a:t>abundant</a:t>
+            </a:r>
+            <a:r>
+              <a:rPr lang="en-US" dirty="0" smtClean="0"/>
+              <a:t> in the Solar System and in disks, but its </a:t>
+            </a:r>
+            <a:r>
+              <a:rPr lang="en-US" dirty="0" smtClean="0">
+                <a:solidFill>
+                  <a:srgbClr val="FFFF00"/>
+                </a:solidFill>
+              </a:rPr>
+              <a:t>dominant form is largely unknown</a:t>
+            </a:r>
+          </a:p>
+          <a:p>
+            <a:endParaRPr lang="en-US" dirty="0" smtClean="0">
+              <a:solidFill>
+                <a:srgbClr val="FFFF00"/>
+              </a:solidFill>
+            </a:endParaRPr>
+          </a:p>
+          <a:p>
+            <a:r>
+              <a:rPr lang="en-US" dirty="0" smtClean="0"/>
+              <a:t>Primarily found as </a:t>
+            </a:r>
+            <a:r>
+              <a:rPr lang="en-US" dirty="0" smtClean="0">
+                <a:solidFill>
+                  <a:srgbClr val="FFFF00"/>
+                </a:solidFill>
+              </a:rPr>
+              <a:t>N</a:t>
+            </a:r>
+            <a:r>
+              <a:rPr lang="en-US" baseline="-25000" dirty="0" smtClean="0">
+                <a:solidFill>
+                  <a:srgbClr val="FFFF00"/>
+                </a:solidFill>
+              </a:rPr>
+              <a:t>2</a:t>
+            </a:r>
+            <a:r>
+              <a:rPr lang="en-US" dirty="0" smtClean="0"/>
+              <a:t>, but </a:t>
+            </a:r>
+            <a:r>
+              <a:rPr lang="en-US" dirty="0" smtClean="0">
+                <a:solidFill>
+                  <a:srgbClr val="FFFF00"/>
+                </a:solidFill>
+              </a:rPr>
+              <a:t>~10% </a:t>
+            </a:r>
+            <a:r>
+              <a:rPr lang="en-US" dirty="0" smtClean="0"/>
+              <a:t>of </a:t>
+            </a:r>
+            <a:r>
+              <a:rPr lang="en-US" dirty="0" smtClean="0">
+                <a:solidFill>
+                  <a:srgbClr val="FFFF00"/>
+                </a:solidFill>
+              </a:rPr>
+              <a:t>nitrogen abundance</a:t>
+            </a:r>
+            <a:r>
+              <a:rPr lang="en-US" dirty="0" smtClean="0"/>
+              <a:t> may be carried by </a:t>
+            </a:r>
+            <a:r>
+              <a:rPr lang="en-US" dirty="0" smtClean="0">
+                <a:solidFill>
+                  <a:srgbClr val="FFFF00"/>
+                </a:solidFill>
+              </a:rPr>
+              <a:t>NH</a:t>
+            </a:r>
+            <a:r>
+              <a:rPr lang="en-US" baseline="-25000" dirty="0" smtClean="0">
+                <a:solidFill>
+                  <a:srgbClr val="FFFF00"/>
+                </a:solidFill>
+              </a:rPr>
+              <a:t>3</a:t>
+            </a:r>
+            <a:r>
+              <a:rPr lang="en-US" baseline="-25000" dirty="0" smtClean="0"/>
+              <a:t> </a:t>
+            </a:r>
+            <a:r>
+              <a:rPr lang="en-US" dirty="0" smtClean="0"/>
+              <a:t>(e.g., </a:t>
+            </a:r>
+            <a:r>
+              <a:rPr lang="en-US" dirty="0" err="1" smtClean="0"/>
+              <a:t>Lahuis</a:t>
+            </a:r>
+            <a:r>
+              <a:rPr lang="en-US" dirty="0" smtClean="0"/>
+              <a:t> </a:t>
+            </a:r>
+            <a:r>
+              <a:rPr lang="en-US" dirty="0"/>
+              <a:t>&amp; van </a:t>
+            </a:r>
+            <a:r>
+              <a:rPr lang="en-US" dirty="0" err="1" smtClean="0"/>
+              <a:t>Dishoeck</a:t>
+            </a:r>
+            <a:r>
+              <a:rPr lang="en-US" dirty="0"/>
+              <a:t> </a:t>
+            </a:r>
+            <a:r>
+              <a:rPr lang="en-US" dirty="0" smtClean="0"/>
+              <a:t>2000)</a:t>
+            </a:r>
+          </a:p>
+          <a:p>
+            <a:endParaRPr lang="en-US" dirty="0" smtClean="0"/>
+          </a:p>
+          <a:p>
+            <a:r>
+              <a:rPr lang="en-US" dirty="0" smtClean="0"/>
+              <a:t>Can use </a:t>
+            </a:r>
+            <a:r>
+              <a:rPr lang="en-US" dirty="0">
+                <a:solidFill>
+                  <a:srgbClr val="FFFF00"/>
+                </a:solidFill>
+              </a:rPr>
+              <a:t>abundance patterns </a:t>
+            </a:r>
+            <a:r>
+              <a:rPr lang="en-US" dirty="0"/>
+              <a:t>both from the </a:t>
+            </a:r>
+            <a:r>
+              <a:rPr lang="en-US" dirty="0">
+                <a:solidFill>
+                  <a:srgbClr val="FFFF00"/>
+                </a:solidFill>
+              </a:rPr>
+              <a:t>Solar S</a:t>
+            </a:r>
+            <a:r>
+              <a:rPr lang="en-US" dirty="0" smtClean="0">
+                <a:solidFill>
+                  <a:srgbClr val="FFFF00"/>
+                </a:solidFill>
+              </a:rPr>
+              <a:t>ystem</a:t>
+            </a:r>
+            <a:r>
+              <a:rPr lang="en-US" dirty="0" smtClean="0"/>
+              <a:t> and </a:t>
+            </a:r>
+            <a:r>
+              <a:rPr lang="en-US" dirty="0"/>
+              <a:t>from </a:t>
+            </a:r>
+            <a:r>
+              <a:rPr lang="en-US" dirty="0">
+                <a:solidFill>
+                  <a:srgbClr val="FFFF00"/>
+                </a:solidFill>
+              </a:rPr>
+              <a:t>disk chemistry models </a:t>
+            </a:r>
+            <a:r>
+              <a:rPr lang="en-US" dirty="0"/>
+              <a:t>(e.g., Schwarz &amp; Bergin 2014</a:t>
+            </a:r>
+            <a:r>
+              <a:rPr lang="en-US" dirty="0" smtClean="0"/>
+              <a:t>) to define the </a:t>
+            </a:r>
+            <a:r>
+              <a:rPr lang="en-US" dirty="0" smtClean="0">
+                <a:solidFill>
+                  <a:srgbClr val="FFFF00"/>
+                </a:solidFill>
+              </a:rPr>
+              <a:t>range of abundance of different nitrogen carriers</a:t>
+            </a:r>
+            <a:endParaRPr lang="en-US" dirty="0">
+              <a:solidFill>
+                <a:srgbClr val="FFFF00"/>
+              </a:solidFill>
+            </a:endParaRPr>
+          </a:p>
+          <a:p>
+            <a:endParaRPr lang="en-US" dirty="0"/>
+          </a:p>
+        </p:txBody>
+      </p:sp>
+    </p:spTree>
+    <p:extLst>
+      <p:ext uri="{BB962C8B-B14F-4D97-AF65-F5344CB8AC3E}">
+        <p14:creationId xmlns:p14="http://schemas.microsoft.com/office/powerpoint/2010/main" val="1611666403"/>
+      </p:ext>
+    </p:extLst>
+  </p:cSld>
+  <p:clrMapOvr>
+    <a:masterClrMapping/>
+  </p:clrMapOvr>
+  <p:timing>
+    <p:tnLst>
+      <p:par>
+        <p:cTn xmlns:p14="http://schemas.microsoft.com/office/powerpoint/2010/main" id="1" dur="indefinite" restart="never" nodeType="tmRoot"/>
+      </p:par>
+    </p:tnLst>
+  </p:timing>
+</p:sld>
+</file>
+
+<file path=ppt/slides/slide49.xml><?xml version="1.0" encoding="utf-8"?>
+<p:sld xmlns:a="http://schemas.openxmlformats.org/drawingml/2006/main" xmlns:r="http://schemas.openxmlformats.org/officeDocument/2006/relationships" xmlns:p="http://schemas.openxmlformats.org/presentationml/2006/main">
+  <p:cSld>
+    <p:spTree>
+      <p:nvGrpSpPr>
+        <p:cNvPr id="1" name=""/>
+        <p:cNvGrpSpPr/>
+        <p:nvPr/>
+      </p:nvGrpSpPr>
+      <p:grpSpPr>
+        <a:xfrm>
+          <a:off x="0" y="0"/>
+          <a:ext cx="0" cy="0"/>
+          <a:chOff x="0" y="0"/>
+          <a:chExt cx="0" cy="0"/>
+        </a:xfrm>
+      </p:grpSpPr>
+      <p:sp>
+        <p:nvSpPr>
+          <p:cNvPr id="2" name="Title 1"/>
+          <p:cNvSpPr>
+            <a:spLocks noGrp="1"/>
+          </p:cNvSpPr>
+          <p:nvPr>
+            <p:ph type="title"/>
+          </p:nvPr>
+        </p:nvSpPr>
+        <p:spPr>
+          <a:xfrm>
+            <a:off x="457200" y="-133176"/>
+            <a:ext cx="8229600" cy="1143000"/>
+          </a:xfrm>
+        </p:spPr>
+        <p:txBody>
+          <a:bodyPr>
+            <a:normAutofit/>
+          </a:bodyPr>
+          <a:lstStyle/>
+          <a:p>
+            <a:r>
+              <a:rPr lang="en-US" sz="3000" dirty="0" smtClean="0">
+                <a:solidFill>
+                  <a:srgbClr val="FFFF00"/>
+                </a:solidFill>
+              </a:rPr>
+              <a:t>Expected abundances</a:t>
+            </a:r>
+            <a:r>
+              <a:rPr lang="en-US" sz="3000" dirty="0" smtClean="0"/>
+              <a:t> of </a:t>
+            </a:r>
+            <a:r>
+              <a:rPr lang="en-US" sz="3000" dirty="0" smtClean="0">
+                <a:solidFill>
+                  <a:srgbClr val="FFFF00"/>
+                </a:solidFill>
+              </a:rPr>
+              <a:t>NH3</a:t>
+            </a:r>
+            <a:r>
+              <a:rPr lang="en-US" sz="3000" dirty="0" smtClean="0"/>
+              <a:t> do not change </a:t>
+            </a:r>
+            <a:r>
+              <a:rPr lang="en-US" sz="3000" dirty="0">
+                <a:solidFill>
+                  <a:srgbClr val="FFFF00"/>
+                </a:solidFill>
+              </a:rPr>
+              <a:t>N</a:t>
+            </a:r>
+            <a:r>
+              <a:rPr lang="en-US" sz="3000" dirty="0" smtClean="0">
+                <a:solidFill>
+                  <a:srgbClr val="FFFF00"/>
+                </a:solidFill>
+              </a:rPr>
+              <a:t>/O</a:t>
+            </a:r>
+            <a:r>
+              <a:rPr lang="en-US" sz="3000" dirty="0" smtClean="0"/>
+              <a:t> results significantly</a:t>
+            </a:r>
+            <a:endParaRPr lang="en-US" sz="3000" dirty="0"/>
+          </a:p>
+        </p:txBody>
+      </p:sp>
+      <p:pic>
+        <p:nvPicPr>
+          <p:cNvPr id="4" name="Picture 3" descr="C_O_ratio_CH4_test.pdf"/>
+          <p:cNvPicPr>
+            <a:picLocks noChangeAspect="1"/>
+          </p:cNvPicPr>
+          <p:nvPr/>
+        </p:nvPicPr>
+        <p:blipFill>
+          <a:blip r:embed="rId2">
+            <a:extLst>
+              <a:ext uri="{28A0092B-C50C-407E-A947-70E740481C1C}">
+                <a14:useLocalDpi xmlns:a14="http://schemas.microsoft.com/office/drawing/2010/main" val="0"/>
+              </a:ext>
+            </a:extLst>
+          </a:blip>
+          <a:stretch>
+            <a:fillRect/>
+          </a:stretch>
+        </p:blipFill>
+        <p:spPr>
+          <a:xfrm>
+            <a:off x="2525890" y="994833"/>
+            <a:ext cx="3748852" cy="5623277"/>
+          </a:xfrm>
+          <a:prstGeom prst="rect">
+            <a:avLst/>
+          </a:prstGeom>
+        </p:spPr>
+      </p:pic>
+      <p:pic>
+        <p:nvPicPr>
+          <p:cNvPr id="3" name="Picture 2" descr="N_O_ratio_test.pdf"/>
+          <p:cNvPicPr>
+            <a:picLocks noChangeAspect="1"/>
+          </p:cNvPicPr>
+          <p:nvPr/>
+        </p:nvPicPr>
+        <p:blipFill>
+          <a:blip r:embed="rId3">
+            <a:extLst>
+              <a:ext uri="{28A0092B-C50C-407E-A947-70E740481C1C}">
+                <a14:useLocalDpi xmlns:a14="http://schemas.microsoft.com/office/drawing/2010/main" val="0"/>
+              </a:ext>
+            </a:extLst>
+          </a:blip>
+          <a:stretch>
+            <a:fillRect/>
+          </a:stretch>
+        </p:blipFill>
+        <p:spPr>
+          <a:xfrm>
+            <a:off x="2574809" y="1095021"/>
+            <a:ext cx="3657600" cy="5486400"/>
+          </a:xfrm>
+          <a:prstGeom prst="rect">
+            <a:avLst/>
+          </a:prstGeom>
+        </p:spPr>
+      </p:pic>
+    </p:spTree>
+    <p:extLst>
+      <p:ext uri="{BB962C8B-B14F-4D97-AF65-F5344CB8AC3E}">
+        <p14:creationId xmlns:p14="http://schemas.microsoft.com/office/powerpoint/2010/main" val="201037904"/>
+      </p:ext>
+    </p:extLst>
+  </p:cSld>
+  <p:clrMapOvr>
+    <a:masterClrMapping/>
+  </p:clrMapOvr>
+  <p:timing>
+    <p:tnLst>
+      <p:par>
+        <p:cTn xmlns:p14="http://schemas.microsoft.com/office/powerpoint/2010/main" id="1" dur="indefinite" restart="never" nodeType="tmRoot"/>
+      </p:par>
+    </p:tnLst>
+  </p:timing>
 </p:sld>
 </file>
 
@@ -17217,6 +18291,288 @@
       </p:par>
     </p:tnLst>
   </p:timing>
+</p:sld>
+</file>
+
+<file path=ppt/slides/slide50.xml><?xml version="1.0" encoding="utf-8"?>
+<p:sld xmlns:a="http://schemas.openxmlformats.org/drawingml/2006/main" xmlns:r="http://schemas.openxmlformats.org/officeDocument/2006/relationships" xmlns:p="http://schemas.openxmlformats.org/presentationml/2006/main">
+  <p:cSld>
+    <p:spTree>
+      <p:nvGrpSpPr>
+        <p:cNvPr id="1" name=""/>
+        <p:cNvGrpSpPr/>
+        <p:nvPr/>
+      </p:nvGrpSpPr>
+      <p:grpSpPr>
+        <a:xfrm>
+          <a:off x="0" y="0"/>
+          <a:ext cx="0" cy="0"/>
+          <a:chOff x="0" y="0"/>
+          <a:chExt cx="0" cy="0"/>
+        </a:xfrm>
+      </p:grpSpPr>
+      <p:pic>
+        <p:nvPicPr>
+          <p:cNvPr id="5" name="Picture 4" descr="Screen Shot 2015-08-31 at 2.27.35 PM.png"/>
+          <p:cNvPicPr>
+            <a:picLocks noChangeAspect="1"/>
+          </p:cNvPicPr>
+          <p:nvPr/>
+        </p:nvPicPr>
+        <p:blipFill>
+          <a:blip r:embed="rId2">
+            <a:extLst>
+              <a:ext uri="{28A0092B-C50C-407E-A947-70E740481C1C}">
+                <a14:useLocalDpi xmlns:a14="http://schemas.microsoft.com/office/drawing/2010/main" val="0"/>
+              </a:ext>
+            </a:extLst>
+          </a:blip>
+          <a:stretch>
+            <a:fillRect/>
+          </a:stretch>
+        </p:blipFill>
+        <p:spPr>
+          <a:xfrm>
+            <a:off x="2257887" y="1259419"/>
+            <a:ext cx="5397972" cy="5478673"/>
+          </a:xfrm>
+          <a:prstGeom prst="rect">
+            <a:avLst/>
+          </a:prstGeom>
+        </p:spPr>
+      </p:pic>
+      <p:sp>
+        <p:nvSpPr>
+          <p:cNvPr id="2" name="TextBox 1"/>
+          <p:cNvSpPr txBox="1"/>
+          <p:nvPr/>
+        </p:nvSpPr>
+        <p:spPr>
+          <a:xfrm>
+            <a:off x="1792110" y="123488"/>
+            <a:ext cx="6209189" cy="1015663"/>
+          </a:xfrm>
+          <a:prstGeom prst="rect">
+            <a:avLst/>
+          </a:prstGeom>
+          <a:noFill/>
+        </p:spPr>
+        <p:txBody>
+          <a:bodyPr wrap="square" rtlCol="0">
+            <a:spAutoFit/>
+          </a:bodyPr>
+          <a:lstStyle/>
+          <a:p>
+            <a:pPr algn="ctr"/>
+            <a:r>
+              <a:rPr lang="en-US" sz="3000" dirty="0" smtClean="0"/>
+              <a:t>Additional </a:t>
+            </a:r>
+            <a:r>
+              <a:rPr lang="en-US" sz="3000" dirty="0" smtClean="0">
+                <a:solidFill>
+                  <a:srgbClr val="FFFF00"/>
+                </a:solidFill>
+              </a:rPr>
+              <a:t>chemical</a:t>
+            </a:r>
+            <a:r>
+              <a:rPr lang="en-US" sz="3000" dirty="0" smtClean="0"/>
+              <a:t> and </a:t>
+            </a:r>
+            <a:r>
+              <a:rPr lang="en-US" sz="3000" dirty="0" smtClean="0">
+                <a:solidFill>
+                  <a:srgbClr val="FFFF00"/>
+                </a:solidFill>
+              </a:rPr>
+              <a:t>dynamical</a:t>
+            </a:r>
+            <a:r>
+              <a:rPr lang="en-US" sz="3000" dirty="0" smtClean="0"/>
+              <a:t> processes to be </a:t>
+            </a:r>
+            <a:r>
+              <a:rPr lang="en-US" sz="3000" dirty="0" smtClean="0">
+                <a:solidFill>
+                  <a:srgbClr val="FFFF00"/>
+                </a:solidFill>
+              </a:rPr>
+              <a:t>explored</a:t>
+            </a:r>
+            <a:endParaRPr lang="en-US" sz="3000" dirty="0">
+              <a:solidFill>
+                <a:srgbClr val="FFFF00"/>
+              </a:solidFill>
+            </a:endParaRPr>
+          </a:p>
+        </p:txBody>
+      </p:sp>
+      <p:sp>
+        <p:nvSpPr>
+          <p:cNvPr id="4" name="TextBox 3"/>
+          <p:cNvSpPr txBox="1"/>
+          <p:nvPr/>
+        </p:nvSpPr>
+        <p:spPr>
+          <a:xfrm>
+            <a:off x="6979385" y="6469371"/>
+            <a:ext cx="1106311" cy="307777"/>
+          </a:xfrm>
+          <a:prstGeom prst="rect">
+            <a:avLst/>
+          </a:prstGeom>
+          <a:noFill/>
+        </p:spPr>
+        <p:txBody>
+          <a:bodyPr wrap="square" rtlCol="0">
+            <a:spAutoFit/>
+          </a:bodyPr>
+          <a:lstStyle/>
+          <a:p>
+            <a:r>
+              <a:rPr lang="en-US" sz="1400" dirty="0" smtClean="0">
+                <a:solidFill>
+                  <a:schemeClr val="bg1"/>
+                </a:solidFill>
+              </a:rPr>
+              <a:t>Piso+15</a:t>
+            </a:r>
+            <a:endParaRPr lang="en-US" sz="1400" dirty="0">
+              <a:solidFill>
+                <a:schemeClr val="bg1"/>
+              </a:solidFill>
+            </a:endParaRPr>
+          </a:p>
+        </p:txBody>
+      </p:sp>
+    </p:spTree>
+    <p:extLst>
+      <p:ext uri="{BB962C8B-B14F-4D97-AF65-F5344CB8AC3E}">
+        <p14:creationId xmlns:p14="http://schemas.microsoft.com/office/powerpoint/2010/main" val="1647462377"/>
+      </p:ext>
+    </p:extLst>
+  </p:cSld>
+  <p:clrMapOvr>
+    <a:masterClrMapping/>
+  </p:clrMapOvr>
+  <p:timing>
+    <p:tnLst>
+      <p:par>
+        <p:cTn xmlns:p14="http://schemas.microsoft.com/office/powerpoint/2010/main" id="1" dur="indefinite" restart="never" nodeType="tmRoot"/>
+      </p:par>
+    </p:tnLst>
+  </p:timing>
+</p:sld>
+</file>
+
+<file path=ppt/slides/slide51.xml><?xml version="1.0" encoding="utf-8"?>
+<p:sld xmlns:a="http://schemas.openxmlformats.org/drawingml/2006/main" xmlns:r="http://schemas.openxmlformats.org/officeDocument/2006/relationships" xmlns:p="http://schemas.openxmlformats.org/presentationml/2006/main">
+  <p:cSld>
+    <p:spTree>
+      <p:nvGrpSpPr>
+        <p:cNvPr id="1" name=""/>
+        <p:cNvGrpSpPr/>
+        <p:nvPr/>
+      </p:nvGrpSpPr>
+      <p:grpSpPr>
+        <a:xfrm>
+          <a:off x="0" y="0"/>
+          <a:ext cx="0" cy="0"/>
+          <a:chOff x="0" y="0"/>
+          <a:chExt cx="0" cy="0"/>
+        </a:xfrm>
+      </p:grpSpPr>
+      <p:sp>
+        <p:nvSpPr>
+          <p:cNvPr id="2" name="Title 1"/>
+          <p:cNvSpPr>
+            <a:spLocks noGrp="1"/>
+          </p:cNvSpPr>
+          <p:nvPr>
+            <p:ph type="title"/>
+          </p:nvPr>
+        </p:nvSpPr>
+        <p:spPr/>
+        <p:txBody>
+          <a:bodyPr/>
+          <a:lstStyle/>
+          <a:p>
+            <a:r>
+              <a:rPr lang="en-US" dirty="0" smtClean="0">
+                <a:solidFill>
+                  <a:srgbClr val="FFFF00"/>
+                </a:solidFill>
+              </a:rPr>
+              <a:t>TAKEAWAY POINT</a:t>
+            </a:r>
+            <a:endParaRPr lang="en-US" dirty="0">
+              <a:solidFill>
+                <a:srgbClr val="FFFF00"/>
+              </a:solidFill>
+            </a:endParaRPr>
+          </a:p>
+        </p:txBody>
+      </p:sp>
+      <p:sp>
+        <p:nvSpPr>
+          <p:cNvPr id="4" name="Content Placeholder 2"/>
+          <p:cNvSpPr>
+            <a:spLocks noGrp="1"/>
+          </p:cNvSpPr>
+          <p:nvPr>
+            <p:ph idx="1"/>
+          </p:nvPr>
+        </p:nvSpPr>
+        <p:spPr>
+          <a:xfrm>
+            <a:off x="457200" y="1840090"/>
+            <a:ext cx="8404578" cy="2802466"/>
+          </a:xfrm>
+          <a:solidFill>
+            <a:srgbClr val="FFFF00"/>
+          </a:solidFill>
+          <a:ln w="63500">
+            <a:solidFill>
+              <a:srgbClr val="3366FF"/>
+            </a:solidFill>
+          </a:ln>
+        </p:spPr>
+        <p:txBody>
+          <a:bodyPr>
+            <a:normAutofit/>
+          </a:bodyPr>
+          <a:lstStyle/>
+          <a:p>
+            <a:pPr marL="0" indent="0" algn="ctr">
+              <a:buNone/>
+            </a:pPr>
+            <a:r>
+              <a:rPr lang="en-US" dirty="0" smtClean="0">
+                <a:solidFill>
+                  <a:schemeClr val="bg1"/>
+                </a:solidFill>
+              </a:rPr>
+              <a:t>Radial drift and viscous gas accretion move the snowline locations inwards. This affects the C/O ratio in gas and dust throughout the disk, and thus has direct implications in shaping the compositions of nascent giant planets.</a:t>
+            </a:r>
+            <a:endParaRPr lang="en-US" dirty="0">
+              <a:solidFill>
+                <a:schemeClr val="bg1"/>
+              </a:solidFill>
+            </a:endParaRPr>
+          </a:p>
+        </p:txBody>
+      </p:sp>
+    </p:spTree>
+    <p:extLst>
+      <p:ext uri="{BB962C8B-B14F-4D97-AF65-F5344CB8AC3E}">
+        <p14:creationId xmlns:p14="http://schemas.microsoft.com/office/powerpoint/2010/main" val="743145369"/>
+      </p:ext>
+    </p:extLst>
+  </p:cSld>
+  <p:clrMapOvr>
+    <a:masterClrMapping/>
+  </p:clrMapOvr>
 </p:sld>
 </file>
 

--- a/slides/CIPS_talk.pptx
+++ b/slides/CIPS_talk.pptx
@@ -316,7 +316,7 @@
           <a:p>
             <a:fld id="{7E37B48D-A559-6F41-A85D-9198382D8E74}" type="datetime1">
               <a:rPr lang="en-US" smtClean="0"/>
-              <a:t>9/22/15</a:t>
+              <a:t>9/25/15</a:t>
             </a:fld>
             <a:endParaRPr lang="en-US"/>
           </a:p>
@@ -482,7 +482,7 @@
           <a:p>
             <a:fld id="{A07269D8-8511-224D-9EC2-608B032B74D9}" type="datetime1">
               <a:rPr lang="en-US" smtClean="0"/>
-              <a:t>9/22/15</a:t>
+              <a:t>9/25/15</a:t>
             </a:fld>
             <a:endParaRPr lang="en-US"/>
           </a:p>
@@ -1547,38 +1547,6 @@
           <a:bodyPr/>
           <a:lstStyle/>
           <a:p>
-            <a:r>
-              <a:rPr lang="en-US" dirty="0" smtClean="0"/>
-              <a:t>So let’s look at this a bit more closely: since the mass of the atmosphere is a</a:t>
-            </a:r>
-            <a:r>
-              <a:rPr lang="en-US" baseline="0" dirty="0" smtClean="0"/>
-              <a:t> function of the core mass, every core mass will </a:t>
-            </a:r>
-            <a:r>
-              <a:rPr lang="en-US" baseline="0" dirty="0" err="1" smtClean="0"/>
-              <a:t>uniquley</a:t>
-            </a:r>
-            <a:r>
-              <a:rPr lang="en-US" baseline="0" dirty="0" smtClean="0"/>
-              <a:t> map to one atmosphere mass;</a:t>
-            </a:r>
-            <a:r>
-              <a:rPr lang="en-US" dirty="0" smtClean="0"/>
-              <a:t>  moreover,</a:t>
-            </a:r>
-            <a:r>
-              <a:rPr lang="en-US" baseline="0" dirty="0" smtClean="0"/>
-              <a:t> as the core grows larger, it will hold a fractionally larger atmosphere mass; so at some point in this evolution, the masses of the atmosphere and core will become roughly equal, at which point a process of rapid gas accretion starts and a massive atmosphere is accumulated; this core mass is well defined for a set of disk conditions, and it’s called the critical core mass. Now, this is the story when </a:t>
-            </a:r>
-            <a:r>
-              <a:rPr lang="en-US" baseline="0" dirty="0" err="1" smtClean="0"/>
-              <a:t>planetesimal</a:t>
-            </a:r>
-            <a:r>
-              <a:rPr lang="en-US" baseline="0" dirty="0" smtClean="0"/>
-              <a:t> accretion occurs at the standard rate.</a:t>
-            </a:r>
             <a:endParaRPr lang="en-US" dirty="0"/>
           </a:p>
         </p:txBody>
@@ -1663,69 +1631,6 @@
           <a:bodyPr/>
           <a:lstStyle/>
           <a:p>
-            <a:pPr marL="0" marR="0" indent="0" algn="l" defTabSz="457200" rtl="0" eaLnBrk="1" fontAlgn="auto" latinLnBrk="0" hangingPunct="1">
-              <a:lnSpc>
-                <a:spcPct val="100000"/>
-              </a:lnSpc>
-              <a:spcBef>
-                <a:spcPts val="0"/>
-              </a:spcBef>
-              <a:spcAft>
-                <a:spcPts val="0"/>
-              </a:spcAft>
-              <a:buClrTx/>
-              <a:buSzTx/>
-              <a:buFontTx/>
-              <a:buNone/>
-              <a:tabLst/>
-              <a:defRPr/>
-            </a:pPr>
-            <a:r>
-              <a:rPr lang="en-US" dirty="0" smtClean="0"/>
-              <a:t>However,</a:t>
-            </a:r>
-            <a:r>
-              <a:rPr lang="en-US" baseline="0" dirty="0" smtClean="0"/>
-              <a:t> </a:t>
-            </a:r>
-            <a:r>
-              <a:rPr lang="en-US" baseline="0" dirty="0" err="1" smtClean="0"/>
-              <a:t>planetesimal</a:t>
-            </a:r>
-            <a:r>
-              <a:rPr lang="en-US" baseline="0" dirty="0" smtClean="0"/>
-              <a:t> accretion need not be constant at given location in the disk throughout the disk life, and there are studies that have made this assumptions. So let’s imagine a different scenario. First, we are in the standard case; we have a high </a:t>
-            </a:r>
-            <a:r>
-              <a:rPr lang="en-US" baseline="0" dirty="0" err="1" smtClean="0"/>
-              <a:t>planetesimal</a:t>
-            </a:r>
-            <a:r>
-              <a:rPr lang="en-US" baseline="0" dirty="0" smtClean="0"/>
-              <a:t> accretion rate, so the core grows, but the atmosphere remains small; then at some point later on, the core has grown more massive, but the atmosphere remains small by comparison. At this point, </a:t>
-            </a:r>
-            <a:r>
-              <a:rPr lang="en-US" baseline="0" dirty="0" err="1" smtClean="0"/>
-              <a:t>planetesimal</a:t>
-            </a:r>
-            <a:r>
-              <a:rPr lang="en-US" baseline="0" dirty="0" smtClean="0"/>
-              <a:t> accretion slows down. So now the core no longer grows significantly; the atmosphere still loses energy but is not gaining any from </a:t>
-            </a:r>
-            <a:r>
-              <a:rPr lang="en-US" baseline="0" dirty="0" err="1" smtClean="0"/>
-              <a:t>planetesimals</a:t>
-            </a:r>
-            <a:r>
-              <a:rPr lang="en-US" baseline="0" dirty="0" smtClean="0"/>
-              <a:t> anymore. Instead, now the energy is given by the contraction of the envelope due to gas accretion. </a:t>
-            </a:r>
-            <a:endParaRPr lang="en-US" dirty="0" smtClean="0"/>
-          </a:p>
-          <a:p>
-            <a:endParaRPr lang="en-US" dirty="0" smtClean="0"/>
-          </a:p>
-          <a:p>
             <a:endParaRPr lang="en-US" dirty="0" smtClean="0"/>
           </a:p>
         </p:txBody>
@@ -1810,69 +1715,6 @@
           <a:bodyPr/>
           <a:lstStyle/>
           <a:p>
-            <a:pPr marL="0" marR="0" indent="0" algn="l" defTabSz="457200" rtl="0" eaLnBrk="1" fontAlgn="auto" latinLnBrk="0" hangingPunct="1">
-              <a:lnSpc>
-                <a:spcPct val="100000"/>
-              </a:lnSpc>
-              <a:spcBef>
-                <a:spcPts val="0"/>
-              </a:spcBef>
-              <a:spcAft>
-                <a:spcPts val="0"/>
-              </a:spcAft>
-              <a:buClrTx/>
-              <a:buSzTx/>
-              <a:buFontTx/>
-              <a:buNone/>
-              <a:tabLst/>
-              <a:defRPr/>
-            </a:pPr>
-            <a:r>
-              <a:rPr lang="en-US" dirty="0" smtClean="0"/>
-              <a:t>However,</a:t>
-            </a:r>
-            <a:r>
-              <a:rPr lang="en-US" baseline="0" dirty="0" smtClean="0"/>
-              <a:t> </a:t>
-            </a:r>
-            <a:r>
-              <a:rPr lang="en-US" baseline="0" dirty="0" err="1" smtClean="0"/>
-              <a:t>planetesimal</a:t>
-            </a:r>
-            <a:r>
-              <a:rPr lang="en-US" baseline="0" dirty="0" smtClean="0"/>
-              <a:t> accretion need not be constant at given location in the disk throughout the disk life, and there are studies that have made this assumptions. So let’s imagine a different scenario. First, we are in the standard case; we have a high </a:t>
-            </a:r>
-            <a:r>
-              <a:rPr lang="en-US" baseline="0" dirty="0" err="1" smtClean="0"/>
-              <a:t>planetesimal</a:t>
-            </a:r>
-            <a:r>
-              <a:rPr lang="en-US" baseline="0" dirty="0" smtClean="0"/>
-              <a:t> accretion rate, so the core grows, but the atmosphere remains small; then at some point later on, the core has grown more massive, but the atmosphere remains small by comparison. At this point, </a:t>
-            </a:r>
-            <a:r>
-              <a:rPr lang="en-US" baseline="0" dirty="0" err="1" smtClean="0"/>
-              <a:t>planetesimal</a:t>
-            </a:r>
-            <a:r>
-              <a:rPr lang="en-US" baseline="0" dirty="0" smtClean="0"/>
-              <a:t> accretion slows down. So now the core no longer grows significantly; the atmosphere still loses energy but is not gaining any from </a:t>
-            </a:r>
-            <a:r>
-              <a:rPr lang="en-US" baseline="0" dirty="0" err="1" smtClean="0"/>
-              <a:t>planetesimals</a:t>
-            </a:r>
-            <a:r>
-              <a:rPr lang="en-US" baseline="0" dirty="0" smtClean="0"/>
-              <a:t> anymore. Instead, now the energy is given by the contraction of the envelope due to gas accretion. </a:t>
-            </a:r>
-            <a:endParaRPr lang="en-US" dirty="0" smtClean="0"/>
-          </a:p>
-          <a:p>
-            <a:endParaRPr lang="en-US" dirty="0" smtClean="0"/>
-          </a:p>
-          <a:p>
             <a:endParaRPr lang="en-US" dirty="0" smtClean="0"/>
           </a:p>
         </p:txBody>
@@ -1957,22 +1799,6 @@
           <a:bodyPr/>
           <a:lstStyle/>
           <a:p>
-            <a:r>
-              <a:rPr lang="en-US" dirty="0" smtClean="0"/>
-              <a:t>So if we’re in this scenario</a:t>
-            </a:r>
-            <a:r>
-              <a:rPr lang="en-US" baseline="0" dirty="0" smtClean="0"/>
-              <a:t> of low </a:t>
-            </a:r>
-            <a:r>
-              <a:rPr lang="en-US" baseline="0" dirty="0" err="1" smtClean="0"/>
-              <a:t>planetesimal</a:t>
-            </a:r>
-            <a:r>
-              <a:rPr lang="en-US" baseline="0" dirty="0" smtClean="0"/>
-              <a:t> accretion, the luminosity evolution of the atmosphere will be dominated by KH contraction.</a:t>
-            </a:r>
             <a:endParaRPr lang="en-US" dirty="0"/>
           </a:p>
         </p:txBody>
@@ -2057,14 +1883,6 @@
           <a:bodyPr/>
           <a:lstStyle/>
           <a:p>
-            <a:r>
-              <a:rPr lang="en-US" dirty="0" smtClean="0"/>
-              <a:t>So</a:t>
-            </a:r>
-            <a:r>
-              <a:rPr lang="en-US" baseline="0" dirty="0" smtClean="0"/>
-              <a:t> in this regime, there is no longer a steady state, but rather the atmosphere mass is a function of time; now core growth is negligible; so you start with a small atmosphere that gradually grows until it become comparable to the core mass; so in this scenario, every core can have an atmosphere equal to its own and become critical</a:t>
-            </a:r>
             <a:endParaRPr lang="en-US" dirty="0"/>
           </a:p>
         </p:txBody>
@@ -2149,77 +1967,6 @@
           <a:bodyPr/>
           <a:lstStyle/>
           <a:p>
-            <a:pPr marL="171450" indent="-171450">
-              <a:buFontTx/>
-              <a:buChar char="-"/>
-            </a:pPr>
-            <a:r>
-              <a:rPr lang="en-US" dirty="0" smtClean="0"/>
-              <a:t>Why </a:t>
-            </a:r>
-            <a:r>
-              <a:rPr lang="en-US" dirty="0" err="1" smtClean="0"/>
-              <a:t>Lacc</a:t>
-            </a:r>
-            <a:r>
-              <a:rPr lang="en-US" dirty="0" smtClean="0"/>
-              <a:t>=0?</a:t>
-            </a:r>
-          </a:p>
-          <a:p>
-            <a:pPr marL="171450" indent="-171450">
-              <a:buFontTx/>
-              <a:buChar char="-"/>
-            </a:pPr>
-            <a:r>
-              <a:rPr lang="en-US" dirty="0" smtClean="0"/>
-              <a:t>- to get around the difficulty to form a giant planet</a:t>
-            </a:r>
-            <a:r>
-              <a:rPr lang="en-US" baseline="0" dirty="0" smtClean="0"/>
-              <a:t> a large distances </a:t>
-            </a:r>
-            <a:r>
-              <a:rPr lang="en-US" baseline="0" dirty="0" err="1" smtClean="0"/>
-              <a:t>throigh</a:t>
-            </a:r>
-            <a:r>
-              <a:rPr lang="en-US" baseline="0" dirty="0" smtClean="0"/>
-              <a:t> core </a:t>
-            </a:r>
-            <a:r>
-              <a:rPr lang="en-US" baseline="0" dirty="0" err="1" smtClean="0"/>
-              <a:t>acc</a:t>
-            </a:r>
-            <a:endParaRPr lang="en-US" baseline="0" dirty="0" smtClean="0"/>
-          </a:p>
-          <a:p>
-            <a:pPr marL="171450" indent="-171450">
-              <a:buFontTx/>
-              <a:buChar char="-"/>
-            </a:pPr>
-            <a:r>
-              <a:rPr lang="en-US" baseline="0" dirty="0" smtClean="0"/>
-              <a:t>- you can depleted zone of </a:t>
-            </a:r>
-            <a:r>
-              <a:rPr lang="en-US" baseline="0" dirty="0" err="1" smtClean="0"/>
-              <a:t>planetesimals</a:t>
-            </a:r>
-            <a:endParaRPr lang="en-US" baseline="0" dirty="0" smtClean="0"/>
-          </a:p>
-          <a:p>
-            <a:pPr marL="171450" indent="-171450">
-              <a:buFontTx/>
-              <a:buChar char="-"/>
-            </a:pPr>
-            <a:r>
-              <a:rPr lang="en-US" baseline="0" dirty="0" smtClean="0"/>
-              <a:t>-  move the core</a:t>
-            </a:r>
-            <a:endParaRPr lang="en-US" dirty="0" smtClean="0"/>
-          </a:p>
-          <a:p>
             <a:endParaRPr lang="en-US" dirty="0"/>
           </a:p>
         </p:txBody>
@@ -2304,30 +2051,6 @@
           <a:bodyPr/>
           <a:lstStyle/>
           <a:p>
-            <a:r>
-              <a:rPr lang="en-US" dirty="0" smtClean="0"/>
-              <a:t>Here</a:t>
-            </a:r>
-            <a:r>
-              <a:rPr lang="en-US" baseline="0" dirty="0" smtClean="0"/>
-              <a:t> I am plotting the critical core mass as a function of </a:t>
-            </a:r>
-            <a:r>
-              <a:rPr lang="en-US" baseline="0" dirty="0" err="1" smtClean="0"/>
-              <a:t>semimajor</a:t>
-            </a:r>
-            <a:r>
-              <a:rPr lang="en-US" baseline="0" dirty="0" smtClean="0"/>
-              <a:t> axis for an ideal diatomic gas. So you can see already that this value is smaller than the standard 10 Me even in the more inner parts of the disk; in a few moments I will show how this critical core mass compares to results from standard studies. But let’s first see what </a:t>
-            </a:r>
-            <a:r>
-              <a:rPr lang="en-US" baseline="0" dirty="0" err="1" smtClean="0"/>
-              <a:t>Mcrit</a:t>
-            </a:r>
-            <a:r>
-              <a:rPr lang="en-US" baseline="0" dirty="0" smtClean="0"/>
-              <a:t> depends on. </a:t>
-            </a:r>
             <a:endParaRPr lang="en-US" dirty="0"/>
           </a:p>
         </p:txBody>
@@ -2549,7 +2272,7 @@
           <a:p>
             <a:fld id="{6BFECD78-3C8E-49F2-8FAB-59489D168ABB}" type="datetimeFigureOut">
               <a:rPr lang="en-US" smtClean="0"/>
-              <a:t>9/22/15</a:t>
+              <a:t>9/25/15</a:t>
             </a:fld>
             <a:endParaRPr lang="en-US"/>
           </a:p>
@@ -2719,7 +2442,7 @@
           <a:p>
             <a:fld id="{6BFECD78-3C8E-49F2-8FAB-59489D168ABB}" type="datetimeFigureOut">
               <a:rPr lang="en-US" smtClean="0"/>
-              <a:t>9/22/15</a:t>
+              <a:t>9/25/15</a:t>
             </a:fld>
             <a:endParaRPr lang="en-US"/>
           </a:p>
@@ -2899,7 +2622,7 @@
           <a:p>
             <a:fld id="{6BFECD78-3C8E-49F2-8FAB-59489D168ABB}" type="datetimeFigureOut">
               <a:rPr lang="en-US" smtClean="0"/>
-              <a:t>9/22/15</a:t>
+              <a:t>9/25/15</a:t>
             </a:fld>
             <a:endParaRPr lang="en-US"/>
           </a:p>
@@ -3069,7 +2792,7 @@
           <a:p>
             <a:fld id="{6BFECD78-3C8E-49F2-8FAB-59489D168ABB}" type="datetimeFigureOut">
               <a:rPr lang="en-US" smtClean="0"/>
-              <a:t>9/22/15</a:t>
+              <a:t>9/25/15</a:t>
             </a:fld>
             <a:endParaRPr lang="en-US"/>
           </a:p>
@@ -3315,7 +3038,7 @@
           <a:p>
             <a:fld id="{6BFECD78-3C8E-49F2-8FAB-59489D168ABB}" type="datetimeFigureOut">
               <a:rPr lang="en-US" smtClean="0"/>
-              <a:t>9/22/15</a:t>
+              <a:t>9/25/15</a:t>
             </a:fld>
             <a:endParaRPr lang="en-US"/>
           </a:p>
@@ -3603,7 +3326,7 @@
           <a:p>
             <a:fld id="{6BFECD78-3C8E-49F2-8FAB-59489D168ABB}" type="datetimeFigureOut">
               <a:rPr lang="en-US" smtClean="0"/>
-              <a:t>9/22/15</a:t>
+              <a:t>9/25/15</a:t>
             </a:fld>
             <a:endParaRPr lang="en-US"/>
           </a:p>
@@ -4025,7 +3748,7 @@
           <a:p>
             <a:fld id="{6BFECD78-3C8E-49F2-8FAB-59489D168ABB}" type="datetimeFigureOut">
               <a:rPr lang="en-US" smtClean="0"/>
-              <a:t>9/22/15</a:t>
+              <a:t>9/25/15</a:t>
             </a:fld>
             <a:endParaRPr lang="en-US"/>
           </a:p>
@@ -4143,7 +3866,7 @@
           <a:p>
             <a:fld id="{6BFECD78-3C8E-49F2-8FAB-59489D168ABB}" type="datetimeFigureOut">
               <a:rPr lang="en-US" smtClean="0"/>
-              <a:t>9/22/15</a:t>
+              <a:t>9/25/15</a:t>
             </a:fld>
             <a:endParaRPr lang="en-US"/>
           </a:p>
@@ -4238,7 +3961,7 @@
           <a:p>
             <a:fld id="{6BFECD78-3C8E-49F2-8FAB-59489D168ABB}" type="datetimeFigureOut">
               <a:rPr lang="en-US" smtClean="0"/>
-              <a:t>9/22/15</a:t>
+              <a:t>9/25/15</a:t>
             </a:fld>
             <a:endParaRPr lang="en-US"/>
           </a:p>
@@ -4515,7 +4238,7 @@
           <a:p>
             <a:fld id="{6BFECD78-3C8E-49F2-8FAB-59489D168ABB}" type="datetimeFigureOut">
               <a:rPr lang="en-US" smtClean="0"/>
-              <a:t>9/22/15</a:t>
+              <a:t>9/25/15</a:t>
             </a:fld>
             <a:endParaRPr lang="en-US"/>
           </a:p>
@@ -4772,7 +4495,7 @@
           <a:p>
             <a:fld id="{6BFECD78-3C8E-49F2-8FAB-59489D168ABB}" type="datetimeFigureOut">
               <a:rPr lang="en-US" smtClean="0"/>
-              <a:t>9/22/15</a:t>
+              <a:t>9/25/15</a:t>
             </a:fld>
             <a:endParaRPr lang="en-US"/>
           </a:p>
@@ -4985,7 +4708,7 @@
           <a:p>
             <a:fld id="{6BFECD78-3C8E-49F2-8FAB-59489D168ABB}" type="datetimeFigureOut">
               <a:rPr lang="en-US" smtClean="0"/>
-              <a:t>9/22/15</a:t>
+              <a:t>9/25/15</a:t>
             </a:fld>
             <a:endParaRPr lang="en-US"/>
           </a:p>
@@ -5433,11 +5156,7 @@
           <a:p>
             <a:r>
               <a:rPr lang="en-US" sz="3000" dirty="0" smtClean="0"/>
-              <a:t>Ana-Maria </a:t>
-            </a:r>
-            <a:r>
-              <a:rPr lang="en-US" sz="3000" dirty="0" smtClean="0"/>
-              <a:t>Piso </a:t>
+              <a:t>Ana-Maria Piso </a:t>
             </a:r>
           </a:p>
           <a:p>
@@ -15102,11 +14821,7 @@
             </a:r>
             <a:r>
               <a:rPr lang="en-US" sz="4000" dirty="0" smtClean="0"/>
-              <a:t> </a:t>
-            </a:r>
-            <a:r>
-              <a:rPr lang="en-US" sz="4000" dirty="0" smtClean="0"/>
-              <a:t>disks</a:t>
+              <a:t> disks</a:t>
             </a:r>
             <a:endParaRPr lang="en-US" sz="4000" dirty="0"/>
           </a:p>
@@ -15729,7 +15444,15 @@
                   <a:schemeClr val="bg1"/>
                 </a:solidFill>
               </a:rPr>
-              <a:t>Possible explanation: main carriers of C and O, i.e. </a:t>
+              <a:t>Possible explanation: main carriers of C and O, i.e. H</a:t>
+            </a:r>
+            <a:r>
+              <a:rPr lang="en-US" baseline="-25000" dirty="0" smtClean="0">
+                <a:solidFill>
+                  <a:schemeClr val="bg1"/>
+                </a:solidFill>
+              </a:rPr>
+              <a:t>2</a:t>
             </a:r>
             <a:r>
               <a:rPr lang="en-US" dirty="0" smtClean="0">
@@ -15737,31 +15460,7 @@
                   <a:schemeClr val="bg1"/>
                 </a:solidFill>
               </a:rPr>
-              <a:t>H</a:t>
-            </a:r>
-            <a:r>
-              <a:rPr lang="en-US" baseline="-25000" dirty="0" smtClean="0">
-                <a:solidFill>
-                  <a:schemeClr val="bg1"/>
-                </a:solidFill>
-              </a:rPr>
-              <a:t>2</a:t>
-            </a:r>
-            <a:r>
-              <a:rPr lang="en-US" dirty="0" smtClean="0">
-                <a:solidFill>
-                  <a:schemeClr val="bg1"/>
-                </a:solidFill>
-              </a:rPr>
-              <a:t>O</a:t>
-            </a:r>
-            <a:r>
-              <a:rPr lang="en-US" dirty="0" smtClean="0">
-                <a:solidFill>
-                  <a:schemeClr val="bg1"/>
-                </a:solidFill>
-              </a:rPr>
-              <a:t>, CO</a:t>
+              <a:t>O, CO</a:t>
             </a:r>
             <a:r>
               <a:rPr lang="en-US" baseline="-25000" dirty="0" smtClean="0">
@@ -17507,6 +17206,80 @@
               </a:rPr>
               <a:t>particle size increases </a:t>
             </a:r>
+          </a:p>
+          <a:p>
+            <a:pPr lvl="1"/>
+            <a:r>
+              <a:rPr lang="en-US" dirty="0" smtClean="0">
+                <a:solidFill>
+                  <a:srgbClr val="FFFF00"/>
+                </a:solidFill>
+              </a:rPr>
+              <a:t>~60% </a:t>
+            </a:r>
+            <a:r>
+              <a:rPr lang="en-US" dirty="0" smtClean="0"/>
+              <a:t>for</a:t>
+            </a:r>
+            <a:r>
+              <a:rPr lang="en-US" dirty="0" smtClean="0">
+                <a:solidFill>
+                  <a:srgbClr val="FFFF00"/>
+                </a:solidFill>
+              </a:rPr>
+              <a:t> H</a:t>
+            </a:r>
+            <a:r>
+              <a:rPr lang="en-US" baseline="-25000" dirty="0" smtClean="0">
+                <a:solidFill>
+                  <a:srgbClr val="FFFF00"/>
+                </a:solidFill>
+              </a:rPr>
+              <a:t>2</a:t>
+            </a:r>
+            <a:r>
+              <a:rPr lang="en-US" dirty="0" smtClean="0">
+                <a:solidFill>
+                  <a:srgbClr val="FFFF00"/>
+                </a:solidFill>
+              </a:rPr>
+              <a:t>O</a:t>
+            </a:r>
+          </a:p>
+          <a:p>
+            <a:pPr lvl="1"/>
+            <a:r>
+              <a:rPr lang="en-US" dirty="0" smtClean="0">
+                <a:solidFill>
+                  <a:srgbClr val="FFFF00"/>
+                </a:solidFill>
+              </a:rPr>
+              <a:t>~60% </a:t>
+            </a:r>
+            <a:r>
+              <a:rPr lang="en-US" dirty="0" smtClean="0">
+                <a:solidFill>
+                  <a:srgbClr val="FFFFFF"/>
+                </a:solidFill>
+              </a:rPr>
+              <a:t>for</a:t>
+            </a:r>
+            <a:r>
+              <a:rPr lang="en-US" dirty="0" smtClean="0">
+                <a:solidFill>
+                  <a:srgbClr val="FFFF00"/>
+                </a:solidFill>
+              </a:rPr>
+              <a:t> CO</a:t>
+            </a:r>
+            <a:r>
+              <a:rPr lang="en-US" baseline="-25000" dirty="0" smtClean="0">
+                <a:solidFill>
+                  <a:srgbClr val="FFFF00"/>
+                </a:solidFill>
+              </a:rPr>
+              <a:t>2</a:t>
+            </a:r>
             <a:endParaRPr lang="en-US" dirty="0" smtClean="0">
               <a:solidFill>
                 <a:srgbClr val="FFFF00"/>
@@ -17521,10 +17294,14 @@
                   <a:srgbClr val="FFFF00"/>
                 </a:solidFill>
               </a:rPr>
-              <a:t>~60% </a:t>
-            </a:r>
-            <a:r>
-              <a:rPr lang="en-US" dirty="0" smtClean="0"/>
+              <a:t>~50% </a:t>
+            </a:r>
+            <a:r>
+              <a:rPr lang="en-US" dirty="0" smtClean="0">
+                <a:solidFill>
+                  <a:srgbClr val="FFFFFF"/>
+                </a:solidFill>
+              </a:rPr>
               <a:t>for</a:t>
             </a:r>
             <a:r>
@@ -17533,96 +17310,8 @@
                   <a:srgbClr val="FFFF00"/>
                 </a:solidFill>
               </a:rPr>
-              <a:t> H</a:t>
-            </a:r>
-            <a:r>
-              <a:rPr lang="en-US" baseline="-25000" dirty="0" smtClean="0">
-                <a:solidFill>
-                  <a:srgbClr val="FFFF00"/>
-                </a:solidFill>
-              </a:rPr>
-              <a:t>2</a:t>
-            </a:r>
-            <a:r>
-              <a:rPr lang="en-US" dirty="0" smtClean="0">
-                <a:solidFill>
-                  <a:srgbClr val="FFFF00"/>
-                </a:solidFill>
-              </a:rPr>
-              <a:t>O</a:t>
-            </a:r>
-          </a:p>
-          <a:p>
-            <a:pPr lvl="1"/>
-            <a:r>
-              <a:rPr lang="en-US" dirty="0" smtClean="0">
-                <a:solidFill>
-                  <a:srgbClr val="FFFF00"/>
-                </a:solidFill>
-              </a:rPr>
-              <a:t>~60% </a:t>
-            </a:r>
-            <a:r>
-              <a:rPr lang="en-US" dirty="0" smtClean="0">
-                <a:solidFill>
-                  <a:srgbClr val="FFFFFF"/>
-                </a:solidFill>
-              </a:rPr>
-              <a:t>for</a:t>
-            </a:r>
-            <a:r>
-              <a:rPr lang="en-US" dirty="0" smtClean="0">
-                <a:solidFill>
-                  <a:srgbClr val="FFFF00"/>
-                </a:solidFill>
-              </a:rPr>
               <a:t> CO</a:t>
             </a:r>
-            <a:r>
-              <a:rPr lang="en-US" baseline="-25000" dirty="0" smtClean="0">
-                <a:solidFill>
-                  <a:srgbClr val="FFFF00"/>
-                </a:solidFill>
-              </a:rPr>
-              <a:t>2</a:t>
-            </a:r>
-            <a:endParaRPr lang="en-US" dirty="0" smtClean="0">
-              <a:solidFill>
-                <a:srgbClr val="FFFF00"/>
-              </a:solidFill>
-            </a:endParaRPr>
-          </a:p>
-          <a:p>
-            <a:pPr lvl="1"/>
-            <a:r>
-              <a:rPr lang="en-US" dirty="0" smtClean="0">
-                <a:solidFill>
-                  <a:srgbClr val="FFFF00"/>
-                </a:solidFill>
-              </a:rPr>
-              <a:t>~50% </a:t>
-            </a:r>
-            <a:r>
-              <a:rPr lang="en-US" dirty="0" smtClean="0">
-                <a:solidFill>
-                  <a:srgbClr val="FFFFFF"/>
-                </a:solidFill>
-              </a:rPr>
-              <a:t>for</a:t>
-            </a:r>
-            <a:r>
-              <a:rPr lang="en-US" dirty="0" smtClean="0">
-                <a:solidFill>
-                  <a:srgbClr val="FFFF00"/>
-                </a:solidFill>
-              </a:rPr>
-              <a:t> CO</a:t>
-            </a:r>
-            <a:endParaRPr lang="en-US" dirty="0" smtClean="0">
-              <a:solidFill>
-                <a:srgbClr val="FFFF00"/>
-              </a:solidFill>
-            </a:endParaRPr>
           </a:p>
           <a:p>
             <a:endParaRPr lang="en-US" dirty="0" smtClean="0"/>

--- a/slides/CIPS_talk.pptx
+++ b/slides/CIPS_talk.pptx
@@ -5216,6 +5216,65 @@
           </a:p>
         </p:txBody>
       </p:sp>
+      <p:sp>
+        <p:nvSpPr>
+          <p:cNvPr id="4" name="TextBox 3"/>
+          <p:cNvSpPr txBox="1"/>
+          <p:nvPr/>
+        </p:nvSpPr>
+        <p:spPr>
+          <a:xfrm>
+            <a:off x="235165" y="4232426"/>
+            <a:ext cx="8614957" cy="430887"/>
+          </a:xfrm>
+          <a:prstGeom prst="rect">
+            <a:avLst/>
+          </a:prstGeom>
+          <a:noFill/>
+        </p:spPr>
+        <p:txBody>
+          <a:bodyPr wrap="square" rtlCol="0">
+            <a:spAutoFit/>
+          </a:bodyPr>
+          <a:lstStyle/>
+          <a:p>
+            <a:pPr algn="ctr"/>
+            <a:r>
+              <a:rPr lang="en-US" sz="2200" dirty="0" smtClean="0"/>
+              <a:t>Collaborators: Karin </a:t>
+            </a:r>
+            <a:r>
+              <a:rPr lang="en-US" sz="2200" dirty="0" err="1" smtClean="0"/>
+              <a:t>Öberg</a:t>
+            </a:r>
+            <a:r>
+              <a:rPr lang="en-US" sz="2200" dirty="0" smtClean="0"/>
+              <a:t>, Ruth Murray-Clay, Andrew </a:t>
+            </a:r>
+            <a:r>
+              <a:rPr lang="en-US" sz="2200" dirty="0" err="1" smtClean="0"/>
+              <a:t>Youdin</a:t>
+            </a:r>
+            <a:r>
+              <a:rPr lang="en-US" sz="2200" dirty="0" smtClean="0"/>
+              <a:t>, </a:t>
+            </a:r>
+            <a:r>
+              <a:rPr lang="en-US" sz="2200" dirty="0" err="1" smtClean="0"/>
+              <a:t>Til</a:t>
+            </a:r>
+            <a:r>
+              <a:rPr lang="en-US" sz="2200" dirty="0" smtClean="0"/>
+              <a:t> </a:t>
+            </a:r>
+            <a:r>
+              <a:rPr lang="en-US" sz="2200" dirty="0" err="1" smtClean="0"/>
+              <a:t>Birnstiel</a:t>
+            </a:r>
+            <a:endParaRPr lang="en-US" sz="2200" dirty="0"/>
+          </a:p>
+        </p:txBody>
+      </p:sp>
     </p:spTree>
     <p:extLst>
       <p:ext uri="{BB962C8B-B14F-4D97-AF65-F5344CB8AC3E}">
@@ -14310,6 +14369,13 @@
   <p:clrMapOvr>
     <a:masterClrMapping/>
   </p:clrMapOvr>
+  <p:timing>
+    <p:tnLst>
+      <p:par>
+        <p:cTn xmlns:p14="http://schemas.microsoft.com/office/powerpoint/2010/main" id="1" dur="indefinite" restart="never" nodeType="tmRoot"/>
+      </p:par>
+    </p:tnLst>
+  </p:timing>
 </p:sld>
 </file>
 
@@ -14478,6 +14544,13 @@
   <p:clrMapOvr>
     <a:masterClrMapping/>
   </p:clrMapOvr>
+  <p:timing>
+    <p:tnLst>
+      <p:par>
+        <p:cTn xmlns:p14="http://schemas.microsoft.com/office/powerpoint/2010/main" id="1" dur="indefinite" restart="never" nodeType="tmRoot"/>
+      </p:par>
+    </p:tnLst>
+  </p:timing>
 </p:sld>
 </file>
 
@@ -14905,6 +14978,13 @@
   <p:clrMapOvr>
     <a:masterClrMapping/>
   </p:clrMapOvr>
+  <p:timing>
+    <p:tnLst>
+      <p:par>
+        <p:cTn xmlns:p14="http://schemas.microsoft.com/office/powerpoint/2010/main" id="1" dur="indefinite" restart="never" nodeType="tmRoot"/>
+      </p:par>
+    </p:tnLst>
+  </p:timing>
 </p:sld>
 </file>
 
@@ -15047,6 +15127,13 @@
   <p:clrMapOvr>
     <a:masterClrMapping/>
   </p:clrMapOvr>
+  <p:timing>
+    <p:tnLst>
+      <p:par>
+        <p:cTn xmlns:p14="http://schemas.microsoft.com/office/powerpoint/2010/main" id="1" dur="indefinite" restart="never" nodeType="tmRoot"/>
+      </p:par>
+    </p:tnLst>
+  </p:timing>
 </p:sld>
 </file>
 
@@ -15211,6 +15298,13 @@
   <p:clrMapOvr>
     <a:masterClrMapping/>
   </p:clrMapOvr>
+  <p:timing>
+    <p:tnLst>
+      <p:par>
+        <p:cTn xmlns:p14="http://schemas.microsoft.com/office/powerpoint/2010/main" id="1" dur="indefinite" restart="never" nodeType="tmRoot"/>
+      </p:par>
+    </p:tnLst>
+  </p:timing>
 </p:sld>
 </file>
 
@@ -15352,6 +15446,13 @@
   <p:clrMapOvr>
     <a:masterClrMapping/>
   </p:clrMapOvr>
+  <p:timing>
+    <p:tnLst>
+      <p:par>
+        <p:cTn xmlns:p14="http://schemas.microsoft.com/office/powerpoint/2010/main" id="1" dur="indefinite" restart="never" nodeType="tmRoot"/>
+      </p:par>
+    </p:tnLst>
+  </p:timing>
 </p:sld>
 </file>
 
@@ -15528,6 +15629,13 @@
   <p:clrMapOvr>
     <a:masterClrMapping/>
   </p:clrMapOvr>
+  <p:timing>
+    <p:tnLst>
+      <p:par>
+        <p:cTn xmlns:p14="http://schemas.microsoft.com/office/powerpoint/2010/main" id="1" dur="indefinite" restart="never" nodeType="tmRoot"/>
+      </p:par>
+    </p:tnLst>
+  </p:timing>
 </p:sld>
 </file>
 
@@ -15658,6 +15766,13 @@
   <p:clrMapOvr>
     <a:masterClrMapping/>
   </p:clrMapOvr>
+  <p:timing>
+    <p:tnLst>
+      <p:par>
+        <p:cTn xmlns:p14="http://schemas.microsoft.com/office/powerpoint/2010/main" id="1" dur="indefinite" restart="never" nodeType="tmRoot"/>
+      </p:par>
+    </p:tnLst>
+  </p:timing>
 </p:sld>
 </file>
 
@@ -16143,6 +16258,13 @@
   <p:clrMapOvr>
     <a:masterClrMapping/>
   </p:clrMapOvr>
+  <p:timing>
+    <p:tnLst>
+      <p:par>
+        <p:cTn xmlns:p14="http://schemas.microsoft.com/office/powerpoint/2010/main" id="1" dur="indefinite" restart="never" nodeType="tmRoot"/>
+      </p:par>
+    </p:tnLst>
+  </p:timing>
 </p:sld>
 </file>
 
@@ -16319,6 +16441,13 @@
   <p:clrMapOvr>
     <a:masterClrMapping/>
   </p:clrMapOvr>
+  <p:timing>
+    <p:tnLst>
+      <p:par>
+        <p:cTn xmlns:p14="http://schemas.microsoft.com/office/powerpoint/2010/main" id="1" dur="indefinite" restart="never" nodeType="tmRoot"/>
+      </p:par>
+    </p:tnLst>
+  </p:timing>
 </p:sld>
 </file>
 
@@ -17360,6 +17489,13 @@
   <p:clrMapOvr>
     <a:masterClrMapping/>
   </p:clrMapOvr>
+  <p:timing>
+    <p:tnLst>
+      <p:par>
+        <p:cTn xmlns:p14="http://schemas.microsoft.com/office/powerpoint/2010/main" id="1" dur="indefinite" restart="never" nodeType="tmRoot"/>
+      </p:par>
+    </p:tnLst>
+  </p:timing>
 </p:sld>
 </file>
 
@@ -17392,7 +17528,7 @@
         </p:nvSpPr>
         <p:spPr>
           <a:xfrm>
-            <a:off x="457200" y="2426859"/>
+            <a:off x="673387" y="27020"/>
             <a:ext cx="8229600" cy="1143000"/>
           </a:xfrm>
         </p:spPr>
@@ -17403,18 +17539,82 @@
           <a:lstStyle/>
           <a:p>
             <a:r>
-              <a:rPr lang="en-US" sz="9000" dirty="0" smtClean="0">
+              <a:rPr lang="en-US" dirty="0" smtClean="0">
                 <a:solidFill>
                   <a:srgbClr val="FFFF00"/>
                 </a:solidFill>
               </a:rPr>
               <a:t>NEXT STEPS</a:t>
             </a:r>
-            <a:endParaRPr lang="en-US" sz="9000" dirty="0">
+            <a:endParaRPr lang="en-US" dirty="0">
               <a:solidFill>
                 <a:srgbClr val="FFFF00"/>
               </a:solidFill>
             </a:endParaRPr>
+          </a:p>
+        </p:txBody>
+      </p:sp>
+      <p:pic>
+        <p:nvPicPr>
+          <p:cNvPr id="3" name="Picture 2" descr="disk_semenov.png"/>
+          <p:cNvPicPr>
+            <a:picLocks noChangeAspect="1"/>
+          </p:cNvPicPr>
+          <p:nvPr/>
+        </p:nvPicPr>
+        <p:blipFill>
+          <a:blip r:embed="rId2">
+            <a:extLst>
+              <a:ext uri="{28A0092B-C50C-407E-A947-70E740481C1C}">
+                <a14:useLocalDpi xmlns:a14="http://schemas.microsoft.com/office/drawing/2010/main" val="0"/>
+              </a:ext>
+            </a:extLst>
+          </a:blip>
+          <a:stretch>
+            <a:fillRect/>
+          </a:stretch>
+        </p:blipFill>
+        <p:spPr>
+          <a:xfrm>
+            <a:off x="157325" y="1016834"/>
+            <a:ext cx="8972172" cy="5154892"/>
+          </a:xfrm>
+          <a:prstGeom prst="rect">
+            <a:avLst/>
+          </a:prstGeom>
+        </p:spPr>
+      </p:pic>
+      <p:sp>
+        <p:nvSpPr>
+          <p:cNvPr id="4" name="TextBox 3"/>
+          <p:cNvSpPr txBox="1"/>
+          <p:nvPr/>
+        </p:nvSpPr>
+        <p:spPr>
+          <a:xfrm>
+            <a:off x="6637474" y="6208221"/>
+            <a:ext cx="2492023" cy="307777"/>
+          </a:xfrm>
+          <a:prstGeom prst="rect">
+            <a:avLst/>
+          </a:prstGeom>
+          <a:noFill/>
+        </p:spPr>
+        <p:txBody>
+          <a:bodyPr wrap="square" rtlCol="0">
+            <a:spAutoFit/>
+          </a:bodyPr>
+          <a:lstStyle/>
+          <a:p>
+            <a:r>
+              <a:rPr lang="en-US" sz="1400" dirty="0" err="1" smtClean="0"/>
+              <a:t>Henning&amp;Semenov</a:t>
+            </a:r>
+            <a:r>
+              <a:rPr lang="en-US" sz="1400" dirty="0" smtClean="0"/>
+              <a:t> (2013)</a:t>
+            </a:r>
+            <a:endParaRPr lang="en-US" sz="1400" dirty="0"/>
           </a:p>
         </p:txBody>
       </p:sp>
@@ -17428,6 +17628,13 @@
   <p:clrMapOvr>
     <a:masterClrMapping/>
   </p:clrMapOvr>
+  <p:timing>
+    <p:tnLst>
+      <p:par>
+        <p:cTn xmlns:p14="http://schemas.microsoft.com/office/powerpoint/2010/main" id="1" dur="indefinite" restart="never" nodeType="tmRoot"/>
+      </p:par>
+    </p:tnLst>
+  </p:timing>
 </p:sld>
 </file>
 
@@ -17460,12 +17667,22 @@
         </p:nvSpPr>
         <p:spPr/>
         <p:txBody>
-          <a:bodyPr/>
-          <a:lstStyle/>
-          <a:p>
+          <a:bodyPr>
+            <a:normAutofit fontScale="90000"/>
+          </a:bodyPr>
+          <a:lstStyle/>
+          <a:p>
+            <a:r>
+              <a:rPr lang="en-US" dirty="0" smtClean="0">
+                <a:solidFill>
+                  <a:srgbClr val="FFFF00"/>
+                </a:solidFill>
+              </a:rPr>
+              <a:t>N/O ratios</a:t>
+            </a:r>
             <a:r>
               <a:rPr lang="en-US" dirty="0" smtClean="0"/>
-              <a:t>Nitrogen Abundance</a:t>
+              <a:t> may be used as tracers of disk chemistry</a:t>
             </a:r>
             <a:endParaRPr lang="en-US" dirty="0"/>
           </a:p>
@@ -17484,44 +17701,13 @@
         <p:spPr/>
         <p:txBody>
           <a:bodyPr>
-            <a:normAutofit fontScale="92500" lnSpcReduction="20000"/>
+            <a:normAutofit fontScale="92500"/>
           </a:bodyPr>
           <a:lstStyle/>
           <a:p>
-            <a:r>
-              <a:rPr lang="en-US" dirty="0" smtClean="0">
-                <a:solidFill>
-                  <a:srgbClr val="FFFF00"/>
-                </a:solidFill>
-              </a:rPr>
-              <a:t>Nitrogen</a:t>
-            </a:r>
-            <a:r>
-              <a:rPr lang="en-US" dirty="0" smtClean="0"/>
-              <a:t> is </a:t>
-            </a:r>
-            <a:r>
-              <a:rPr lang="en-US" dirty="0" smtClean="0">
-                <a:solidFill>
-                  <a:srgbClr val="FFFF00"/>
-                </a:solidFill>
-              </a:rPr>
-              <a:t>abundant</a:t>
-            </a:r>
-            <a:r>
-              <a:rPr lang="en-US" dirty="0" smtClean="0"/>
-              <a:t> in the Solar System and in disks, but its </a:t>
-            </a:r>
-            <a:r>
-              <a:rPr lang="en-US" dirty="0" smtClean="0">
-                <a:solidFill>
-                  <a:srgbClr val="FFFF00"/>
-                </a:solidFill>
-              </a:rPr>
-              <a:t>dominant form is largely unknown</a:t>
-            </a:r>
-          </a:p>
-          <a:p>
+            <a:pPr marL="0" indent="0">
+              <a:buNone/>
+            </a:pPr>
             <a:endParaRPr lang="en-US" dirty="0" smtClean="0">
               <a:solidFill>
                 <a:srgbClr val="FFFF00"/>
@@ -17530,8 +17716,24 @@
           </a:p>
           <a:p>
             <a:r>
+              <a:rPr lang="en-US" dirty="0" smtClean="0">
+                <a:solidFill>
+                  <a:srgbClr val="FFFF00"/>
+                </a:solidFill>
+              </a:rPr>
+              <a:t>Nitrogen is </a:t>
+            </a:r>
+            <a:r>
+              <a:rPr lang="en-US" dirty="0"/>
+              <a:t>p</a:t>
+            </a:r>
+            <a:r>
               <a:rPr lang="en-US" dirty="0" smtClean="0"/>
-              <a:t>Primarily found as </a:t>
+              <a:t>rimarily </a:t>
+            </a:r>
+            <a:r>
+              <a:rPr lang="en-US" dirty="0" smtClean="0"/>
+              <a:t>found as </a:t>
             </a:r>
             <a:r>
               <a:rPr lang="en-US" dirty="0" smtClean="0">
@@ -17754,67 +17956,59 @@
         </p:nvSpPr>
         <p:spPr>
           <a:xfrm>
-            <a:off x="457200" y="-133176"/>
+            <a:off x="457200" y="110004"/>
             <a:ext cx="8229600" cy="1143000"/>
           </a:xfrm>
         </p:spPr>
         <p:txBody>
           <a:bodyPr>
-            <a:normAutofit/>
+            <a:noAutofit/>
           </a:bodyPr>
           <a:lstStyle/>
           <a:p>
             <a:r>
-              <a:rPr lang="en-US" sz="3000" dirty="0" smtClean="0">
+              <a:rPr lang="en-US" sz="4000" dirty="0" smtClean="0">
                 <a:solidFill>
                   <a:srgbClr val="FFFF00"/>
                 </a:solidFill>
               </a:rPr>
-              <a:t>Expected abundances</a:t>
-            </a:r>
-            <a:r>
-              <a:rPr lang="en-US" sz="3000" dirty="0" smtClean="0"/>
-              <a:t> of </a:t>
-            </a:r>
-            <a:r>
-              <a:rPr lang="en-US" sz="3000" dirty="0" smtClean="0">
+              <a:t>Nitrogen </a:t>
+            </a:r>
+            <a:r>
+              <a:rPr lang="en-US" sz="4000" dirty="0" smtClean="0"/>
+              <a:t>is</a:t>
+            </a:r>
+            <a:r>
+              <a:rPr lang="en-US" sz="4000" dirty="0" smtClean="0">
                 <a:solidFill>
                   <a:srgbClr val="FFFF00"/>
                 </a:solidFill>
               </a:rPr>
-              <a:t>NH3</a:t>
-            </a:r>
-            <a:r>
-              <a:rPr lang="en-US" sz="3000" dirty="0" smtClean="0"/>
-              <a:t> do not change </a:t>
-            </a:r>
-            <a:r>
-              <a:rPr lang="en-US" sz="3000" dirty="0">
+              <a:t> highly abundant </a:t>
+            </a:r>
+            <a:r>
+              <a:rPr lang="en-US" sz="4000" dirty="0" smtClean="0">
+                <a:solidFill>
+                  <a:srgbClr val="FFFFFF"/>
+                </a:solidFill>
+              </a:rPr>
+              <a:t>compared to </a:t>
+            </a:r>
+            <a:r>
+              <a:rPr lang="en-US" sz="4000" dirty="0" smtClean="0">
                 <a:solidFill>
                   <a:srgbClr val="FFFF00"/>
                 </a:solidFill>
               </a:rPr>
-              <a:t>N</a:t>
-            </a:r>
-            <a:r>
-              <a:rPr lang="en-US" sz="3000" dirty="0" smtClean="0">
-                <a:solidFill>
-                  <a:srgbClr val="FFFF00"/>
-                </a:solidFill>
-              </a:rPr>
-              <a:t>/O</a:t>
-            </a:r>
-            <a:r>
-              <a:rPr lang="en-US" sz="3000" dirty="0" smtClean="0"/>
-              <a:t> results significantly</a:t>
-            </a:r>
-            <a:endParaRPr lang="en-US" sz="3000" dirty="0"/>
+              <a:t>oxygen</a:t>
+            </a:r>
+            <a:endParaRPr lang="en-US" sz="4000" dirty="0"/>
           </a:p>
         </p:txBody>
       </p:sp>
       <p:pic>
         <p:nvPicPr>
-          <p:cNvPr id="4" name="Picture 3" descr="C_O_ratio_CH4_test.pdf"/>
+          <p:cNvPr id="5" name="Picture 4" descr="N_O_ratio_single.pdf"/>
           <p:cNvPicPr>
             <a:picLocks noChangeAspect="1"/>
           </p:cNvPicPr>
@@ -17834,38 +18028,8 @@
         </p:blipFill>
         <p:spPr>
           <a:xfrm>
-            <a:off x="2525890" y="994833"/>
-            <a:ext cx="3748852" cy="5623277"/>
-          </a:xfrm>
-          <a:prstGeom prst="rect">
-            <a:avLst/>
-          </a:prstGeom>
-        </p:spPr>
-      </p:pic>
-      <p:pic>
-        <p:nvPicPr>
-          <p:cNvPr id="3" name="Picture 2" descr="N_O_ratio_test.pdf"/>
-          <p:cNvPicPr>
-            <a:picLocks noChangeAspect="1"/>
-          </p:cNvPicPr>
-          <p:nvPr/>
-        </p:nvPicPr>
-        <p:blipFill>
-          <a:blip r:embed="rId3">
-            <a:extLst>
-              <a:ext uri="{28A0092B-C50C-407E-A947-70E740481C1C}">
-                <a14:useLocalDpi xmlns:a14="http://schemas.microsoft.com/office/drawing/2010/main" val="0"/>
-              </a:ext>
-            </a:extLst>
-          </a:blip>
-          <a:stretch>
-            <a:fillRect/>
-          </a:stretch>
-        </p:blipFill>
-        <p:spPr>
-          <a:xfrm>
-            <a:off x="2574809" y="1095021"/>
-            <a:ext cx="3657600" cy="5486400"/>
+            <a:off x="1041724" y="1391119"/>
+            <a:ext cx="7030442" cy="5272832"/>
           </a:xfrm>
           <a:prstGeom prst="rect">
             <a:avLst/>
@@ -18262,6 +18426,13 @@
   <p:clrMapOvr>
     <a:masterClrMapping/>
   </p:clrMapOvr>
+  <p:timing>
+    <p:tnLst>
+      <p:par>
+        <p:cTn xmlns:p14="http://schemas.microsoft.com/office/powerpoint/2010/main" id="1" dur="indefinite" restart="never" nodeType="tmRoot"/>
+      </p:par>
+    </p:tnLst>
+  </p:timing>
 </p:sld>
 </file>
 

--- a/slides/CIPS_talk.pptx
+++ b/slides/CIPS_talk.pptx
@@ -316,7 +316,7 @@
           <a:p>
             <a:fld id="{7E37B48D-A559-6F41-A85D-9198382D8E74}" type="datetime1">
               <a:rPr lang="en-US" smtClean="0"/>
-              <a:t>9/25/15</a:t>
+              <a:t>9/29/15</a:t>
             </a:fld>
             <a:endParaRPr lang="en-US"/>
           </a:p>
@@ -482,7 +482,7 @@
           <a:p>
             <a:fld id="{A07269D8-8511-224D-9EC2-608B032B74D9}" type="datetime1">
               <a:rPr lang="en-US" smtClean="0"/>
-              <a:t>9/25/15</a:t>
+              <a:t>9/29/15</a:t>
             </a:fld>
             <a:endParaRPr lang="en-US"/>
           </a:p>
@@ -2272,7 +2272,7 @@
           <a:p>
             <a:fld id="{6BFECD78-3C8E-49F2-8FAB-59489D168ABB}" type="datetimeFigureOut">
               <a:rPr lang="en-US" smtClean="0"/>
-              <a:t>9/25/15</a:t>
+              <a:t>9/29/15</a:t>
             </a:fld>
             <a:endParaRPr lang="en-US"/>
           </a:p>
@@ -2442,7 +2442,7 @@
           <a:p>
             <a:fld id="{6BFECD78-3C8E-49F2-8FAB-59489D168ABB}" type="datetimeFigureOut">
               <a:rPr lang="en-US" smtClean="0"/>
-              <a:t>9/25/15</a:t>
+              <a:t>9/29/15</a:t>
             </a:fld>
             <a:endParaRPr lang="en-US"/>
           </a:p>
@@ -2622,7 +2622,7 @@
           <a:p>
             <a:fld id="{6BFECD78-3C8E-49F2-8FAB-59489D168ABB}" type="datetimeFigureOut">
               <a:rPr lang="en-US" smtClean="0"/>
-              <a:t>9/25/15</a:t>
+              <a:t>9/29/15</a:t>
             </a:fld>
             <a:endParaRPr lang="en-US"/>
           </a:p>
@@ -2792,7 +2792,7 @@
           <a:p>
             <a:fld id="{6BFECD78-3C8E-49F2-8FAB-59489D168ABB}" type="datetimeFigureOut">
               <a:rPr lang="en-US" smtClean="0"/>
-              <a:t>9/25/15</a:t>
+              <a:t>9/29/15</a:t>
             </a:fld>
             <a:endParaRPr lang="en-US"/>
           </a:p>
@@ -3038,7 +3038,7 @@
           <a:p>
             <a:fld id="{6BFECD78-3C8E-49F2-8FAB-59489D168ABB}" type="datetimeFigureOut">
               <a:rPr lang="en-US" smtClean="0"/>
-              <a:t>9/25/15</a:t>
+              <a:t>9/29/15</a:t>
             </a:fld>
             <a:endParaRPr lang="en-US"/>
           </a:p>
@@ -3326,7 +3326,7 @@
           <a:p>
             <a:fld id="{6BFECD78-3C8E-49F2-8FAB-59489D168ABB}" type="datetimeFigureOut">
               <a:rPr lang="en-US" smtClean="0"/>
-              <a:t>9/25/15</a:t>
+              <a:t>9/29/15</a:t>
             </a:fld>
             <a:endParaRPr lang="en-US"/>
           </a:p>
@@ -3748,7 +3748,7 @@
           <a:p>
             <a:fld id="{6BFECD78-3C8E-49F2-8FAB-59489D168ABB}" type="datetimeFigureOut">
               <a:rPr lang="en-US" smtClean="0"/>
-              <a:t>9/25/15</a:t>
+              <a:t>9/29/15</a:t>
             </a:fld>
             <a:endParaRPr lang="en-US"/>
           </a:p>
@@ -3866,7 +3866,7 @@
           <a:p>
             <a:fld id="{6BFECD78-3C8E-49F2-8FAB-59489D168ABB}" type="datetimeFigureOut">
               <a:rPr lang="en-US" smtClean="0"/>
-              <a:t>9/25/15</a:t>
+              <a:t>9/29/15</a:t>
             </a:fld>
             <a:endParaRPr lang="en-US"/>
           </a:p>
@@ -3961,7 +3961,7 @@
           <a:p>
             <a:fld id="{6BFECD78-3C8E-49F2-8FAB-59489D168ABB}" type="datetimeFigureOut">
               <a:rPr lang="en-US" smtClean="0"/>
-              <a:t>9/25/15</a:t>
+              <a:t>9/29/15</a:t>
             </a:fld>
             <a:endParaRPr lang="en-US"/>
           </a:p>
@@ -4238,7 +4238,7 @@
           <a:p>
             <a:fld id="{6BFECD78-3C8E-49F2-8FAB-59489D168ABB}" type="datetimeFigureOut">
               <a:rPr lang="en-US" smtClean="0"/>
-              <a:t>9/25/15</a:t>
+              <a:t>9/29/15</a:t>
             </a:fld>
             <a:endParaRPr lang="en-US"/>
           </a:p>
@@ -4495,7 +4495,7 @@
           <a:p>
             <a:fld id="{6BFECD78-3C8E-49F2-8FAB-59489D168ABB}" type="datetimeFigureOut">
               <a:rPr lang="en-US" smtClean="0"/>
-              <a:t>9/25/15</a:t>
+              <a:t>9/29/15</a:t>
             </a:fld>
             <a:endParaRPr lang="en-US"/>
           </a:p>
@@ -4708,7 +4708,7 @@
           <a:p>
             <a:fld id="{6BFECD78-3C8E-49F2-8FAB-59489D168ABB}" type="datetimeFigureOut">
               <a:rPr lang="en-US" smtClean="0"/>
-              <a:t>9/25/15</a:t>
+              <a:t>9/29/15</a:t>
             </a:fld>
             <a:endParaRPr lang="en-US"/>
           </a:p>
@@ -5145,7 +5145,7 @@
         <p:spPr>
           <a:xfrm>
             <a:off x="235165" y="2774169"/>
-            <a:ext cx="8481619" cy="1476329"/>
+            <a:ext cx="8908835" cy="1476329"/>
           </a:xfrm>
         </p:spPr>
         <p:txBody>
@@ -5155,15 +5155,84 @@
           <a:lstStyle/>
           <a:p>
             <a:r>
-              <a:rPr lang="en-US" sz="3000" dirty="0" smtClean="0"/>
-              <a:t>Ana-Maria Piso </a:t>
-            </a:r>
-          </a:p>
-          <a:p>
-            <a:r>
-              <a:rPr lang="en-US" sz="2000" dirty="0"/>
-              <a:t>Harvard-Smithsonian Center for Astrophysics</a:t>
-            </a:r>
+              <a:rPr lang="en-US" sz="3400" u="sng" dirty="0" smtClean="0"/>
+              <a:t>Ana-Maria Piso</a:t>
+            </a:r>
+            <a:r>
+              <a:rPr lang="en-US" sz="3400" u="sng" baseline="30000" dirty="0" smtClean="0"/>
+              <a:t>1</a:t>
+            </a:r>
+            <a:r>
+              <a:rPr lang="en-US" sz="3400" u="sng" dirty="0" smtClean="0"/>
+              <a:t> </a:t>
+            </a:r>
+          </a:p>
+          <a:p>
+            <a:pPr algn="l"/>
+            <a:r>
+              <a:rPr lang="en-US" sz="2600" dirty="0" smtClean="0"/>
+              <a:t>Karin Öberg</a:t>
+            </a:r>
+            <a:r>
+              <a:rPr lang="en-US" sz="2600" baseline="30000" dirty="0" smtClean="0"/>
+              <a:t>1</a:t>
+            </a:r>
+            <a:r>
+              <a:rPr lang="en-US" sz="2600" dirty="0" smtClean="0"/>
+              <a:t>, </a:t>
+            </a:r>
+            <a:r>
+              <a:rPr lang="en-US" sz="2600" dirty="0"/>
+              <a:t>Ruth Murray-</a:t>
+            </a:r>
+            <a:r>
+              <a:rPr lang="en-US" sz="2600" dirty="0" smtClean="0"/>
+              <a:t>Clay</a:t>
+            </a:r>
+            <a:r>
+              <a:rPr lang="en-US" sz="2600" baseline="30000" dirty="0" smtClean="0"/>
+              <a:t>2</a:t>
+            </a:r>
+            <a:r>
+              <a:rPr lang="en-US" sz="2600" dirty="0" smtClean="0"/>
+              <a:t>, </a:t>
+            </a:r>
+            <a:r>
+              <a:rPr lang="en-US" sz="2600" dirty="0"/>
+              <a:t>Andrew </a:t>
+            </a:r>
+            <a:r>
+              <a:rPr lang="en-US" sz="2600" dirty="0" smtClean="0"/>
+              <a:t>Youdin</a:t>
+            </a:r>
+            <a:r>
+              <a:rPr lang="en-US" sz="2600" baseline="30000" dirty="0" smtClean="0"/>
+              <a:t>3</a:t>
+            </a:r>
+            <a:r>
+              <a:rPr lang="en-US" sz="2600" dirty="0" smtClean="0"/>
+              <a:t>, </a:t>
+            </a:r>
+            <a:r>
+              <a:rPr lang="en-US" sz="2600" dirty="0" err="1"/>
+              <a:t>Til</a:t>
+            </a:r>
+            <a:r>
+              <a:rPr lang="en-US" sz="2600" dirty="0"/>
+              <a:t> </a:t>
+            </a:r>
+            <a:r>
+              <a:rPr lang="en-US" sz="2600" dirty="0" smtClean="0"/>
+              <a:t>Birnstiel</a:t>
+            </a:r>
+            <a:r>
+              <a:rPr lang="en-US" sz="2600" baseline="30000" dirty="0" smtClean="0"/>
+              <a:t>1</a:t>
+            </a:r>
+            <a:endParaRPr lang="en-US" sz="2600" dirty="0"/>
+          </a:p>
+          <a:p>
+            <a:endParaRPr lang="en-US" sz="3000" u="sng" dirty="0" smtClean="0"/>
           </a:p>
           <a:p>
             <a:endParaRPr lang="en-US" sz="3000" dirty="0" smtClean="0"/>
@@ -5178,8 +5247,8 @@
         </p:nvSpPr>
         <p:spPr>
           <a:xfrm>
-            <a:off x="2715839" y="5214851"/>
-            <a:ext cx="3708294" cy="369332"/>
+            <a:off x="2106706" y="4739521"/>
+            <a:ext cx="4781176" cy="430887"/>
           </a:xfrm>
           <a:prstGeom prst="rect">
             <a:avLst/>
@@ -5192,40 +5261,41 @@
           </a:bodyPr>
           <a:lstStyle/>
           <a:p>
-            <a:r>
-              <a:rPr lang="en-US" dirty="0" smtClean="0"/>
+            <a:pPr algn="ctr"/>
+            <a:r>
+              <a:rPr lang="en-US" sz="2200" dirty="0" smtClean="0"/>
               <a:t>CIPS Seminar</a:t>
             </a:r>
             <a:r>
-              <a:rPr lang="en-US" dirty="0"/>
+              <a:rPr lang="en-US" sz="2200" dirty="0"/>
               <a:t>:</a:t>
             </a:r>
             <a:r>
-              <a:rPr lang="en-US" dirty="0" smtClean="0"/>
+              <a:rPr lang="en-US" sz="2200" dirty="0" smtClean="0"/>
               <a:t> September 30</a:t>
             </a:r>
             <a:r>
-              <a:rPr lang="en-US" baseline="30000" dirty="0" smtClean="0"/>
+              <a:rPr lang="en-US" sz="2200" baseline="30000" dirty="0" smtClean="0"/>
               <a:t>th</a:t>
             </a:r>
             <a:r>
-              <a:rPr lang="en-US" dirty="0" smtClean="0"/>
+              <a:rPr lang="en-US" sz="2200" dirty="0" smtClean="0"/>
               <a:t> , 2015 </a:t>
             </a:r>
-            <a:endParaRPr lang="en-US" dirty="0"/>
-          </a:p>
-        </p:txBody>
-      </p:sp>
-      <p:sp>
-        <p:nvSpPr>
-          <p:cNvPr id="4" name="TextBox 3"/>
+            <a:endParaRPr lang="en-US" sz="2200" dirty="0"/>
+          </a:p>
+        </p:txBody>
+      </p:sp>
+      <p:sp>
+        <p:nvSpPr>
+          <p:cNvPr id="5" name="TextBox 4"/>
           <p:cNvSpPr txBox="1"/>
           <p:nvPr/>
         </p:nvSpPr>
         <p:spPr>
           <a:xfrm>
-            <a:off x="235165" y="4232426"/>
-            <a:ext cx="8614957" cy="430887"/>
+            <a:off x="2106706" y="5812117"/>
+            <a:ext cx="4900706" cy="923330"/>
           </a:xfrm>
           <a:prstGeom prst="rect">
             <a:avLst/>
@@ -5240,38 +5310,44 @@
           <a:p>
             <a:pPr algn="ctr"/>
             <a:r>
-              <a:rPr lang="en-US" sz="2200" dirty="0" smtClean="0"/>
-              <a:t>Collaborators: Karin </a:t>
-            </a:r>
-            <a:r>
-              <a:rPr lang="en-US" sz="2200" dirty="0" err="1" smtClean="0"/>
-              <a:t>Öberg</a:t>
-            </a:r>
-            <a:r>
-              <a:rPr lang="en-US" sz="2200" dirty="0" smtClean="0"/>
-              <a:t>, Ruth Murray-Clay, Andrew </a:t>
-            </a:r>
-            <a:r>
-              <a:rPr lang="en-US" sz="2200" dirty="0" err="1" smtClean="0"/>
-              <a:t>Youdin</a:t>
-            </a:r>
-            <a:r>
-              <a:rPr lang="en-US" sz="2200" dirty="0" smtClean="0"/>
-              <a:t>, </a:t>
-            </a:r>
-            <a:r>
-              <a:rPr lang="en-US" sz="2200" dirty="0" err="1" smtClean="0"/>
-              <a:t>Til</a:t>
-            </a:r>
-            <a:r>
-              <a:rPr lang="en-US" sz="2200" dirty="0" smtClean="0"/>
-              <a:t> </a:t>
-            </a:r>
-            <a:r>
-              <a:rPr lang="en-US" sz="2200" dirty="0" err="1" smtClean="0"/>
-              <a:t>Birnstiel</a:t>
-            </a:r>
-            <a:endParaRPr lang="en-US" sz="2200" dirty="0"/>
+              <a:rPr lang="en-US" baseline="30000" dirty="0" smtClean="0"/>
+              <a:t>1</a:t>
+            </a:r>
+            <a:r>
+              <a:rPr lang="en-US" dirty="0" smtClean="0"/>
+              <a:t>Harvard</a:t>
+            </a:r>
+            <a:r>
+              <a:rPr lang="en-US" dirty="0"/>
+              <a:t>-Smithsonian Center for </a:t>
+            </a:r>
+            <a:r>
+              <a:rPr lang="en-US" dirty="0" smtClean="0"/>
+              <a:t>Astrophysics</a:t>
+            </a:r>
+          </a:p>
+          <a:p>
+            <a:pPr algn="ctr"/>
+            <a:r>
+              <a:rPr lang="en-US" baseline="30000" dirty="0" smtClean="0"/>
+              <a:t>2</a:t>
+            </a:r>
+            <a:r>
+              <a:rPr lang="en-US" dirty="0" smtClean="0"/>
+              <a:t>University of California Santa Barbara</a:t>
+            </a:r>
+          </a:p>
+          <a:p>
+            <a:pPr algn="ctr"/>
+            <a:r>
+              <a:rPr lang="en-US" baseline="30000" dirty="0" smtClean="0"/>
+              <a:t>3</a:t>
+            </a:r>
+            <a:r>
+              <a:rPr lang="en-US" dirty="0" smtClean="0"/>
+              <a:t>Steward Observatory, University of Arizona</a:t>
+            </a:r>
+            <a:endParaRPr lang="en-US" baseline="30000" dirty="0"/>
           </a:p>
         </p:txBody>
       </p:sp>
@@ -15756,6 +15832,135 @@
           </a:p>
         </p:txBody>
       </p:sp>
+      <p:cxnSp>
+        <p:nvCxnSpPr>
+          <p:cNvPr id="3" name="Straight Arrow Connector 2"/>
+          <p:cNvCxnSpPr/>
+          <p:nvPr/>
+        </p:nvCxnSpPr>
+        <p:spPr>
+          <a:xfrm>
+            <a:off x="6335059" y="3810000"/>
+            <a:ext cx="702236" cy="0"/>
+          </a:xfrm>
+          <a:prstGeom prst="straightConnector1">
+            <a:avLst/>
+          </a:prstGeom>
+          <a:ln w="50800">
+            <a:solidFill>
+              <a:srgbClr val="3366FF"/>
+            </a:solidFill>
+            <a:tailEnd type="arrow"/>
+          </a:ln>
+          <a:effectLst/>
+          <a:scene3d>
+            <a:camera prst="orthographicFront">
+              <a:rot lat="0" lon="0" rev="0"/>
+            </a:camera>
+            <a:lightRig rig="threePt" dir="t"/>
+          </a:scene3d>
+        </p:spPr>
+        <p:style>
+          <a:lnRef idx="2">
+            <a:schemeClr val="accent1"/>
+          </a:lnRef>
+          <a:fillRef idx="0">
+            <a:schemeClr val="accent1"/>
+          </a:fillRef>
+          <a:effectRef idx="1">
+            <a:schemeClr val="accent1"/>
+          </a:effectRef>
+          <a:fontRef idx="minor">
+            <a:schemeClr val="tx1"/>
+          </a:fontRef>
+        </p:style>
+      </p:cxnSp>
+      <p:cxnSp>
+        <p:nvCxnSpPr>
+          <p:cNvPr id="9" name="Straight Arrow Connector 8"/>
+          <p:cNvCxnSpPr/>
+          <p:nvPr/>
+        </p:nvCxnSpPr>
+        <p:spPr>
+          <a:xfrm>
+            <a:off x="4230977" y="1947116"/>
+            <a:ext cx="702236" cy="0"/>
+          </a:xfrm>
+          <a:prstGeom prst="straightConnector1">
+            <a:avLst/>
+          </a:prstGeom>
+          <a:ln w="50800">
+            <a:solidFill>
+              <a:srgbClr val="3366FF"/>
+            </a:solidFill>
+            <a:tailEnd type="arrow"/>
+          </a:ln>
+          <a:effectLst/>
+          <a:scene3d>
+            <a:camera prst="orthographicFront">
+              <a:rot lat="0" lon="0" rev="0"/>
+            </a:camera>
+            <a:lightRig rig="threePt" dir="t"/>
+          </a:scene3d>
+        </p:spPr>
+        <p:style>
+          <a:lnRef idx="2">
+            <a:schemeClr val="accent1"/>
+          </a:lnRef>
+          <a:fillRef idx="0">
+            <a:schemeClr val="accent1"/>
+          </a:fillRef>
+          <a:effectRef idx="1">
+            <a:schemeClr val="accent1"/>
+          </a:effectRef>
+          <a:fontRef idx="minor">
+            <a:schemeClr val="tx1"/>
+          </a:fontRef>
+        </p:style>
+      </p:cxnSp>
+      <p:cxnSp>
+        <p:nvCxnSpPr>
+          <p:cNvPr id="10" name="Straight Arrow Connector 9"/>
+          <p:cNvCxnSpPr/>
+          <p:nvPr/>
+        </p:nvCxnSpPr>
+        <p:spPr>
+          <a:xfrm>
+            <a:off x="1607161" y="2692351"/>
+            <a:ext cx="702236" cy="0"/>
+          </a:xfrm>
+          <a:prstGeom prst="straightConnector1">
+            <a:avLst/>
+          </a:prstGeom>
+          <a:ln w="50800">
+            <a:solidFill>
+              <a:srgbClr val="3366FF"/>
+            </a:solidFill>
+            <a:tailEnd type="arrow"/>
+          </a:ln>
+          <a:effectLst/>
+          <a:scene3d>
+            <a:camera prst="orthographicFront">
+              <a:rot lat="0" lon="0" rev="0"/>
+            </a:camera>
+            <a:lightRig rig="threePt" dir="t"/>
+          </a:scene3d>
+        </p:spPr>
+        <p:style>
+          <a:lnRef idx="2">
+            <a:schemeClr val="accent1"/>
+          </a:lnRef>
+          <a:fillRef idx="0">
+            <a:schemeClr val="accent1"/>
+          </a:fillRef>
+          <a:effectRef idx="1">
+            <a:schemeClr val="accent1"/>
+          </a:effectRef>
+          <a:fontRef idx="minor">
+            <a:schemeClr val="tx1"/>
+          </a:fontRef>
+        </p:style>
+      </p:cxnSp>
     </p:spTree>
     <p:extLst>
       <p:ext uri="{BB962C8B-B14F-4D97-AF65-F5344CB8AC3E}">
@@ -17123,6 +17328,52 @@
           </a:p>
         </p:txBody>
       </p:sp>
+      <p:cxnSp>
+        <p:nvCxnSpPr>
+          <p:cNvPr id="6" name="Straight Connector 5"/>
+          <p:cNvCxnSpPr/>
+          <p:nvPr/>
+        </p:nvCxnSpPr>
+        <p:spPr>
+          <a:xfrm flipV="1">
+            <a:off x="5144100" y="2297619"/>
+            <a:ext cx="0" cy="3024675"/>
+          </a:xfrm>
+          <a:prstGeom prst="line">
+            <a:avLst/>
+          </a:prstGeom>
+          <a:ln w="12700">
+            <a:solidFill>
+              <a:schemeClr val="bg1">
+                <a:lumMod val="75000"/>
+                <a:lumOff val="25000"/>
+              </a:schemeClr>
+            </a:solidFill>
+            <a:prstDash val="sysDash"/>
+          </a:ln>
+          <a:effectLst/>
+          <a:scene3d>
+            <a:camera prst="orthographicFront">
+              <a:rot lat="0" lon="0" rev="0"/>
+            </a:camera>
+            <a:lightRig rig="threePt" dir="t"/>
+          </a:scene3d>
+        </p:spPr>
+        <p:style>
+          <a:lnRef idx="2">
+            <a:schemeClr val="accent1"/>
+          </a:lnRef>
+          <a:fillRef idx="0">
+            <a:schemeClr val="accent1"/>
+          </a:fillRef>
+          <a:effectRef idx="1">
+            <a:schemeClr val="accent1"/>
+          </a:effectRef>
+          <a:fontRef idx="minor">
+            <a:schemeClr val="tx1"/>
+          </a:fontRef>
+        </p:style>
+      </p:cxnSp>
     </p:spTree>
     <p:extLst>
       <p:ext uri="{BB962C8B-B14F-4D97-AF65-F5344CB8AC3E}">
@@ -17729,11 +17980,7 @@
             </a:r>
             <a:r>
               <a:rPr lang="en-US" dirty="0" smtClean="0"/>
-              <a:t>rimarily </a:t>
-            </a:r>
-            <a:r>
-              <a:rPr lang="en-US" dirty="0" smtClean="0"/>
-              <a:t>found as </a:t>
+              <a:t>rimarily found as </a:t>
             </a:r>
             <a:r>
               <a:rPr lang="en-US" dirty="0" smtClean="0">
@@ -17976,7 +18223,7 @@
             </a:r>
             <a:r>
               <a:rPr lang="en-US" sz="4000" dirty="0" smtClean="0"/>
-              <a:t>is</a:t>
+              <a:t>gas is</a:t>
             </a:r>
             <a:r>
               <a:rPr lang="en-US" sz="4000" dirty="0" smtClean="0">
@@ -18000,9 +18247,21 @@
                   <a:srgbClr val="FFFF00"/>
                 </a:solidFill>
               </a:rPr>
-              <a:t>oxygen</a:t>
-            </a:r>
-            <a:endParaRPr lang="en-US" sz="4000" dirty="0"/>
+              <a:t>oxygen </a:t>
+            </a:r>
+            <a:r>
+              <a:rPr lang="en-US" sz="4000" dirty="0" smtClean="0">
+                <a:solidFill>
+                  <a:srgbClr val="FFFFFF"/>
+                </a:solidFill>
+              </a:rPr>
+              <a:t>gas</a:t>
+            </a:r>
+            <a:endParaRPr lang="en-US" sz="4000" dirty="0">
+              <a:solidFill>
+                <a:srgbClr val="FFFFFF"/>
+              </a:solidFill>
+            </a:endParaRPr>
           </a:p>
         </p:txBody>
       </p:sp>
@@ -18164,9 +18423,114 @@
           <a:chExt cx="0" cy="0"/>
         </a:xfrm>
       </p:grpSpPr>
+      <p:sp>
+        <p:nvSpPr>
+          <p:cNvPr id="2" name="TextBox 1"/>
+          <p:cNvSpPr txBox="1"/>
+          <p:nvPr/>
+        </p:nvSpPr>
+        <p:spPr>
+          <a:xfrm>
+            <a:off x="1792110" y="123488"/>
+            <a:ext cx="6209189" cy="1015663"/>
+          </a:xfrm>
+          <a:prstGeom prst="rect">
+            <a:avLst/>
+          </a:prstGeom>
+          <a:noFill/>
+        </p:spPr>
+        <p:txBody>
+          <a:bodyPr wrap="square" rtlCol="0">
+            <a:spAutoFit/>
+          </a:bodyPr>
+          <a:lstStyle/>
+          <a:p>
+            <a:pPr algn="ctr"/>
+            <a:r>
+              <a:rPr lang="en-US" sz="3000" dirty="0" smtClean="0"/>
+              <a:t>Additional </a:t>
+            </a:r>
+            <a:r>
+              <a:rPr lang="en-US" sz="3000" dirty="0" smtClean="0">
+                <a:solidFill>
+                  <a:srgbClr val="FFFF00"/>
+                </a:solidFill>
+              </a:rPr>
+              <a:t>chemical</a:t>
+            </a:r>
+            <a:r>
+              <a:rPr lang="en-US" sz="3000" dirty="0" smtClean="0"/>
+              <a:t> and </a:t>
+            </a:r>
+            <a:r>
+              <a:rPr lang="en-US" sz="3000" dirty="0" smtClean="0">
+                <a:solidFill>
+                  <a:srgbClr val="FFFF00"/>
+                </a:solidFill>
+              </a:rPr>
+              <a:t>dynamical</a:t>
+            </a:r>
+            <a:r>
+              <a:rPr lang="en-US" sz="3000" dirty="0" smtClean="0"/>
+              <a:t> processes to be </a:t>
+            </a:r>
+            <a:r>
+              <a:rPr lang="en-US" sz="3000" dirty="0" smtClean="0">
+                <a:solidFill>
+                  <a:srgbClr val="FFFF00"/>
+                </a:solidFill>
+              </a:rPr>
+              <a:t>explored</a:t>
+            </a:r>
+            <a:endParaRPr lang="en-US" sz="3000" dirty="0">
+              <a:solidFill>
+                <a:srgbClr val="FFFF00"/>
+              </a:solidFill>
+            </a:endParaRPr>
+          </a:p>
+        </p:txBody>
+      </p:sp>
+      <p:sp>
+        <p:nvSpPr>
+          <p:cNvPr id="4" name="TextBox 3"/>
+          <p:cNvSpPr txBox="1"/>
+          <p:nvPr/>
+        </p:nvSpPr>
+        <p:spPr>
+          <a:xfrm>
+            <a:off x="6979385" y="6469371"/>
+            <a:ext cx="1106311" cy="307777"/>
+          </a:xfrm>
+          <a:prstGeom prst="rect">
+            <a:avLst/>
+          </a:prstGeom>
+          <a:noFill/>
+        </p:spPr>
+        <p:txBody>
+          <a:bodyPr wrap="square" rtlCol="0">
+            <a:spAutoFit/>
+          </a:bodyPr>
+          <a:lstStyle/>
+          <a:p>
+            <a:r>
+              <a:rPr lang="en-US" sz="1400" dirty="0" smtClean="0">
+                <a:solidFill>
+                  <a:schemeClr val="bg1"/>
+                </a:solidFill>
+              </a:rPr>
+              <a:t>Piso+15</a:t>
+            </a:r>
+            <a:endParaRPr lang="en-US" sz="1400" dirty="0">
+              <a:solidFill>
+                <a:schemeClr val="bg1"/>
+              </a:solidFill>
+            </a:endParaRPr>
+          </a:p>
+        </p:txBody>
+      </p:sp>
       <p:pic>
         <p:nvPicPr>
-          <p:cNvPr id="5" name="Picture 4" descr="Screen Shot 2015-08-31 at 2.27.35 PM.png"/>
+          <p:cNvPr id="3" name="Picture 2" descr="paper_table.png"/>
           <p:cNvPicPr>
             <a:picLocks noChangeAspect="1"/>
           </p:cNvPicPr>
@@ -18186,8 +18550,8 @@
         </p:blipFill>
         <p:spPr>
           <a:xfrm>
-            <a:off x="2257887" y="1259419"/>
-            <a:ext cx="5397972" cy="5478673"/>
+            <a:off x="1181643" y="1186190"/>
+            <a:ext cx="6829650" cy="5269067"/>
           </a:xfrm>
           <a:prstGeom prst="rect">
             <a:avLst/>
@@ -18196,106 +18560,398 @@
       </p:pic>
       <p:sp>
         <p:nvSpPr>
-          <p:cNvPr id="2" name="TextBox 1"/>
-          <p:cNvSpPr txBox="1"/>
+          <p:cNvPr id="5" name="Rectangle 4"/>
+          <p:cNvSpPr/>
           <p:nvPr/>
         </p:nvSpPr>
         <p:spPr>
           <a:xfrm>
-            <a:off x="1792110" y="123488"/>
-            <a:ext cx="6209189" cy="1015663"/>
+            <a:off x="6772753" y="1924484"/>
+            <a:ext cx="206632" cy="160944"/>
+          </a:xfrm>
+          <a:prstGeom prst="rect">
+            <a:avLst/>
+          </a:prstGeom>
+          <a:solidFill>
+            <a:schemeClr val="tx1"/>
+          </a:solidFill>
+          <a:ln>
+            <a:noFill/>
+          </a:ln>
+          <a:effectLst/>
+        </p:spPr>
+        <p:style>
+          <a:lnRef idx="1">
+            <a:schemeClr val="accent1"/>
+          </a:lnRef>
+          <a:fillRef idx="3">
+            <a:schemeClr val="accent1"/>
+          </a:fillRef>
+          <a:effectRef idx="2">
+            <a:schemeClr val="accent1"/>
+          </a:effectRef>
+          <a:fontRef idx="minor">
+            <a:schemeClr val="lt1"/>
+          </a:fontRef>
+        </p:style>
+        <p:txBody>
+          <a:bodyPr rtlCol="0" anchor="ctr"/>
+          <a:lstStyle/>
+          <a:p>
+            <a:pPr algn="ctr"/>
+            <a:endParaRPr lang="en-US"/>
+          </a:p>
+        </p:txBody>
+      </p:sp>
+      <p:sp>
+        <p:nvSpPr>
+          <p:cNvPr id="6" name="Rectangle 5"/>
+          <p:cNvSpPr/>
+          <p:nvPr/>
+        </p:nvSpPr>
+        <p:spPr>
+          <a:xfrm>
+            <a:off x="6772753" y="2290714"/>
+            <a:ext cx="206632" cy="160944"/>
+          </a:xfrm>
+          <a:prstGeom prst="rect">
+            <a:avLst/>
+          </a:prstGeom>
+          <a:solidFill>
+            <a:schemeClr val="tx1"/>
+          </a:solidFill>
+          <a:ln>
+            <a:noFill/>
+          </a:ln>
+          <a:effectLst/>
+        </p:spPr>
+        <p:style>
+          <a:lnRef idx="1">
+            <a:schemeClr val="accent1"/>
+          </a:lnRef>
+          <a:fillRef idx="3">
+            <a:schemeClr val="accent1"/>
+          </a:fillRef>
+          <a:effectRef idx="2">
+            <a:schemeClr val="accent1"/>
+          </a:effectRef>
+          <a:fontRef idx="minor">
+            <a:schemeClr val="lt1"/>
+          </a:fontRef>
+        </p:style>
+        <p:txBody>
+          <a:bodyPr rtlCol="0" anchor="ctr"/>
+          <a:lstStyle/>
+          <a:p>
+            <a:pPr algn="ctr"/>
+            <a:endParaRPr lang="en-US"/>
+          </a:p>
+        </p:txBody>
+      </p:sp>
+      <p:grpSp>
+        <p:nvGrpSpPr>
+          <p:cNvPr id="11" name="Group 10"/>
+          <p:cNvGrpSpPr/>
+          <p:nvPr/>
+        </p:nvGrpSpPr>
+        <p:grpSpPr>
+          <a:xfrm>
+            <a:off x="7566516" y="1917350"/>
+            <a:ext cx="379693" cy="325030"/>
+            <a:chOff x="7566516" y="1917350"/>
+            <a:chExt cx="379693" cy="325030"/>
+          </a:xfrm>
+          <a:effectLst/>
+        </p:grpSpPr>
+        <p:cxnSp>
+          <p:nvCxnSpPr>
+            <p:cNvPr id="8" name="Straight Connector 7"/>
+            <p:cNvCxnSpPr/>
+            <p:nvPr/>
+          </p:nvCxnSpPr>
+          <p:spPr>
+            <a:xfrm>
+              <a:off x="7566516" y="2037094"/>
+              <a:ext cx="175652" cy="205286"/>
+            </a:xfrm>
+            <a:prstGeom prst="line">
+              <a:avLst/>
+            </a:prstGeom>
+            <a:ln>
+              <a:solidFill>
+                <a:srgbClr val="008000"/>
+              </a:solidFill>
+            </a:ln>
+          </p:spPr>
+          <p:style>
+            <a:lnRef idx="2">
+              <a:schemeClr val="accent1"/>
+            </a:lnRef>
+            <a:fillRef idx="0">
+              <a:schemeClr val="accent1"/>
+            </a:fillRef>
+            <a:effectRef idx="1">
+              <a:schemeClr val="accent1"/>
+            </a:effectRef>
+            <a:fontRef idx="minor">
+              <a:schemeClr val="tx1"/>
+            </a:fontRef>
+          </p:style>
+        </p:cxnSp>
+        <p:cxnSp>
+          <p:nvCxnSpPr>
+            <p:cNvPr id="10" name="Straight Connector 9"/>
+            <p:cNvCxnSpPr/>
+            <p:nvPr/>
+          </p:nvCxnSpPr>
+          <p:spPr>
+            <a:xfrm flipV="1">
+              <a:off x="7738601" y="1917350"/>
+              <a:ext cx="207608" cy="317896"/>
+            </a:xfrm>
+            <a:prstGeom prst="line">
+              <a:avLst/>
+            </a:prstGeom>
+            <a:ln>
+              <a:solidFill>
+                <a:srgbClr val="008000"/>
+              </a:solidFill>
+            </a:ln>
+          </p:spPr>
+          <p:style>
+            <a:lnRef idx="2">
+              <a:schemeClr val="accent1"/>
+            </a:lnRef>
+            <a:fillRef idx="0">
+              <a:schemeClr val="accent1"/>
+            </a:fillRef>
+            <a:effectRef idx="1">
+              <a:schemeClr val="accent1"/>
+            </a:effectRef>
+            <a:fontRef idx="minor">
+              <a:schemeClr val="tx1"/>
+            </a:fontRef>
+          </p:style>
+        </p:cxnSp>
+      </p:grpSp>
+      <p:grpSp>
+        <p:nvGrpSpPr>
+          <p:cNvPr id="12" name="Group 11"/>
+          <p:cNvGrpSpPr/>
+          <p:nvPr/>
+        </p:nvGrpSpPr>
+        <p:grpSpPr>
+          <a:xfrm>
+            <a:off x="7566516" y="2290714"/>
+            <a:ext cx="379693" cy="325030"/>
+            <a:chOff x="7566516" y="1917350"/>
+            <a:chExt cx="379693" cy="325030"/>
+          </a:xfrm>
+          <a:effectLst/>
+        </p:grpSpPr>
+        <p:cxnSp>
+          <p:nvCxnSpPr>
+            <p:cNvPr id="13" name="Straight Connector 12"/>
+            <p:cNvCxnSpPr/>
+            <p:nvPr/>
+          </p:nvCxnSpPr>
+          <p:spPr>
+            <a:xfrm>
+              <a:off x="7566516" y="2037094"/>
+              <a:ext cx="175652" cy="205286"/>
+            </a:xfrm>
+            <a:prstGeom prst="line">
+              <a:avLst/>
+            </a:prstGeom>
+            <a:ln>
+              <a:solidFill>
+                <a:srgbClr val="008000"/>
+              </a:solidFill>
+            </a:ln>
+          </p:spPr>
+          <p:style>
+            <a:lnRef idx="2">
+              <a:schemeClr val="accent1"/>
+            </a:lnRef>
+            <a:fillRef idx="0">
+              <a:schemeClr val="accent1"/>
+            </a:fillRef>
+            <a:effectRef idx="1">
+              <a:schemeClr val="accent1"/>
+            </a:effectRef>
+            <a:fontRef idx="minor">
+              <a:schemeClr val="tx1"/>
+            </a:fontRef>
+          </p:style>
+        </p:cxnSp>
+        <p:cxnSp>
+          <p:nvCxnSpPr>
+            <p:cNvPr id="14" name="Straight Connector 13"/>
+            <p:cNvCxnSpPr/>
+            <p:nvPr/>
+          </p:nvCxnSpPr>
+          <p:spPr>
+            <a:xfrm flipV="1">
+              <a:off x="7738601" y="1917350"/>
+              <a:ext cx="207608" cy="317896"/>
+            </a:xfrm>
+            <a:prstGeom prst="line">
+              <a:avLst/>
+            </a:prstGeom>
+            <a:ln>
+              <a:solidFill>
+                <a:srgbClr val="008000"/>
+              </a:solidFill>
+            </a:ln>
+          </p:spPr>
+          <p:style>
+            <a:lnRef idx="2">
+              <a:schemeClr val="accent1"/>
+            </a:lnRef>
+            <a:fillRef idx="0">
+              <a:schemeClr val="accent1"/>
+            </a:fillRef>
+            <a:effectRef idx="1">
+              <a:schemeClr val="accent1"/>
+            </a:effectRef>
+            <a:fontRef idx="minor">
+              <a:schemeClr val="tx1"/>
+            </a:fontRef>
+          </p:style>
+        </p:cxnSp>
+      </p:grpSp>
+      <p:sp>
+        <p:nvSpPr>
+          <p:cNvPr id="15" name="Rectangle 14"/>
+          <p:cNvSpPr/>
+          <p:nvPr/>
+        </p:nvSpPr>
+        <p:spPr>
+          <a:xfrm>
+            <a:off x="1792110" y="3012724"/>
+            <a:ext cx="5774406" cy="486359"/>
           </a:xfrm>
           <a:prstGeom prst="rect">
             <a:avLst/>
           </a:prstGeom>
           <a:noFill/>
-        </p:spPr>
-        <p:txBody>
-          <a:bodyPr wrap="square" rtlCol="0">
-            <a:spAutoFit/>
-          </a:bodyPr>
+          <a:ln w="25400">
+            <a:solidFill>
+              <a:srgbClr val="FF0000"/>
+            </a:solidFill>
+          </a:ln>
+          <a:effectLst/>
+        </p:spPr>
+        <p:style>
+          <a:lnRef idx="1">
+            <a:schemeClr val="accent1"/>
+          </a:lnRef>
+          <a:fillRef idx="3">
+            <a:schemeClr val="accent1"/>
+          </a:fillRef>
+          <a:effectRef idx="2">
+            <a:schemeClr val="accent1"/>
+          </a:effectRef>
+          <a:fontRef idx="minor">
+            <a:schemeClr val="lt1"/>
+          </a:fontRef>
+        </p:style>
+        <p:txBody>
+          <a:bodyPr rtlCol="0" anchor="ctr"/>
           <a:lstStyle/>
           <a:p>
             <a:pPr algn="ctr"/>
-            <a:r>
-              <a:rPr lang="en-US" sz="3000" dirty="0" smtClean="0"/>
-              <a:t>Additional </a:t>
-            </a:r>
-            <a:r>
-              <a:rPr lang="en-US" sz="3000" dirty="0" smtClean="0">
-                <a:solidFill>
-                  <a:srgbClr val="FFFF00"/>
-                </a:solidFill>
-              </a:rPr>
-              <a:t>chemical</a:t>
-            </a:r>
-            <a:r>
-              <a:rPr lang="en-US" sz="3000" dirty="0" smtClean="0"/>
-              <a:t> and </a:t>
-            </a:r>
-            <a:r>
-              <a:rPr lang="en-US" sz="3000" dirty="0" smtClean="0">
-                <a:solidFill>
-                  <a:srgbClr val="FFFF00"/>
-                </a:solidFill>
-              </a:rPr>
-              <a:t>dynamical</a:t>
-            </a:r>
-            <a:r>
-              <a:rPr lang="en-US" sz="3000" dirty="0" smtClean="0"/>
-              <a:t> processes to be </a:t>
-            </a:r>
-            <a:r>
-              <a:rPr lang="en-US" sz="3000" dirty="0" smtClean="0">
-                <a:solidFill>
-                  <a:srgbClr val="FFFF00"/>
-                </a:solidFill>
-              </a:rPr>
-              <a:t>explored</a:t>
-            </a:r>
-            <a:endParaRPr lang="en-US" sz="3000" dirty="0">
-              <a:solidFill>
-                <a:srgbClr val="FFFF00"/>
-              </a:solidFill>
-            </a:endParaRPr>
-          </a:p>
-        </p:txBody>
-      </p:sp>
-      <p:sp>
-        <p:nvSpPr>
-          <p:cNvPr id="4" name="TextBox 3"/>
-          <p:cNvSpPr txBox="1"/>
+            <a:endParaRPr lang="en-US"/>
+          </a:p>
+        </p:txBody>
+      </p:sp>
+      <p:sp>
+        <p:nvSpPr>
+          <p:cNvPr id="16" name="Rectangle 15"/>
+          <p:cNvSpPr/>
           <p:nvPr/>
         </p:nvSpPr>
         <p:spPr>
           <a:xfrm>
-            <a:off x="6979385" y="6469371"/>
-            <a:ext cx="1106311" cy="307777"/>
+            <a:off x="1792110" y="4168652"/>
+            <a:ext cx="5774406" cy="486359"/>
           </a:xfrm>
           <a:prstGeom prst="rect">
             <a:avLst/>
           </a:prstGeom>
           <a:noFill/>
-        </p:spPr>
-        <p:txBody>
-          <a:bodyPr wrap="square" rtlCol="0">
-            <a:spAutoFit/>
-          </a:bodyPr>
-          <a:lstStyle/>
-          <a:p>
-            <a:r>
-              <a:rPr lang="en-US" sz="1400" dirty="0" smtClean="0">
-                <a:solidFill>
-                  <a:schemeClr val="bg1"/>
-                </a:solidFill>
-              </a:rPr>
-              <a:t>Piso+15</a:t>
-            </a:r>
-            <a:endParaRPr lang="en-US" sz="1400" dirty="0">
-              <a:solidFill>
-                <a:schemeClr val="bg1"/>
-              </a:solidFill>
-            </a:endParaRPr>
+          <a:ln w="25400">
+            <a:solidFill>
+              <a:srgbClr val="FF0000"/>
+            </a:solidFill>
+          </a:ln>
+          <a:effectLst/>
+        </p:spPr>
+        <p:style>
+          <a:lnRef idx="1">
+            <a:schemeClr val="accent1"/>
+          </a:lnRef>
+          <a:fillRef idx="3">
+            <a:schemeClr val="accent1"/>
+          </a:fillRef>
+          <a:effectRef idx="2">
+            <a:schemeClr val="accent1"/>
+          </a:effectRef>
+          <a:fontRef idx="minor">
+            <a:schemeClr val="lt1"/>
+          </a:fontRef>
+        </p:style>
+        <p:txBody>
+          <a:bodyPr rtlCol="0" anchor="ctr"/>
+          <a:lstStyle/>
+          <a:p>
+            <a:pPr algn="ctr"/>
+            <a:endParaRPr lang="en-US"/>
+          </a:p>
+        </p:txBody>
+      </p:sp>
+      <p:sp>
+        <p:nvSpPr>
+          <p:cNvPr id="17" name="Rectangle 16"/>
+          <p:cNvSpPr/>
+          <p:nvPr/>
+        </p:nvSpPr>
+        <p:spPr>
+          <a:xfrm>
+            <a:off x="1792110" y="5712580"/>
+            <a:ext cx="5774406" cy="486359"/>
+          </a:xfrm>
+          <a:prstGeom prst="rect">
+            <a:avLst/>
+          </a:prstGeom>
+          <a:noFill/>
+          <a:ln w="25400">
+            <a:solidFill>
+              <a:srgbClr val="FF0000"/>
+            </a:solidFill>
+          </a:ln>
+          <a:effectLst/>
+        </p:spPr>
+        <p:style>
+          <a:lnRef idx="1">
+            <a:schemeClr val="accent1"/>
+          </a:lnRef>
+          <a:fillRef idx="3">
+            <a:schemeClr val="accent1"/>
+          </a:fillRef>
+          <a:effectRef idx="2">
+            <a:schemeClr val="accent1"/>
+          </a:effectRef>
+          <a:fontRef idx="minor">
+            <a:schemeClr val="lt1"/>
+          </a:fontRef>
+        </p:style>
+        <p:txBody>
+          <a:bodyPr rtlCol="0" anchor="ctr"/>
+          <a:lstStyle/>
+          <a:p>
+            <a:pPr algn="ctr"/>
+            <a:endParaRPr lang="en-US"/>
           </a:p>
         </p:txBody>
       </p:sp>

--- a/slides/CIPS_talk.pptx
+++ b/slides/CIPS_talk.pptx
@@ -16818,8 +16818,8 @@
         </p:nvSpPr>
         <p:spPr>
           <a:xfrm>
-            <a:off x="6352823" y="6242971"/>
-            <a:ext cx="1106311" cy="307777"/>
+            <a:off x="5891075" y="6242971"/>
+            <a:ext cx="2025254" cy="307777"/>
           </a:xfrm>
           <a:prstGeom prst="rect">
             <a:avLst/>
@@ -16838,7 +16838,23 @@
                   <a:schemeClr val="bg1"/>
                 </a:solidFill>
               </a:rPr>
-              <a:t>Piso+15</a:t>
+              <a:t>Piso, Oberg, et al. </a:t>
+            </a:r>
+            <a:r>
+              <a:rPr lang="en-US" sz="1400" dirty="0" smtClean="0">
+                <a:solidFill>
+                  <a:schemeClr val="bg1"/>
+                </a:solidFill>
+              </a:rPr>
+              <a:t>201</a:t>
+            </a:r>
+            <a:r>
+              <a:rPr lang="en-US" sz="1400" dirty="0" smtClean="0">
+                <a:solidFill>
+                  <a:schemeClr val="bg1"/>
+                </a:solidFill>
+              </a:rPr>
+              <a:t>5</a:t>
             </a:r>
             <a:endParaRPr lang="en-US" sz="1400" dirty="0">
               <a:solidFill>
@@ -16967,14 +16983,14 @@
       </p:pic>
       <p:sp>
         <p:nvSpPr>
-          <p:cNvPr id="7" name="TextBox 6"/>
+          <p:cNvPr id="5" name="TextBox 4"/>
           <p:cNvSpPr txBox="1"/>
           <p:nvPr/>
         </p:nvSpPr>
         <p:spPr>
           <a:xfrm>
-            <a:off x="6090357" y="6396860"/>
-            <a:ext cx="1106311" cy="307777"/>
+            <a:off x="5458704" y="6396859"/>
+            <a:ext cx="2025254" cy="307777"/>
           </a:xfrm>
           <a:prstGeom prst="rect">
             <a:avLst/>
@@ -16993,7 +17009,23 @@
                   <a:schemeClr val="bg1"/>
                 </a:solidFill>
               </a:rPr>
-              <a:t>Piso+15</a:t>
+              <a:t>Piso, Oberg, et al. </a:t>
+            </a:r>
+            <a:r>
+              <a:rPr lang="en-US" sz="1400" dirty="0" smtClean="0">
+                <a:solidFill>
+                  <a:schemeClr val="bg1"/>
+                </a:solidFill>
+              </a:rPr>
+              <a:t>201</a:t>
+            </a:r>
+            <a:r>
+              <a:rPr lang="en-US" sz="1400" dirty="0" smtClean="0">
+                <a:solidFill>
+                  <a:schemeClr val="bg1"/>
+                </a:solidFill>
+              </a:rPr>
+              <a:t>5</a:t>
             </a:r>
             <a:endParaRPr lang="en-US" sz="1400" dirty="0">
               <a:solidFill>
@@ -17126,14 +17158,14 @@
       </p:pic>
       <p:sp>
         <p:nvSpPr>
-          <p:cNvPr id="6" name="TextBox 5"/>
+          <p:cNvPr id="5" name="TextBox 4"/>
           <p:cNvSpPr txBox="1"/>
           <p:nvPr/>
         </p:nvSpPr>
         <p:spPr>
           <a:xfrm>
-            <a:off x="6268157" y="6242971"/>
-            <a:ext cx="1106311" cy="307777"/>
+            <a:off x="5585759" y="6289239"/>
+            <a:ext cx="2025254" cy="307777"/>
           </a:xfrm>
           <a:prstGeom prst="rect">
             <a:avLst/>
@@ -17152,7 +17184,23 @@
                   <a:schemeClr val="bg1"/>
                 </a:solidFill>
               </a:rPr>
-              <a:t>Piso+15</a:t>
+              <a:t>Piso, Oberg, et al. </a:t>
+            </a:r>
+            <a:r>
+              <a:rPr lang="en-US" sz="1400" dirty="0" smtClean="0">
+                <a:solidFill>
+                  <a:schemeClr val="bg1"/>
+                </a:solidFill>
+              </a:rPr>
+              <a:t>201</a:t>
+            </a:r>
+            <a:r>
+              <a:rPr lang="en-US" sz="1400" dirty="0" smtClean="0">
+                <a:solidFill>
+                  <a:schemeClr val="bg1"/>
+                </a:solidFill>
+              </a:rPr>
+              <a:t>5</a:t>
             </a:r>
             <a:endParaRPr lang="en-US" sz="1400" dirty="0">
               <a:solidFill>
@@ -17290,44 +17338,6 @@
           </a:prstGeom>
         </p:spPr>
       </p:pic>
-      <p:sp>
-        <p:nvSpPr>
-          <p:cNvPr id="5" name="TextBox 4"/>
-          <p:cNvSpPr txBox="1"/>
-          <p:nvPr/>
-        </p:nvSpPr>
-        <p:spPr>
-          <a:xfrm>
-            <a:off x="6556022" y="5860638"/>
-            <a:ext cx="1106311" cy="307777"/>
-          </a:xfrm>
-          <a:prstGeom prst="rect">
-            <a:avLst/>
-          </a:prstGeom>
-          <a:noFill/>
-        </p:spPr>
-        <p:txBody>
-          <a:bodyPr wrap="square" rtlCol="0">
-            <a:spAutoFit/>
-          </a:bodyPr>
-          <a:lstStyle/>
-          <a:p>
-            <a:r>
-              <a:rPr lang="en-US" sz="1400" dirty="0" smtClean="0">
-                <a:solidFill>
-                  <a:schemeClr val="bg1"/>
-                </a:solidFill>
-              </a:rPr>
-              <a:t>Piso+15</a:t>
-            </a:r>
-            <a:endParaRPr lang="en-US" sz="1400" dirty="0">
-              <a:solidFill>
-                <a:schemeClr val="bg1"/>
-              </a:solidFill>
-            </a:endParaRPr>
-          </a:p>
-        </p:txBody>
-      </p:sp>
       <p:cxnSp>
         <p:nvCxnSpPr>
           <p:cNvPr id="6" name="Straight Connector 5"/>
@@ -17374,6 +17384,60 @@
           </a:fontRef>
         </p:style>
       </p:cxnSp>
+      <p:sp>
+        <p:nvSpPr>
+          <p:cNvPr id="7" name="TextBox 6"/>
+          <p:cNvSpPr txBox="1"/>
+          <p:nvPr/>
+        </p:nvSpPr>
+        <p:spPr>
+          <a:xfrm>
+            <a:off x="5826247" y="5962214"/>
+            <a:ext cx="2025254" cy="307777"/>
+          </a:xfrm>
+          <a:prstGeom prst="rect">
+            <a:avLst/>
+          </a:prstGeom>
+          <a:noFill/>
+        </p:spPr>
+        <p:txBody>
+          <a:bodyPr wrap="square" rtlCol="0">
+            <a:spAutoFit/>
+          </a:bodyPr>
+          <a:lstStyle/>
+          <a:p>
+            <a:r>
+              <a:rPr lang="en-US" sz="1400" dirty="0" smtClean="0">
+                <a:solidFill>
+                  <a:schemeClr val="bg1"/>
+                </a:solidFill>
+              </a:rPr>
+              <a:t>Piso, Oberg, et al. </a:t>
+            </a:r>
+            <a:r>
+              <a:rPr lang="en-US" sz="1400" dirty="0" smtClean="0">
+                <a:solidFill>
+                  <a:schemeClr val="bg1"/>
+                </a:solidFill>
+              </a:rPr>
+              <a:t>201</a:t>
+            </a:r>
+            <a:r>
+              <a:rPr lang="en-US" sz="1400" dirty="0" smtClean="0">
+                <a:solidFill>
+                  <a:schemeClr val="bg1"/>
+                </a:solidFill>
+              </a:rPr>
+              <a:t>5</a:t>
+            </a:r>
+            <a:endParaRPr lang="en-US" sz="1400" dirty="0">
+              <a:solidFill>
+                <a:schemeClr val="bg1"/>
+              </a:solidFill>
+            </a:endParaRPr>
+          </a:p>
+        </p:txBody>
+      </p:sp>
     </p:spTree>
     <p:extLst>
       <p:ext uri="{BB962C8B-B14F-4D97-AF65-F5344CB8AC3E}">

--- a/slides/CIPS_talk.pptx
+++ b/slides/CIPS_talk.pptx
@@ -16838,7 +16838,7 @@
                   <a:schemeClr val="bg1"/>
                 </a:solidFill>
               </a:rPr>
-              <a:t>Piso, Oberg, et al. </a:t>
+              <a:t>Piso, Oberg, et al. (</a:t>
             </a:r>
             <a:r>
               <a:rPr lang="en-US" sz="1400" dirty="0" smtClean="0">
@@ -16854,7 +16854,7 @@
                   <a:schemeClr val="bg1"/>
                 </a:solidFill>
               </a:rPr>
-              <a:t>5</a:t>
+              <a:t>5)</a:t>
             </a:r>
             <a:endParaRPr lang="en-US" sz="1400" dirty="0">
               <a:solidFill>
@@ -16989,7 +16989,7 @@
         </p:nvSpPr>
         <p:spPr>
           <a:xfrm>
-            <a:off x="5458704" y="6396859"/>
+            <a:off x="5418168" y="6396859"/>
             <a:ext cx="2025254" cy="307777"/>
           </a:xfrm>
           <a:prstGeom prst="rect">
@@ -17009,7 +17009,7 @@
                   <a:schemeClr val="bg1"/>
                 </a:solidFill>
               </a:rPr>
-              <a:t>Piso, Oberg, et al. </a:t>
+              <a:t>Piso, Oberg, et al. (</a:t>
             </a:r>
             <a:r>
               <a:rPr lang="en-US" sz="1400" dirty="0" smtClean="0">
@@ -17025,7 +17025,7 @@
                   <a:schemeClr val="bg1"/>
                 </a:solidFill>
               </a:rPr>
-              <a:t>5</a:t>
+              <a:t>5)</a:t>
             </a:r>
             <a:endParaRPr lang="en-US" sz="1400" dirty="0">
               <a:solidFill>
@@ -17164,7 +17164,7 @@
         </p:nvSpPr>
         <p:spPr>
           <a:xfrm>
-            <a:off x="5585759" y="6289239"/>
+            <a:off x="5504687" y="6289239"/>
             <a:ext cx="2025254" cy="307777"/>
           </a:xfrm>
           <a:prstGeom prst="rect">
@@ -17184,7 +17184,7 @@
                   <a:schemeClr val="bg1"/>
                 </a:solidFill>
               </a:rPr>
-              <a:t>Piso, Oberg, et al. </a:t>
+              <a:t>Piso, Oberg, et al. (</a:t>
             </a:r>
             <a:r>
               <a:rPr lang="en-US" sz="1400" dirty="0" smtClean="0">
@@ -17200,7 +17200,7 @@
                   <a:schemeClr val="bg1"/>
                 </a:solidFill>
               </a:rPr>
-              <a:t>5</a:t>
+              <a:t>5)</a:t>
             </a:r>
             <a:endParaRPr lang="en-US" sz="1400" dirty="0">
               <a:solidFill>
@@ -17392,7 +17392,7 @@
         </p:nvSpPr>
         <p:spPr>
           <a:xfrm>
-            <a:off x="5826247" y="5962214"/>
+            <a:off x="5772199" y="5962214"/>
             <a:ext cx="2025254" cy="307777"/>
           </a:xfrm>
           <a:prstGeom prst="rect">
@@ -17412,7 +17412,7 @@
                   <a:schemeClr val="bg1"/>
                 </a:solidFill>
               </a:rPr>
-              <a:t>Piso, Oberg, et al. </a:t>
+              <a:t>Piso, Oberg, et al. (</a:t>
             </a:r>
             <a:r>
               <a:rPr lang="en-US" sz="1400" dirty="0" smtClean="0">
@@ -17428,7 +17428,7 @@
                   <a:schemeClr val="bg1"/>
                 </a:solidFill>
               </a:rPr>
-              <a:t>5</a:t>
+              <a:t>5)</a:t>
             </a:r>
             <a:endParaRPr lang="en-US" sz="1400" dirty="0">
               <a:solidFill>
